--- a/lesson16.pptx
+++ b/lesson16.pptx
@@ -5,7 +5,7 @@
     <p:sldMasterId id="2147483648" r:id="rId1"/>
   </p:sldMasterIdLst>
   <p:notesMasterIdLst>
-    <p:notesMasterId r:id="rId37"/>
+    <p:notesMasterId r:id="rId33"/>
   </p:notesMasterIdLst>
   <p:sldIdLst>
     <p:sldId id="770" r:id="rId2"/>
@@ -19,30 +19,26 @@
     <p:sldId id="792" r:id="rId10"/>
     <p:sldId id="784" r:id="rId11"/>
     <p:sldId id="787" r:id="rId12"/>
-    <p:sldId id="782" r:id="rId13"/>
-    <p:sldId id="790" r:id="rId14"/>
-    <p:sldId id="793" r:id="rId15"/>
-    <p:sldId id="795" r:id="rId16"/>
-    <p:sldId id="794" r:id="rId17"/>
-    <p:sldId id="773" r:id="rId18"/>
-    <p:sldId id="745" r:id="rId19"/>
-    <p:sldId id="780" r:id="rId20"/>
-    <p:sldId id="517" r:id="rId21"/>
-    <p:sldId id="518" r:id="rId22"/>
-    <p:sldId id="532" r:id="rId23"/>
-    <p:sldId id="520" r:id="rId24"/>
-    <p:sldId id="521" r:id="rId25"/>
-    <p:sldId id="524" r:id="rId26"/>
-    <p:sldId id="525" r:id="rId27"/>
-    <p:sldId id="526" r:id="rId28"/>
-    <p:sldId id="490" r:id="rId29"/>
-    <p:sldId id="471" r:id="rId30"/>
-    <p:sldId id="459" r:id="rId31"/>
-    <p:sldId id="458" r:id="rId32"/>
-    <p:sldId id="472" r:id="rId33"/>
-    <p:sldId id="483" r:id="rId34"/>
-    <p:sldId id="486" r:id="rId35"/>
-    <p:sldId id="488" r:id="rId36"/>
+    <p:sldId id="793" r:id="rId13"/>
+    <p:sldId id="795" r:id="rId14"/>
+    <p:sldId id="794" r:id="rId15"/>
+    <p:sldId id="773" r:id="rId16"/>
+    <p:sldId id="517" r:id="rId17"/>
+    <p:sldId id="518" r:id="rId18"/>
+    <p:sldId id="532" r:id="rId19"/>
+    <p:sldId id="520" r:id="rId20"/>
+    <p:sldId id="521" r:id="rId21"/>
+    <p:sldId id="524" r:id="rId22"/>
+    <p:sldId id="525" r:id="rId23"/>
+    <p:sldId id="526" r:id="rId24"/>
+    <p:sldId id="490" r:id="rId25"/>
+    <p:sldId id="471" r:id="rId26"/>
+    <p:sldId id="459" r:id="rId27"/>
+    <p:sldId id="458" r:id="rId28"/>
+    <p:sldId id="472" r:id="rId29"/>
+    <p:sldId id="483" r:id="rId30"/>
+    <p:sldId id="486" r:id="rId31"/>
+    <p:sldId id="488" r:id="rId32"/>
   </p:sldIdLst>
   <p:sldSz cx="12192000" cy="6858000"/>
   <p:notesSz cx="6858000" cy="9144000"/>
@@ -158,14 +154,6 @@
     </p:ext>
   </p:extLst>
 </p:presentation>
-</file>
-
-<file path=ppt/revisionInfo.xml><?xml version="1.0" encoding="utf-8"?>
-<p1510:revInfo xmlns:a="http://schemas.openxmlformats.org/drawingml/2006/main" xmlns:r="http://schemas.openxmlformats.org/officeDocument/2006/relationships" xmlns:p1510="http://schemas.microsoft.com/office/powerpoint/2015/10/main">
-  <p1510:revLst>
-    <p1510:client id="{44EE398A-5353-4CFB-8EF6-C9E277344365}" v="2" dt="2021-05-23T12:27:53.090"/>
-  </p1510:revLst>
-</p1510:revInfo>
 </file>
 
 <file path=ppt/changesInfos/changesInfo1.xml><?xml version="1.0" encoding="utf-8"?>
@@ -631,6 +619,133 @@
     </pc:docChg>
   </pc:docChgLst>
   <pc:docChgLst>
+    <pc:chgData name="Anatoliy Kigel" userId="7432c6c4687b0a9c" providerId="LiveId" clId="{01F772CB-420E-4D46-9647-AD6416A85122}"/>
+    <pc:docChg chg="undo custSel addSld delSld modSld">
+      <pc:chgData name="Anatoliy Kigel" userId="7432c6c4687b0a9c" providerId="LiveId" clId="{01F772CB-420E-4D46-9647-AD6416A85122}" dt="2021-11-01T21:04:34.653" v="40" actId="20577"/>
+      <pc:docMkLst>
+        <pc:docMk/>
+      </pc:docMkLst>
+      <pc:sldChg chg="modSp mod">
+        <pc:chgData name="Anatoliy Kigel" userId="7432c6c4687b0a9c" providerId="LiveId" clId="{01F772CB-420E-4D46-9647-AD6416A85122}" dt="2021-11-01T21:04:34.653" v="40" actId="20577"/>
+        <pc:sldMkLst>
+          <pc:docMk/>
+          <pc:sldMk cId="1127949560" sldId="490"/>
+        </pc:sldMkLst>
+        <pc:spChg chg="mod">
+          <ac:chgData name="Anatoliy Kigel" userId="7432c6c4687b0a9c" providerId="LiveId" clId="{01F772CB-420E-4D46-9647-AD6416A85122}" dt="2021-11-01T21:04:34.653" v="40" actId="20577"/>
+          <ac:spMkLst>
+            <pc:docMk/>
+            <pc:sldMk cId="1127949560" sldId="490"/>
+            <ac:spMk id="5" creationId="{00000000-0000-0000-0000-000000000000}"/>
+          </ac:spMkLst>
+        </pc:spChg>
+      </pc:sldChg>
+      <pc:sldChg chg="modSp mod">
+        <pc:chgData name="Anatoliy Kigel" userId="7432c6c4687b0a9c" providerId="LiveId" clId="{01F772CB-420E-4D46-9647-AD6416A85122}" dt="2021-11-01T21:04:27.503" v="36" actId="20577"/>
+        <pc:sldMkLst>
+          <pc:docMk/>
+          <pc:sldMk cId="1294794088" sldId="517"/>
+        </pc:sldMkLst>
+        <pc:spChg chg="mod">
+          <ac:chgData name="Anatoliy Kigel" userId="7432c6c4687b0a9c" providerId="LiveId" clId="{01F772CB-420E-4D46-9647-AD6416A85122}" dt="2021-11-01T21:04:27.503" v="36" actId="20577"/>
+          <ac:spMkLst>
+            <pc:docMk/>
+            <pc:sldMk cId="1294794088" sldId="517"/>
+            <ac:spMk id="5" creationId="{00000000-0000-0000-0000-000000000000}"/>
+          </ac:spMkLst>
+        </pc:spChg>
+      </pc:sldChg>
+      <pc:sldChg chg="modSp mod">
+        <pc:chgData name="Anatoliy Kigel" userId="7432c6c4687b0a9c" providerId="LiveId" clId="{01F772CB-420E-4D46-9647-AD6416A85122}" dt="2021-11-01T21:04:31.357" v="38" actId="20577"/>
+        <pc:sldMkLst>
+          <pc:docMk/>
+          <pc:sldMk cId="3192488334" sldId="524"/>
+        </pc:sldMkLst>
+        <pc:spChg chg="mod">
+          <ac:chgData name="Anatoliy Kigel" userId="7432c6c4687b0a9c" providerId="LiveId" clId="{01F772CB-420E-4D46-9647-AD6416A85122}" dt="2021-11-01T21:04:31.357" v="38" actId="20577"/>
+          <ac:spMkLst>
+            <pc:docMk/>
+            <pc:sldMk cId="3192488334" sldId="524"/>
+            <ac:spMk id="5" creationId="{00000000-0000-0000-0000-000000000000}"/>
+          </ac:spMkLst>
+        </pc:spChg>
+      </pc:sldChg>
+      <pc:sldChg chg="del">
+        <pc:chgData name="Anatoliy Kigel" userId="7432c6c4687b0a9c" providerId="LiveId" clId="{01F772CB-420E-4D46-9647-AD6416A85122}" dt="2021-11-01T21:03:16.293" v="0" actId="47"/>
+        <pc:sldMkLst>
+          <pc:docMk/>
+          <pc:sldMk cId="1102660651" sldId="745"/>
+        </pc:sldMkLst>
+      </pc:sldChg>
+      <pc:sldChg chg="del">
+        <pc:chgData name="Anatoliy Kigel" userId="7432c6c4687b0a9c" providerId="LiveId" clId="{01F772CB-420E-4D46-9647-AD6416A85122}" dt="2021-11-01T21:03:16.293" v="0" actId="47"/>
+        <pc:sldMkLst>
+          <pc:docMk/>
+          <pc:sldMk cId="3277879645" sldId="780"/>
+        </pc:sldMkLst>
+      </pc:sldChg>
+      <pc:sldChg chg="del">
+        <pc:chgData name="Anatoliy Kigel" userId="7432c6c4687b0a9c" providerId="LiveId" clId="{01F772CB-420E-4D46-9647-AD6416A85122}" dt="2021-11-01T21:03:22.534" v="1" actId="47"/>
+        <pc:sldMkLst>
+          <pc:docMk/>
+          <pc:sldMk cId="2265213440" sldId="782"/>
+        </pc:sldMkLst>
+      </pc:sldChg>
+      <pc:sldChg chg="modSp add del mod">
+        <pc:chgData name="Anatoliy Kigel" userId="7432c6c4687b0a9c" providerId="LiveId" clId="{01F772CB-420E-4D46-9647-AD6416A85122}" dt="2021-11-01T21:04:09.188" v="23" actId="20577"/>
+        <pc:sldMkLst>
+          <pc:docMk/>
+          <pc:sldMk cId="2253094792" sldId="784"/>
+        </pc:sldMkLst>
+        <pc:spChg chg="mod">
+          <ac:chgData name="Anatoliy Kigel" userId="7432c6c4687b0a9c" providerId="LiveId" clId="{01F772CB-420E-4D46-9647-AD6416A85122}" dt="2021-11-01T21:04:09.188" v="23" actId="20577"/>
+          <ac:spMkLst>
+            <pc:docMk/>
+            <pc:sldMk cId="2253094792" sldId="784"/>
+            <ac:spMk id="5" creationId="{00000000-0000-0000-0000-000000000000}"/>
+          </ac:spMkLst>
+        </pc:spChg>
+      </pc:sldChg>
+      <pc:sldChg chg="del">
+        <pc:chgData name="Anatoliy Kigel" userId="7432c6c4687b0a9c" providerId="LiveId" clId="{01F772CB-420E-4D46-9647-AD6416A85122}" dt="2021-11-01T21:03:22.534" v="1" actId="47"/>
+        <pc:sldMkLst>
+          <pc:docMk/>
+          <pc:sldMk cId="1327075948" sldId="790"/>
+        </pc:sldMkLst>
+      </pc:sldChg>
+      <pc:sldChg chg="modSp mod">
+        <pc:chgData name="Anatoliy Kigel" userId="7432c6c4687b0a9c" providerId="LiveId" clId="{01F772CB-420E-4D46-9647-AD6416A85122}" dt="2021-11-01T21:04:19.681" v="30" actId="20577"/>
+        <pc:sldMkLst>
+          <pc:docMk/>
+          <pc:sldMk cId="1744366878" sldId="793"/>
+        </pc:sldMkLst>
+        <pc:spChg chg="mod">
+          <ac:chgData name="Anatoliy Kigel" userId="7432c6c4687b0a9c" providerId="LiveId" clId="{01F772CB-420E-4D46-9647-AD6416A85122}" dt="2021-11-01T21:04:19.681" v="30" actId="20577"/>
+          <ac:spMkLst>
+            <pc:docMk/>
+            <pc:sldMk cId="1744366878" sldId="793"/>
+            <ac:spMk id="5" creationId="{00000000-0000-0000-0000-000000000000}"/>
+          </ac:spMkLst>
+        </pc:spChg>
+      </pc:sldChg>
+      <pc:sldChg chg="modSp mod">
+        <pc:chgData name="Anatoliy Kigel" userId="7432c6c4687b0a9c" providerId="LiveId" clId="{01F772CB-420E-4D46-9647-AD6416A85122}" dt="2021-11-01T21:04:24.489" v="34" actId="20577"/>
+        <pc:sldMkLst>
+          <pc:docMk/>
+          <pc:sldMk cId="3553682159" sldId="794"/>
+        </pc:sldMkLst>
+        <pc:spChg chg="mod">
+          <ac:chgData name="Anatoliy Kigel" userId="7432c6c4687b0a9c" providerId="LiveId" clId="{01F772CB-420E-4D46-9647-AD6416A85122}" dt="2021-11-01T21:04:24.489" v="34" actId="20577"/>
+          <ac:spMkLst>
+            <pc:docMk/>
+            <pc:sldMk cId="3553682159" sldId="794"/>
+            <ac:spMk id="5" creationId="{00000000-0000-0000-0000-000000000000}"/>
+          </ac:spMkLst>
+        </pc:spChg>
+      </pc:sldChg>
+    </pc:docChg>
+  </pc:docChgLst>
+  <pc:docChgLst>
     <pc:chgData name="Anatoliy Kigel" userId="7432c6c4687b0a9c" providerId="LiveId" clId="{3199094F-BAE2-4558-A9B8-69EDDCA19CFF}"/>
     <pc:docChg chg="modSld">
       <pc:chgData name="Anatoliy Kigel" userId="7432c6c4687b0a9c" providerId="LiveId" clId="{3199094F-BAE2-4558-A9B8-69EDDCA19CFF}" dt="2021-05-23T12:23:20.229" v="13" actId="20577"/>
@@ -1105,7 +1220,7 @@
             <a:fld id="{85522811-C5C6-42D2-A409-F8556720C93F}" type="datetimeFigureOut">
               <a:rPr lang="uk-UA" smtClean="0"/>
               <a:pPr/>
-              <a:t>23.05.2021</a:t>
+              <a:t>01.11.2021</a:t>
             </a:fld>
             <a:endParaRPr lang="uk-UA"/>
           </a:p>
@@ -1534,7 +1649,7 @@
             <a:fld id="{B2668688-711B-4328-ACFB-54B46FA90133}" type="slidenum">
               <a:rPr lang="uk-UA" smtClean="0"/>
               <a:pPr/>
-              <a:t>26</a:t>
+              <a:t>22</a:t>
             </a:fld>
             <a:endParaRPr lang="uk-UA" dirty="0"/>
           </a:p>
@@ -1735,7 +1850,7 @@
             <a:fld id="{0A2E6AC4-C3FE-4E70-88D1-136405B25267}" type="datetime1">
               <a:rPr lang="uk-UA" smtClean="0"/>
               <a:pPr/>
-              <a:t>23.05.2021</a:t>
+              <a:t>01.11.2021</a:t>
             </a:fld>
             <a:endParaRPr lang="uk-UA"/>
           </a:p>
@@ -1902,7 +2017,7 @@
             <a:fld id="{B4D85949-5AE9-41F1-B18C-DA1006B0E8CC}" type="datetime1">
               <a:rPr lang="uk-UA" smtClean="0"/>
               <a:pPr/>
-              <a:t>23.05.2021</a:t>
+              <a:t>01.11.2021</a:t>
             </a:fld>
             <a:endParaRPr lang="uk-UA"/>
           </a:p>
@@ -2079,7 +2194,7 @@
             <a:fld id="{B20C227C-94C5-4BA1-A89C-1C7570144B22}" type="datetime1">
               <a:rPr lang="uk-UA" smtClean="0"/>
               <a:pPr/>
-              <a:t>23.05.2021</a:t>
+              <a:t>01.11.2021</a:t>
             </a:fld>
             <a:endParaRPr lang="uk-UA"/>
           </a:p>
@@ -2246,7 +2361,7 @@
             <a:fld id="{68E2E168-B245-4D8D-8538-B29990DBF87B}" type="datetime1">
               <a:rPr lang="uk-UA" smtClean="0"/>
               <a:pPr/>
-              <a:t>23.05.2021</a:t>
+              <a:t>01.11.2021</a:t>
             </a:fld>
             <a:endParaRPr lang="uk-UA"/>
           </a:p>
@@ -2489,7 +2604,7 @@
             <a:fld id="{356DAF6E-7007-4E61-B36E-794BF232B234}" type="datetime1">
               <a:rPr lang="uk-UA" smtClean="0"/>
               <a:pPr/>
-              <a:t>23.05.2021</a:t>
+              <a:t>01.11.2021</a:t>
             </a:fld>
             <a:endParaRPr lang="uk-UA"/>
           </a:p>
@@ -2774,7 +2889,7 @@
             <a:fld id="{4B2141DD-FE72-44AA-B946-B70892F1F5B7}" type="datetime1">
               <a:rPr lang="uk-UA" smtClean="0"/>
               <a:pPr/>
-              <a:t>23.05.2021</a:t>
+              <a:t>01.11.2021</a:t>
             </a:fld>
             <a:endParaRPr lang="uk-UA"/>
           </a:p>
@@ -3193,7 +3308,7 @@
             <a:fld id="{D1C4DC7C-6CC4-4D1F-A21B-A650800E0532}" type="datetime1">
               <a:rPr lang="uk-UA" smtClean="0"/>
               <a:pPr/>
-              <a:t>23.05.2021</a:t>
+              <a:t>01.11.2021</a:t>
             </a:fld>
             <a:endParaRPr lang="uk-UA"/>
           </a:p>
@@ -3308,7 +3423,7 @@
             <a:fld id="{09E753FA-BE70-4E9D-A1A2-A798C2E22C2C}" type="datetime1">
               <a:rPr lang="uk-UA" smtClean="0"/>
               <a:pPr/>
-              <a:t>23.05.2021</a:t>
+              <a:t>01.11.2021</a:t>
             </a:fld>
             <a:endParaRPr lang="uk-UA"/>
           </a:p>
@@ -3400,7 +3515,7 @@
             <a:fld id="{BC4E9D1B-A194-48C6-B5A1-4C29D0F81227}" type="datetime1">
               <a:rPr lang="uk-UA" smtClean="0"/>
               <a:pPr/>
-              <a:t>23.05.2021</a:t>
+              <a:t>01.11.2021</a:t>
             </a:fld>
             <a:endParaRPr lang="uk-UA"/>
           </a:p>
@@ -3674,7 +3789,7 @@
             <a:fld id="{98DC5B78-3AEE-4E8C-84A2-DF8B252C6B7D}" type="datetime1">
               <a:rPr lang="uk-UA" smtClean="0"/>
               <a:pPr/>
-              <a:t>23.05.2021</a:t>
+              <a:t>01.11.2021</a:t>
             </a:fld>
             <a:endParaRPr lang="uk-UA"/>
           </a:p>
@@ -3924,7 +4039,7 @@
             <a:fld id="{08E6AC05-7690-4D29-B090-15CFA8055B58}" type="datetime1">
               <a:rPr lang="uk-UA" smtClean="0"/>
               <a:pPr/>
-              <a:t>23.05.2021</a:t>
+              <a:t>01.11.2021</a:t>
             </a:fld>
             <a:endParaRPr lang="uk-UA"/>
           </a:p>
@@ -4134,7 +4249,7 @@
             <a:fld id="{C4778AB5-85A2-4D58-9351-A198925B541D}" type="datetime1">
               <a:rPr lang="uk-UA" smtClean="0"/>
               <a:pPr/>
-              <a:t>23.05.2021</a:t>
+              <a:t>01.11.2021</a:t>
             </a:fld>
             <a:endParaRPr lang="uk-UA"/>
           </a:p>
@@ -4830,8 +4945,12 @@
           <a:p>
             <a:pPr algn="ctr"/>
             <a:r>
+              <a:rPr lang="en-US" sz="6000" b="1" dirty="0"/>
+              <a:t>4.</a:t>
+            </a:r>
+            <a:r>
               <a:rPr lang="ru-RU" sz="6000" b="1" dirty="0"/>
-              <a:t>3.1 Классы </a:t>
+              <a:t> Классы </a:t>
             </a:r>
             <a:r>
               <a:rPr lang="en-US" sz="6000" b="1" dirty="0">
@@ -5365,23 +5484,7 @@
                   <a:schemeClr val="bg1"/>
                 </a:solidFill>
               </a:rPr>
-              <a:t>3.</a:t>
-            </a:r>
-            <a:r>
-              <a:rPr lang="ru-RU" sz="6000" b="1" dirty="0">
-                <a:solidFill>
-                  <a:schemeClr val="bg1"/>
-                </a:solidFill>
-              </a:rPr>
-              <a:t>2</a:t>
-            </a:r>
-            <a:r>
-              <a:rPr lang="en-US" sz="6000" b="1" dirty="0">
-                <a:solidFill>
-                  <a:schemeClr val="bg1"/>
-                </a:solidFill>
-              </a:rPr>
-              <a:t> </a:t>
+              <a:t>5. </a:t>
             </a:r>
             <a:r>
               <a:rPr lang="ru-RU" sz="6000" b="1" dirty="0">
@@ -5413,7 +5516,7 @@
                   <a:srgbClr val="92D050"/>
                 </a:solidFill>
               </a:rPr>
-              <a:t>.col</a:t>
+              <a:t>.col-N</a:t>
             </a:r>
             <a:r>
               <a:rPr lang="ru-RU" sz="6000" b="1" dirty="0">
@@ -5434,7 +5537,7 @@
     </p:spTree>
     <p:extLst>
       <p:ext uri="{BB962C8B-B14F-4D97-AF65-F5344CB8AC3E}">
-        <p14:creationId xmlns:p14="http://schemas.microsoft.com/office/powerpoint/2010/main" val="2265213440"/>
+        <p14:creationId xmlns:p14="http://schemas.microsoft.com/office/powerpoint/2010/main" val="1744366878"/>
       </p:ext>
     </p:extLst>
   </p:cSld>
@@ -5565,7 +5668,7 @@
         </p:nvSpPr>
         <p:spPr>
           <a:xfrm>
-            <a:off x="-30619" y="313521"/>
+            <a:off x="-30619" y="260648"/>
             <a:ext cx="12192000" cy="830997"/>
           </a:xfrm>
           <a:prstGeom prst="rect">
@@ -5602,7 +5705,7 @@
                   <a:srgbClr val="00B050"/>
                 </a:solidFill>
               </a:rPr>
-              <a:t>.col</a:t>
+              <a:t>.col-N</a:t>
             </a:r>
             <a:endParaRPr lang="ru-RU" sz="4800" b="1" dirty="0">
               <a:solidFill>
@@ -5612,24 +5715,241 @@
           </a:p>
         </p:txBody>
       </p:sp>
+      <p:sp>
+        <p:nvSpPr>
+          <p:cNvPr id="13" name="Прямоугольник 12"/>
+          <p:cNvSpPr/>
+          <p:nvPr/>
+        </p:nvSpPr>
+        <p:spPr>
+          <a:xfrm>
+            <a:off x="0" y="6101765"/>
+            <a:ext cx="12192000" cy="461665"/>
+          </a:xfrm>
+          <a:prstGeom prst="rect">
+            <a:avLst/>
+          </a:prstGeom>
+        </p:spPr>
+        <p:txBody>
+          <a:bodyPr wrap="square">
+            <a:spAutoFit/>
+          </a:bodyPr>
+          <a:lstStyle/>
+          <a:p>
+            <a:pPr algn="ctr"/>
+            <a:r>
+              <a:rPr lang="en-US" sz="2400" b="1" dirty="0">
+                <a:hlinkClick r:id="rId2"/>
+              </a:rPr>
+              <a:t>https://getbootstrap.com/docs/5.0/layout/grid/#grid-options</a:t>
+            </a:r>
+            <a:endParaRPr lang="ru-RU" sz="2400" b="1" dirty="0"/>
+          </a:p>
+        </p:txBody>
+      </p:sp>
+      <p:sp>
+        <p:nvSpPr>
+          <p:cNvPr id="4" name="TextBox 3"/>
+          <p:cNvSpPr txBox="1"/>
+          <p:nvPr/>
+        </p:nvSpPr>
+        <p:spPr>
+          <a:xfrm>
+            <a:off x="6600055" y="1268760"/>
+            <a:ext cx="4968553" cy="4524315"/>
+          </a:xfrm>
+          <a:prstGeom prst="rect">
+            <a:avLst/>
+          </a:prstGeom>
+          <a:noFill/>
+        </p:spPr>
+        <p:txBody>
+          <a:bodyPr wrap="square" rtlCol="0">
+            <a:spAutoFit/>
+          </a:bodyPr>
+          <a:lstStyle/>
+          <a:p>
+            <a:r>
+              <a:rPr lang="ru-RU" sz="2400" dirty="0"/>
+              <a:t>Реализуют схему: «</a:t>
+            </a:r>
+            <a:r>
+              <a:rPr lang="ru-RU" sz="2400" i="1" dirty="0"/>
+              <a:t>Пространство делится на 12 равных колонок, каждый блок занимает часть этих колонок</a:t>
+            </a:r>
+            <a:r>
+              <a:rPr lang="ru-RU" sz="2400" dirty="0"/>
+              <a:t>». Класс </a:t>
+            </a:r>
+            <a:r>
+              <a:rPr lang="en-US" sz="2400" b="1" dirty="0"/>
+              <a:t>.row </a:t>
+            </a:r>
+            <a:r>
+              <a:rPr lang="ru-RU" sz="2400" dirty="0"/>
+              <a:t>задаётся для </a:t>
+            </a:r>
+            <a:r>
+              <a:rPr lang="ru-RU" sz="2400" b="1" dirty="0"/>
+              <a:t>родительского элемента</a:t>
+            </a:r>
+            <a:r>
+              <a:rPr lang="ru-RU" sz="2400" dirty="0"/>
+              <a:t> (который станет </a:t>
+            </a:r>
+            <a:r>
+              <a:rPr lang="en-US" sz="2400" b="1" dirty="0"/>
+              <a:t>flex-</a:t>
+            </a:r>
+            <a:r>
+              <a:rPr lang="ru-RU" sz="2400" b="1" dirty="0"/>
+              <a:t>контейнером</a:t>
+            </a:r>
+            <a:r>
+              <a:rPr lang="ru-RU" sz="2400" dirty="0"/>
+              <a:t>). Классы </a:t>
+            </a:r>
+            <a:r>
+              <a:rPr lang="en-US" sz="2400" b="1" dirty="0"/>
+              <a:t>col</a:t>
+            </a:r>
+            <a:r>
+              <a:rPr lang="ru-RU" sz="2400" b="1" dirty="0"/>
+              <a:t>-</a:t>
+            </a:r>
+            <a:r>
+              <a:rPr lang="en-US" sz="2400" b="1" dirty="0"/>
+              <a:t>N</a:t>
+            </a:r>
+            <a:r>
+              <a:rPr lang="en-US" sz="2400" dirty="0"/>
+              <a:t> (</a:t>
+            </a:r>
+            <a:r>
+              <a:rPr lang="ru-RU" sz="2400" dirty="0"/>
+              <a:t>например </a:t>
+            </a:r>
+            <a:r>
+              <a:rPr lang="en-US" sz="2400" b="1" dirty="0"/>
+              <a:t>col-4</a:t>
+            </a:r>
+            <a:r>
+              <a:rPr lang="en-US" sz="2400" dirty="0"/>
+              <a:t>,</a:t>
+            </a:r>
+            <a:r>
+              <a:rPr lang="en-US" sz="2400" b="1" dirty="0"/>
+              <a:t> col-7</a:t>
+            </a:r>
+            <a:r>
+              <a:rPr lang="en-US" sz="2400" dirty="0"/>
+              <a:t>,</a:t>
+            </a:r>
+            <a:r>
+              <a:rPr lang="en-US" sz="2400" b="1" dirty="0"/>
+              <a:t> col-12 </a:t>
+            </a:r>
+            <a:r>
+              <a:rPr lang="ru-RU" sz="2400" dirty="0"/>
+              <a:t>и т.п.</a:t>
+            </a:r>
+            <a:r>
+              <a:rPr lang="en-US" sz="2400" dirty="0"/>
+              <a:t>)</a:t>
+            </a:r>
+            <a:r>
+              <a:rPr lang="ru-RU" sz="2400" dirty="0"/>
+              <a:t> задаются для </a:t>
+            </a:r>
+            <a:r>
+              <a:rPr lang="ru-RU" sz="2400" b="1" dirty="0"/>
+              <a:t>дочерних элементов </a:t>
+            </a:r>
+            <a:r>
+              <a:rPr lang="ru-RU" sz="2400" dirty="0"/>
+              <a:t>(по сути </a:t>
+            </a:r>
+            <a:r>
+              <a:rPr lang="ru-RU" sz="2400" b="1" dirty="0"/>
+              <a:t>для ячеек </a:t>
+            </a:r>
+            <a:r>
+              <a:rPr lang="ru-RU" sz="2400" dirty="0"/>
+              <a:t>в этой «сетке»). Возможно применение адаптивных классов </a:t>
+            </a:r>
+            <a:r>
+              <a:rPr lang="en-US" sz="2400" b="1" dirty="0"/>
+              <a:t>col-* </a:t>
+            </a:r>
+            <a:r>
+              <a:rPr lang="en-US" sz="2400" dirty="0"/>
+              <a:t>(</a:t>
+            </a:r>
+            <a:r>
+              <a:rPr lang="ru-RU" sz="2400" dirty="0"/>
+              <a:t>например: </a:t>
+            </a:r>
+            <a:r>
+              <a:rPr lang="en-US" sz="2400" b="1" dirty="0"/>
+              <a:t>col-md</a:t>
+            </a:r>
+            <a:r>
+              <a:rPr lang="ru-RU" sz="2400" b="1" dirty="0"/>
+              <a:t>-3</a:t>
+            </a:r>
+            <a:r>
+              <a:rPr lang="en-US" sz="2400" dirty="0"/>
+              <a:t>, </a:t>
+            </a:r>
+            <a:r>
+              <a:rPr lang="en-US" sz="2400" b="1" dirty="0"/>
+              <a:t>col-</a:t>
+            </a:r>
+            <a:r>
+              <a:rPr lang="en-US" sz="2400" b="1" dirty="0" err="1"/>
+              <a:t>lg</a:t>
+            </a:r>
+            <a:r>
+              <a:rPr lang="ru-RU" sz="2400" b="1" dirty="0"/>
+              <a:t>-7</a:t>
+            </a:r>
+            <a:r>
+              <a:rPr lang="en-US" sz="2400" b="1" dirty="0"/>
+              <a:t> </a:t>
+            </a:r>
+            <a:r>
+              <a:rPr lang="ru-RU" sz="2400" dirty="0"/>
+              <a:t>и т.п.</a:t>
+            </a:r>
+            <a:r>
+              <a:rPr lang="en-US" sz="2400" dirty="0"/>
+              <a:t>)</a:t>
+            </a:r>
+            <a:r>
+              <a:rPr lang="ru-RU" sz="2400" dirty="0"/>
+              <a:t>.</a:t>
+            </a:r>
+          </a:p>
+        </p:txBody>
+      </p:sp>
       <p:pic>
         <p:nvPicPr>
-          <p:cNvPr id="12" name="Рисунок 11"/>
+          <p:cNvPr id="2" name="Рисунок 1"/>
           <p:cNvPicPr>
             <a:picLocks noChangeAspect="1"/>
           </p:cNvPicPr>
           <p:nvPr/>
         </p:nvPicPr>
         <p:blipFill>
-          <a:blip r:embed="rId2"/>
+          <a:blip r:embed="rId3"/>
           <a:stretch>
             <a:fillRect/>
           </a:stretch>
         </p:blipFill>
         <p:spPr>
           <a:xfrm>
-            <a:off x="407368" y="1340768"/>
-            <a:ext cx="5423837" cy="4365104"/>
+            <a:off x="335360" y="1434285"/>
+            <a:ext cx="5930460" cy="4271749"/>
           </a:xfrm>
           <a:prstGeom prst="rect">
             <a:avLst/>
@@ -5646,179 +5966,10 @@
           </a:effectLst>
         </p:spPr>
       </p:pic>
-      <p:sp>
-        <p:nvSpPr>
-          <p:cNvPr id="13" name="Прямоугольник 12"/>
-          <p:cNvSpPr/>
-          <p:nvPr/>
-        </p:nvSpPr>
-        <p:spPr>
-          <a:xfrm>
-            <a:off x="0" y="6101765"/>
-            <a:ext cx="12192000" cy="461665"/>
-          </a:xfrm>
-          <a:prstGeom prst="rect">
-            <a:avLst/>
-          </a:prstGeom>
-        </p:spPr>
-        <p:txBody>
-          <a:bodyPr wrap="square">
-            <a:spAutoFit/>
-          </a:bodyPr>
-          <a:lstStyle/>
-          <a:p>
-            <a:pPr algn="ctr"/>
-            <a:r>
-              <a:rPr lang="ru-RU" sz="2400" b="1" dirty="0">
-                <a:hlinkClick r:id="rId3"/>
-              </a:rPr>
-              <a:t>https://getbootstrap.com/docs/5.0/layout/grid/#auto-layout-columns</a:t>
-            </a:r>
-            <a:endParaRPr lang="ru-RU" sz="2400" b="1" dirty="0"/>
-          </a:p>
-        </p:txBody>
-      </p:sp>
-      <p:sp>
-        <p:nvSpPr>
-          <p:cNvPr id="4" name="TextBox 3"/>
-          <p:cNvSpPr txBox="1"/>
-          <p:nvPr/>
-        </p:nvSpPr>
-        <p:spPr>
-          <a:xfrm>
-            <a:off x="6456040" y="1630494"/>
-            <a:ext cx="4968553" cy="3785652"/>
-          </a:xfrm>
-          <a:prstGeom prst="rect">
-            <a:avLst/>
-          </a:prstGeom>
-          <a:noFill/>
-        </p:spPr>
-        <p:txBody>
-          <a:bodyPr wrap="square" rtlCol="0">
-            <a:spAutoFit/>
-          </a:bodyPr>
-          <a:lstStyle/>
-          <a:p>
-            <a:r>
-              <a:rPr lang="ru-RU" sz="2400" dirty="0"/>
-              <a:t>Реализуют схему: «</a:t>
-            </a:r>
-            <a:r>
-              <a:rPr lang="ru-RU" sz="2400" i="1" dirty="0"/>
-              <a:t>Все в ряд, пока позволяет место</a:t>
-            </a:r>
-            <a:r>
-              <a:rPr lang="ru-RU" sz="2400" dirty="0"/>
-              <a:t>». Класс </a:t>
-            </a:r>
-            <a:r>
-              <a:rPr lang="en-US" sz="2400" b="1" dirty="0"/>
-              <a:t>.row </a:t>
-            </a:r>
-            <a:r>
-              <a:rPr lang="ru-RU" sz="2400" dirty="0"/>
-              <a:t>задаётся для </a:t>
-            </a:r>
-            <a:r>
-              <a:rPr lang="ru-RU" sz="2400" b="1" dirty="0"/>
-              <a:t>родительского элемента</a:t>
-            </a:r>
-            <a:r>
-              <a:rPr lang="ru-RU" sz="2400" dirty="0"/>
-              <a:t> (который станет </a:t>
-            </a:r>
-            <a:r>
-              <a:rPr lang="en-US" sz="2400" b="1" dirty="0"/>
-              <a:t>flex-</a:t>
-            </a:r>
-            <a:r>
-              <a:rPr lang="ru-RU" sz="2400" b="1" dirty="0"/>
-              <a:t>контейнером</a:t>
-            </a:r>
-            <a:r>
-              <a:rPr lang="ru-RU" sz="2400" dirty="0"/>
-              <a:t>), классы </a:t>
-            </a:r>
-            <a:r>
-              <a:rPr lang="en-US" sz="2400" b="1" dirty="0"/>
-              <a:t>col</a:t>
-            </a:r>
-            <a:r>
-              <a:rPr lang="en-US" sz="2400" dirty="0"/>
-              <a:t> </a:t>
-            </a:r>
-            <a:r>
-              <a:rPr lang="ru-RU" sz="2400" dirty="0"/>
-              <a:t>задаются для </a:t>
-            </a:r>
-            <a:r>
-              <a:rPr lang="ru-RU" sz="2400" b="1" dirty="0"/>
-              <a:t>дочерних элементов </a:t>
-            </a:r>
-            <a:r>
-              <a:rPr lang="ru-RU" sz="2400" dirty="0"/>
-              <a:t>(по сути </a:t>
-            </a:r>
-            <a:r>
-              <a:rPr lang="ru-RU" sz="2400" b="1" dirty="0"/>
-              <a:t>для ячеек </a:t>
-            </a:r>
-            <a:r>
-              <a:rPr lang="ru-RU" sz="2400" dirty="0"/>
-              <a:t>в этой «сетке»). Возможно применение адаптивных классов </a:t>
-            </a:r>
-            <a:r>
-              <a:rPr lang="en-US" sz="2400" b="1" dirty="0"/>
-              <a:t>col-* </a:t>
-            </a:r>
-            <a:r>
-              <a:rPr lang="en-US" sz="2400" dirty="0"/>
-              <a:t>(</a:t>
-            </a:r>
-            <a:r>
-              <a:rPr lang="ru-RU" sz="2400" dirty="0"/>
-              <a:t>например: </a:t>
-            </a:r>
-            <a:r>
-              <a:rPr lang="en-US" sz="2400" b="1" dirty="0"/>
-              <a:t>col-md</a:t>
-            </a:r>
-            <a:r>
-              <a:rPr lang="en-US" sz="2400" dirty="0"/>
-              <a:t>, </a:t>
-            </a:r>
-            <a:r>
-              <a:rPr lang="en-US" sz="2400" b="1" dirty="0"/>
-              <a:t>col-</a:t>
-            </a:r>
-            <a:r>
-              <a:rPr lang="en-US" sz="2400" b="1" dirty="0" err="1"/>
-              <a:t>lg</a:t>
-            </a:r>
-            <a:r>
-              <a:rPr lang="en-US" sz="2400" b="1" dirty="0"/>
-              <a:t> </a:t>
-            </a:r>
-            <a:r>
-              <a:rPr lang="ru-RU" sz="2400" dirty="0"/>
-              <a:t>и т.д.</a:t>
-            </a:r>
-            <a:r>
-              <a:rPr lang="en-US" sz="2400" dirty="0"/>
-              <a:t>)</a:t>
-            </a:r>
-            <a:r>
-              <a:rPr lang="ru-RU" sz="2400" dirty="0"/>
-              <a:t>.</a:t>
-            </a:r>
-          </a:p>
-        </p:txBody>
-      </p:sp>
     </p:spTree>
     <p:extLst>
       <p:ext uri="{BB962C8B-B14F-4D97-AF65-F5344CB8AC3E}">
-        <p14:creationId xmlns:p14="http://schemas.microsoft.com/office/powerpoint/2010/main" val="1327075948"/>
+        <p14:creationId xmlns:p14="http://schemas.microsoft.com/office/powerpoint/2010/main" val="1896908826"/>
       </p:ext>
     </p:extLst>
   </p:cSld>
@@ -5892,7 +6043,7 @@
                   <a:schemeClr val="bg1"/>
                 </a:solidFill>
               </a:rPr>
-              <a:t>3.3 </a:t>
+              <a:t>6. </a:t>
             </a:r>
             <a:r>
               <a:rPr lang="ru-RU" sz="6000" b="1" dirty="0">
@@ -5900,52 +6051,30 @@
                   <a:schemeClr val="bg1"/>
                 </a:solidFill>
               </a:rPr>
-              <a:t>Классы </a:t>
-            </a:r>
-            <a:r>
+              <a:t>Адаптивные классы </a:t>
+            </a:r>
+            <a:br>
               <a:rPr lang="en-US" sz="6000" b="1" dirty="0">
                 <a:solidFill>
-                  <a:srgbClr val="FFFF00"/>
+                  <a:schemeClr val="bg1"/>
                 </a:solidFill>
               </a:rPr>
-              <a:t>.row </a:t>
-            </a:r>
+            </a:br>
             <a:r>
               <a:rPr lang="en-US" sz="6000" b="1" dirty="0">
                 <a:solidFill>
-                  <a:schemeClr val="bg1"/>
+                  <a:srgbClr val="92D050"/>
                 </a:solidFill>
               </a:rPr>
-              <a:t>&gt; </a:t>
-            </a:r>
-            <a:r>
-              <a:rPr lang="en-US" sz="6000" b="1" dirty="0">
-                <a:solidFill>
-                  <a:srgbClr val="92D050"/>
-                </a:solidFill>
-              </a:rPr>
-              <a:t>.col-N</a:t>
-            </a:r>
-            <a:r>
-              <a:rPr lang="ru-RU" sz="6000" b="1" dirty="0">
-                <a:solidFill>
-                  <a:srgbClr val="92D050"/>
-                </a:solidFill>
-              </a:rPr>
-              <a:t> </a:t>
-            </a:r>
-            <a:endParaRPr lang="en-US" sz="6000" b="1" dirty="0">
-              <a:solidFill>
-                <a:srgbClr val="92D050"/>
-              </a:solidFill>
-            </a:endParaRPr>
+              <a:t>Bootstrap Grid</a:t>
+            </a:r>
           </a:p>
         </p:txBody>
       </p:sp>
     </p:spTree>
     <p:extLst>
       <p:ext uri="{BB962C8B-B14F-4D97-AF65-F5344CB8AC3E}">
-        <p14:creationId xmlns:p14="http://schemas.microsoft.com/office/powerpoint/2010/main" val="1744366878"/>
+        <p14:creationId xmlns:p14="http://schemas.microsoft.com/office/powerpoint/2010/main" val="3553682159"/>
       </p:ext>
     </p:extLst>
   </p:cSld>
@@ -6044,14 +6173,14 @@
       </p:sp>
       <p:sp>
         <p:nvSpPr>
-          <p:cNvPr id="10" name="TextBox 9"/>
+          <p:cNvPr id="7" name="TextBox 6"/>
           <p:cNvSpPr txBox="1"/>
           <p:nvPr/>
         </p:nvSpPr>
         <p:spPr>
           <a:xfrm>
-            <a:off x="4007768" y="6093296"/>
-            <a:ext cx="184731" cy="369332"/>
+            <a:off x="0" y="179929"/>
+            <a:ext cx="12192000" cy="584775"/>
           </a:xfrm>
           <a:prstGeom prst="rect">
             <a:avLst/>
@@ -6059,25 +6188,45 @@
           <a:noFill/>
         </p:spPr>
         <p:txBody>
-          <a:bodyPr wrap="none" rtlCol="0">
+          <a:bodyPr wrap="square" rtlCol="0">
             <a:spAutoFit/>
           </a:bodyPr>
           <a:lstStyle/>
           <a:p>
-            <a:endParaRPr lang="uk-UA" dirty="0"/>
-          </a:p>
-        </p:txBody>
-      </p:sp>
-      <p:sp>
-        <p:nvSpPr>
-          <p:cNvPr id="11" name="TextBox 10"/>
+            <a:pPr algn="ctr"/>
+            <a:r>
+              <a:rPr lang="ru-RU" sz="3200" b="1" dirty="0"/>
+              <a:t>Адаптивность по версии </a:t>
+            </a:r>
+            <a:r>
+              <a:rPr lang="en-US" sz="3200" b="1" dirty="0"/>
+              <a:t>Bootstrap</a:t>
+            </a:r>
+            <a:r>
+              <a:rPr lang="ru-RU" sz="3200" b="1" dirty="0"/>
+              <a:t> </a:t>
+            </a:r>
+            <a:r>
+              <a:rPr lang="en-US" sz="3200" b="1" dirty="0"/>
+              <a:t>Grid</a:t>
+            </a:r>
+            <a:r>
+              <a:rPr lang="ru-RU" sz="3200" b="1" dirty="0"/>
+              <a:t> 5</a:t>
+            </a:r>
+          </a:p>
+        </p:txBody>
+      </p:sp>
+      <p:sp>
+        <p:nvSpPr>
+          <p:cNvPr id="3" name="TextBox 2"/>
           <p:cNvSpPr txBox="1"/>
           <p:nvPr/>
         </p:nvSpPr>
         <p:spPr>
           <a:xfrm>
-            <a:off x="-30619" y="260648"/>
-            <a:ext cx="12192000" cy="830997"/>
+            <a:off x="1199456" y="5195317"/>
+            <a:ext cx="9793088" cy="830997"/>
           </a:xfrm>
           <a:prstGeom prst="rect">
             <a:avLst/>
@@ -6092,251 +6241,22 @@
           <a:p>
             <a:pPr algn="ctr"/>
             <a:r>
-              <a:rPr lang="ru-RU" sz="4800" b="1" dirty="0"/>
-              <a:t>Классы </a:t>
-            </a:r>
-            <a:r>
-              <a:rPr lang="en-US" sz="4800" b="1" dirty="0">
-                <a:solidFill>
-                  <a:srgbClr val="0070C0"/>
-                </a:solidFill>
-              </a:rPr>
-              <a:t>.row </a:t>
-            </a:r>
-            <a:r>
-              <a:rPr lang="en-US" sz="4800" b="1" dirty="0"/>
-              <a:t>&gt; </a:t>
-            </a:r>
-            <a:r>
-              <a:rPr lang="en-US" sz="4800" b="1" dirty="0">
-                <a:solidFill>
-                  <a:srgbClr val="00B050"/>
-                </a:solidFill>
-              </a:rPr>
-              <a:t>.col-N</a:t>
-            </a:r>
-            <a:endParaRPr lang="ru-RU" sz="4800" b="1" dirty="0">
-              <a:solidFill>
-                <a:srgbClr val="00B050"/>
-              </a:solidFill>
-            </a:endParaRPr>
-          </a:p>
-        </p:txBody>
-      </p:sp>
-      <p:sp>
-        <p:nvSpPr>
-          <p:cNvPr id="13" name="Прямоугольник 12"/>
-          <p:cNvSpPr/>
-          <p:nvPr/>
-        </p:nvSpPr>
-        <p:spPr>
-          <a:xfrm>
-            <a:off x="0" y="6101765"/>
-            <a:ext cx="12192000" cy="461665"/>
-          </a:xfrm>
-          <a:prstGeom prst="rect">
-            <a:avLst/>
-          </a:prstGeom>
-        </p:spPr>
-        <p:txBody>
-          <a:bodyPr wrap="square">
-            <a:spAutoFit/>
-          </a:bodyPr>
-          <a:lstStyle/>
-          <a:p>
-            <a:pPr algn="ctr"/>
-            <a:r>
-              <a:rPr lang="en-US" sz="2400" b="1" dirty="0">
-                <a:hlinkClick r:id="rId2"/>
-              </a:rPr>
-              <a:t>https://getbootstrap.com/docs/5.0/layout/grid/#grid-options</a:t>
-            </a:r>
-            <a:endParaRPr lang="ru-RU" sz="2400" b="1" dirty="0"/>
-          </a:p>
-        </p:txBody>
-      </p:sp>
-      <p:sp>
-        <p:nvSpPr>
-          <p:cNvPr id="4" name="TextBox 3"/>
-          <p:cNvSpPr txBox="1"/>
-          <p:nvPr/>
-        </p:nvSpPr>
-        <p:spPr>
-          <a:xfrm>
-            <a:off x="6600055" y="1268760"/>
-            <a:ext cx="4968553" cy="4524315"/>
-          </a:xfrm>
-          <a:prstGeom prst="rect">
-            <a:avLst/>
-          </a:prstGeom>
-          <a:noFill/>
-        </p:spPr>
-        <p:txBody>
-          <a:bodyPr wrap="square" rtlCol="0">
-            <a:spAutoFit/>
-          </a:bodyPr>
-          <a:lstStyle/>
-          <a:p>
+              <a:rPr lang="en-US" sz="2400" b="1" dirty="0"/>
+              <a:t>Bootstrap Grid </a:t>
+            </a:r>
+            <a:r>
+              <a:rPr lang="en-US" sz="2400" dirty="0"/>
+              <a:t>– </a:t>
+            </a:r>
             <a:r>
               <a:rPr lang="ru-RU" sz="2400" dirty="0"/>
-              <a:t>Реализуют схему: «</a:t>
-            </a:r>
-            <a:r>
-              <a:rPr lang="ru-RU" sz="2400" i="1" dirty="0"/>
-              <a:t>Пространство делится на 12 равных колонок, каждый блок занимает часть этих колонок</a:t>
-            </a:r>
-            <a:r>
-              <a:rPr lang="ru-RU" sz="2400" dirty="0"/>
-              <a:t>». Класс </a:t>
-            </a:r>
-            <a:r>
-              <a:rPr lang="en-US" sz="2400" b="1" dirty="0"/>
-              <a:t>.row </a:t>
-            </a:r>
-            <a:r>
-              <a:rPr lang="ru-RU" sz="2400" dirty="0"/>
-              <a:t>задаётся для </a:t>
-            </a:r>
-            <a:r>
-              <a:rPr lang="ru-RU" sz="2400" b="1" dirty="0"/>
-              <a:t>родительского элемента</a:t>
-            </a:r>
-            <a:r>
-              <a:rPr lang="ru-RU" sz="2400" dirty="0"/>
-              <a:t> (который станет </a:t>
-            </a:r>
-            <a:r>
-              <a:rPr lang="en-US" sz="2400" b="1" dirty="0"/>
-              <a:t>flex-</a:t>
-            </a:r>
-            <a:r>
-              <a:rPr lang="ru-RU" sz="2400" b="1" dirty="0"/>
-              <a:t>контейнером</a:t>
-            </a:r>
-            <a:r>
-              <a:rPr lang="ru-RU" sz="2400" dirty="0"/>
-              <a:t>). Классы </a:t>
-            </a:r>
-            <a:r>
-              <a:rPr lang="en-US" sz="2400" b="1" dirty="0"/>
-              <a:t>col</a:t>
-            </a:r>
-            <a:r>
-              <a:rPr lang="ru-RU" sz="2400" b="1" dirty="0"/>
-              <a:t>-</a:t>
-            </a:r>
-            <a:r>
-              <a:rPr lang="en-US" sz="2400" b="1" dirty="0"/>
-              <a:t>N</a:t>
-            </a:r>
-            <a:r>
-              <a:rPr lang="en-US" sz="2400" dirty="0"/>
-              <a:t> (</a:t>
-            </a:r>
-            <a:r>
-              <a:rPr lang="ru-RU" sz="2400" dirty="0"/>
-              <a:t>например </a:t>
-            </a:r>
-            <a:r>
-              <a:rPr lang="en-US" sz="2400" b="1" dirty="0"/>
-              <a:t>col-4</a:t>
-            </a:r>
-            <a:r>
-              <a:rPr lang="en-US" sz="2400" dirty="0"/>
-              <a:t>,</a:t>
-            </a:r>
-            <a:r>
-              <a:rPr lang="en-US" sz="2400" b="1" dirty="0"/>
-              <a:t> col-7</a:t>
-            </a:r>
-            <a:r>
-              <a:rPr lang="en-US" sz="2400" dirty="0"/>
-              <a:t>,</a:t>
-            </a:r>
-            <a:r>
-              <a:rPr lang="en-US" sz="2400" b="1" dirty="0"/>
-              <a:t> col-12 </a:t>
-            </a:r>
-            <a:r>
-              <a:rPr lang="ru-RU" sz="2400" dirty="0"/>
-              <a:t>и т.п.</a:t>
-            </a:r>
-            <a:r>
-              <a:rPr lang="en-US" sz="2400" dirty="0"/>
-              <a:t>)</a:t>
-            </a:r>
-            <a:r>
-              <a:rPr lang="ru-RU" sz="2400" dirty="0"/>
-              <a:t> задаются для </a:t>
-            </a:r>
-            <a:r>
-              <a:rPr lang="ru-RU" sz="2400" b="1" dirty="0"/>
-              <a:t>дочерних элементов </a:t>
-            </a:r>
-            <a:r>
-              <a:rPr lang="ru-RU" sz="2400" dirty="0"/>
-              <a:t>(по сути </a:t>
-            </a:r>
-            <a:r>
-              <a:rPr lang="ru-RU" sz="2400" b="1" dirty="0"/>
-              <a:t>для ячеек </a:t>
-            </a:r>
-            <a:r>
-              <a:rPr lang="ru-RU" sz="2400" dirty="0"/>
-              <a:t>в этой «сетке»). Возможно применение адаптивных классов </a:t>
-            </a:r>
-            <a:r>
-              <a:rPr lang="en-US" sz="2400" b="1" dirty="0"/>
-              <a:t>col-* </a:t>
-            </a:r>
-            <a:r>
-              <a:rPr lang="en-US" sz="2400" dirty="0"/>
-              <a:t>(</a:t>
-            </a:r>
-            <a:r>
-              <a:rPr lang="ru-RU" sz="2400" dirty="0"/>
-              <a:t>например: </a:t>
-            </a:r>
-            <a:r>
-              <a:rPr lang="en-US" sz="2400" b="1" dirty="0"/>
-              <a:t>col-md</a:t>
-            </a:r>
-            <a:r>
-              <a:rPr lang="ru-RU" sz="2400" b="1" dirty="0"/>
-              <a:t>-3</a:t>
-            </a:r>
-            <a:r>
-              <a:rPr lang="en-US" sz="2400" dirty="0"/>
-              <a:t>, </a:t>
-            </a:r>
-            <a:r>
-              <a:rPr lang="en-US" sz="2400" b="1" dirty="0"/>
-              <a:t>col-</a:t>
-            </a:r>
-            <a:r>
-              <a:rPr lang="en-US" sz="2400" b="1" dirty="0" err="1"/>
-              <a:t>lg</a:t>
-            </a:r>
-            <a:r>
-              <a:rPr lang="ru-RU" sz="2400" b="1" dirty="0"/>
-              <a:t>-7</a:t>
-            </a:r>
-            <a:r>
-              <a:rPr lang="en-US" sz="2400" b="1" dirty="0"/>
-              <a:t> </a:t>
-            </a:r>
-            <a:r>
-              <a:rPr lang="ru-RU" sz="2400" dirty="0"/>
-              <a:t>и т.п.</a:t>
-            </a:r>
-            <a:r>
-              <a:rPr lang="en-US" sz="2400" dirty="0"/>
-              <a:t>)</a:t>
-            </a:r>
-            <a:r>
-              <a:rPr lang="ru-RU" sz="2400" dirty="0"/>
-              <a:t>.</a:t>
-            </a:r>
+              <a:t>адаптивный инструмент. В зависимости от категории устройства размеры и количество элементов в  ряду может меняться</a:t>
+            </a:r>
+            <a:r>
+              <a:rPr lang="ru-RU" sz="2000" dirty="0"/>
+              <a:t>. </a:t>
+            </a:r>
+            <a:endParaRPr lang="ru-RU" sz="3200" b="1" dirty="0"/>
           </a:p>
         </p:txBody>
       </p:sp>
@@ -6349,35 +6269,57 @@
           <p:nvPr/>
         </p:nvPicPr>
         <p:blipFill>
-          <a:blip r:embed="rId3"/>
+          <a:blip r:embed="rId2"/>
           <a:stretch>
             <a:fillRect/>
           </a:stretch>
         </p:blipFill>
         <p:spPr>
           <a:xfrm>
-            <a:off x="335360" y="1434285"/>
-            <a:ext cx="5930460" cy="4271749"/>
+            <a:off x="767408" y="908720"/>
+            <a:ext cx="10594479" cy="4147963"/>
           </a:xfrm>
           <a:prstGeom prst="rect">
             <a:avLst/>
           </a:prstGeom>
-          <a:ln>
-            <a:noFill/>
-          </a:ln>
-          <a:effectLst>
-            <a:outerShdw blurRad="190500" algn="tl" rotWithShape="0">
-              <a:srgbClr val="000000">
-                <a:alpha val="70000"/>
-              </a:srgbClr>
-            </a:outerShdw>
-          </a:effectLst>
         </p:spPr>
       </p:pic>
+      <p:sp>
+        <p:nvSpPr>
+          <p:cNvPr id="4" name="Прямоугольник 3"/>
+          <p:cNvSpPr/>
+          <p:nvPr/>
+        </p:nvSpPr>
+        <p:spPr>
+          <a:xfrm>
+            <a:off x="0" y="6164948"/>
+            <a:ext cx="12192000" cy="461665"/>
+          </a:xfrm>
+          <a:prstGeom prst="rect">
+            <a:avLst/>
+          </a:prstGeom>
+        </p:spPr>
+        <p:txBody>
+          <a:bodyPr wrap="square">
+            <a:spAutoFit/>
+          </a:bodyPr>
+          <a:lstStyle/>
+          <a:p>
+            <a:pPr algn="ctr"/>
+            <a:r>
+              <a:rPr lang="ru-RU" sz="2400" b="1" dirty="0">
+                <a:hlinkClick r:id="rId3"/>
+              </a:rPr>
+              <a:t>https://getbootstrap.com/docs/5.0/layout/grid/#grid-options</a:t>
+            </a:r>
+            <a:endParaRPr lang="ru-RU" sz="2400" b="1" dirty="0"/>
+          </a:p>
+        </p:txBody>
+      </p:sp>
     </p:spTree>
     <p:extLst>
       <p:ext uri="{BB962C8B-B14F-4D97-AF65-F5344CB8AC3E}">
-        <p14:creationId xmlns:p14="http://schemas.microsoft.com/office/powerpoint/2010/main" val="1896908826"/>
+        <p14:creationId xmlns:p14="http://schemas.microsoft.com/office/powerpoint/2010/main" val="1864301953"/>
       </p:ext>
     </p:extLst>
   </p:cSld>
@@ -6446,43 +6388,21 @@
           <a:p>
             <a:pPr algn="ctr"/>
             <a:r>
-              <a:rPr lang="en-US" sz="6000" b="1" dirty="0">
-                <a:solidFill>
-                  <a:schemeClr val="bg1"/>
-                </a:solidFill>
-              </a:rPr>
-              <a:t>3.3 </a:t>
-            </a:r>
-            <a:r>
-              <a:rPr lang="ru-RU" sz="6000" b="1" dirty="0">
-                <a:solidFill>
-                  <a:schemeClr val="bg1"/>
-                </a:solidFill>
-              </a:rPr>
-              <a:t>Адаптивные классы </a:t>
-            </a:r>
-            <a:br>
-              <a:rPr lang="en-US" sz="6000" b="1" dirty="0">
-                <a:solidFill>
-                  <a:schemeClr val="bg1"/>
-                </a:solidFill>
-              </a:rPr>
-            </a:br>
-            <a:r>
-              <a:rPr lang="en-US" sz="6000" b="1" dirty="0">
-                <a:solidFill>
-                  <a:srgbClr val="92D050"/>
-                </a:solidFill>
-              </a:rPr>
-              <a:t>Bootstrap Grid</a:t>
-            </a:r>
+              <a:rPr lang="en-US" sz="7200" b="1" dirty="0"/>
+              <a:t>7</a:t>
+            </a:r>
+            <a:r>
+              <a:rPr lang="ru-RU" sz="7200" b="1" dirty="0"/>
+              <a:t>. Проектирование</a:t>
+            </a:r>
+            <a:endParaRPr lang="uk-UA" sz="6000" b="1" dirty="0"/>
           </a:p>
         </p:txBody>
       </p:sp>
     </p:spTree>
     <p:extLst>
       <p:ext uri="{BB962C8B-B14F-4D97-AF65-F5344CB8AC3E}">
-        <p14:creationId xmlns:p14="http://schemas.microsoft.com/office/powerpoint/2010/main" val="3553682159"/>
+        <p14:creationId xmlns:p14="http://schemas.microsoft.com/office/powerpoint/2010/main" val="1294794088"/>
       </p:ext>
     </p:extLst>
   </p:cSld>
@@ -6511,7 +6431,7 @@
       </p:grpSpPr>
       <p:sp>
         <p:nvSpPr>
-          <p:cNvPr id="8" name="Номер слайда 36"/>
+          <p:cNvPr id="13" name="Номер слайда 36"/>
           <p:cNvSpPr txBox="1">
             <a:spLocks/>
           </p:cNvSpPr>
@@ -6519,7 +6439,7 @@
         </p:nvSpPr>
         <p:spPr>
           <a:xfrm>
-            <a:off x="11208568" y="6237312"/>
+            <a:off x="11208568" y="6165304"/>
             <a:ext cx="648072" cy="432048"/>
           </a:xfrm>
           <a:prstGeom prst="roundRect">
@@ -6551,7 +6471,101 @@
         </p:style>
         <p:txBody>
           <a:bodyPr vert="horz" lIns="91440" tIns="45720" rIns="91440" bIns="45720" rtlCol="0" anchor="ctr"/>
-          <a:lstStyle/>
+          <a:lstStyle>
+            <a:defPPr>
+              <a:defRPr lang="uk-UA"/>
+            </a:defPPr>
+            <a:lvl1pPr marL="0" algn="l" defTabSz="914400" rtl="0" eaLnBrk="1" latinLnBrk="0" hangingPunct="1">
+              <a:defRPr sz="1800" kern="1200">
+                <a:solidFill>
+                  <a:schemeClr val="dk1"/>
+                </a:solidFill>
+                <a:latin typeface="+mn-lt"/>
+                <a:ea typeface="+mn-ea"/>
+                <a:cs typeface="+mn-cs"/>
+              </a:defRPr>
+            </a:lvl1pPr>
+            <a:lvl2pPr marL="457200" algn="l" defTabSz="914400" rtl="0" eaLnBrk="1" latinLnBrk="0" hangingPunct="1">
+              <a:defRPr sz="1800" kern="1200">
+                <a:solidFill>
+                  <a:schemeClr val="dk1"/>
+                </a:solidFill>
+                <a:latin typeface="+mn-lt"/>
+                <a:ea typeface="+mn-ea"/>
+                <a:cs typeface="+mn-cs"/>
+              </a:defRPr>
+            </a:lvl2pPr>
+            <a:lvl3pPr marL="914400" algn="l" defTabSz="914400" rtl="0" eaLnBrk="1" latinLnBrk="0" hangingPunct="1">
+              <a:defRPr sz="1800" kern="1200">
+                <a:solidFill>
+                  <a:schemeClr val="dk1"/>
+                </a:solidFill>
+                <a:latin typeface="+mn-lt"/>
+                <a:ea typeface="+mn-ea"/>
+                <a:cs typeface="+mn-cs"/>
+              </a:defRPr>
+            </a:lvl3pPr>
+            <a:lvl4pPr marL="1371600" algn="l" defTabSz="914400" rtl="0" eaLnBrk="1" latinLnBrk="0" hangingPunct="1">
+              <a:defRPr sz="1800" kern="1200">
+                <a:solidFill>
+                  <a:schemeClr val="dk1"/>
+                </a:solidFill>
+                <a:latin typeface="+mn-lt"/>
+                <a:ea typeface="+mn-ea"/>
+                <a:cs typeface="+mn-cs"/>
+              </a:defRPr>
+            </a:lvl4pPr>
+            <a:lvl5pPr marL="1828800" algn="l" defTabSz="914400" rtl="0" eaLnBrk="1" latinLnBrk="0" hangingPunct="1">
+              <a:defRPr sz="1800" kern="1200">
+                <a:solidFill>
+                  <a:schemeClr val="dk1"/>
+                </a:solidFill>
+                <a:latin typeface="+mn-lt"/>
+                <a:ea typeface="+mn-ea"/>
+                <a:cs typeface="+mn-cs"/>
+              </a:defRPr>
+            </a:lvl5pPr>
+            <a:lvl6pPr marL="2286000" algn="l" defTabSz="914400" rtl="0" eaLnBrk="1" latinLnBrk="0" hangingPunct="1">
+              <a:defRPr sz="1800" kern="1200">
+                <a:solidFill>
+                  <a:schemeClr val="dk1"/>
+                </a:solidFill>
+                <a:latin typeface="+mn-lt"/>
+                <a:ea typeface="+mn-ea"/>
+                <a:cs typeface="+mn-cs"/>
+              </a:defRPr>
+            </a:lvl6pPr>
+            <a:lvl7pPr marL="2743200" algn="l" defTabSz="914400" rtl="0" eaLnBrk="1" latinLnBrk="0" hangingPunct="1">
+              <a:defRPr sz="1800" kern="1200">
+                <a:solidFill>
+                  <a:schemeClr val="dk1"/>
+                </a:solidFill>
+                <a:latin typeface="+mn-lt"/>
+                <a:ea typeface="+mn-ea"/>
+                <a:cs typeface="+mn-cs"/>
+              </a:defRPr>
+            </a:lvl7pPr>
+            <a:lvl8pPr marL="3200400" algn="l" defTabSz="914400" rtl="0" eaLnBrk="1" latinLnBrk="0" hangingPunct="1">
+              <a:defRPr sz="1800" kern="1200">
+                <a:solidFill>
+                  <a:schemeClr val="dk1"/>
+                </a:solidFill>
+                <a:latin typeface="+mn-lt"/>
+                <a:ea typeface="+mn-ea"/>
+                <a:cs typeface="+mn-cs"/>
+              </a:defRPr>
+            </a:lvl8pPr>
+            <a:lvl9pPr marL="3657600" algn="l" defTabSz="914400" rtl="0" eaLnBrk="1" latinLnBrk="0" hangingPunct="1">
+              <a:defRPr sz="1800" kern="1200">
+                <a:solidFill>
+                  <a:schemeClr val="dk1"/>
+                </a:solidFill>
+                <a:latin typeface="+mn-lt"/>
+                <a:ea typeface="+mn-ea"/>
+                <a:cs typeface="+mn-cs"/>
+              </a:defRPr>
+            </a:lvl9pPr>
+          </a:lstStyle>
           <a:p>
             <a:pPr algn="ctr">
               <a:defRPr/>
@@ -6581,14 +6595,14 @@
       </p:sp>
       <p:sp>
         <p:nvSpPr>
-          <p:cNvPr id="7" name="TextBox 6"/>
+          <p:cNvPr id="3" name="TextBox 2"/>
           <p:cNvSpPr txBox="1"/>
           <p:nvPr/>
         </p:nvSpPr>
         <p:spPr>
           <a:xfrm>
-            <a:off x="0" y="179929"/>
-            <a:ext cx="12192000" cy="584775"/>
+            <a:off x="0" y="1708353"/>
+            <a:ext cx="12192000" cy="2800767"/>
           </a:xfrm>
           <a:prstGeom prst="rect">
             <a:avLst/>
@@ -6603,38 +6617,70 @@
           <a:p>
             <a:pPr algn="ctr"/>
             <a:r>
-              <a:rPr lang="ru-RU" sz="3200" b="1" dirty="0"/>
-              <a:t>Адаптивность по версии </a:t>
-            </a:r>
-            <a:r>
-              <a:rPr lang="en-US" sz="3200" b="1" dirty="0"/>
-              <a:t>Bootstrap</a:t>
-            </a:r>
-            <a:r>
-              <a:rPr lang="ru-RU" sz="3200" b="1" dirty="0"/>
+              <a:rPr lang="en-US" sz="8800" b="1" dirty="0">
+                <a:solidFill>
+                  <a:schemeClr val="tx2">
+                    <a:lumMod val="60000"/>
+                    <a:lumOff val="40000"/>
+                  </a:schemeClr>
+                </a:solidFill>
+              </a:rPr>
+              <a:t>Layout</a:t>
+            </a:r>
+            <a:r>
+              <a:rPr lang="ru-RU" sz="8800" b="1" dirty="0">
+                <a:solidFill>
+                  <a:schemeClr val="tx2">
+                    <a:lumMod val="60000"/>
+                    <a:lumOff val="40000"/>
+                  </a:schemeClr>
+                </a:solidFill>
+              </a:rPr>
               <a:t> </a:t>
             </a:r>
-            <a:r>
-              <a:rPr lang="en-US" sz="3200" b="1" dirty="0"/>
-              <a:t>Grid</a:t>
-            </a:r>
-            <a:r>
-              <a:rPr lang="ru-RU" sz="3200" b="1" dirty="0"/>
-              <a:t> 5</a:t>
-            </a:r>
-          </a:p>
-        </p:txBody>
-      </p:sp>
-      <p:sp>
-        <p:nvSpPr>
-          <p:cNvPr id="3" name="TextBox 2"/>
+            <a:endParaRPr lang="en-US" sz="8800" b="1" dirty="0">
+              <a:solidFill>
+                <a:schemeClr val="tx2">
+                  <a:lumMod val="60000"/>
+                  <a:lumOff val="40000"/>
+                </a:schemeClr>
+              </a:solidFill>
+            </a:endParaRPr>
+          </a:p>
+          <a:p>
+            <a:pPr algn="ctr"/>
+            <a:r>
+              <a:rPr lang="en-US" sz="8800" b="1" dirty="0">
+                <a:solidFill>
+                  <a:schemeClr val="accent6">
+                    <a:lumMod val="60000"/>
+                    <a:lumOff val="40000"/>
+                  </a:schemeClr>
+                </a:solidFill>
+              </a:rPr>
+              <a:t>Template</a:t>
+            </a:r>
+            <a:endParaRPr lang="ru-RU" sz="8800" b="1" dirty="0">
+              <a:solidFill>
+                <a:schemeClr val="accent6">
+                  <a:lumMod val="60000"/>
+                  <a:lumOff val="40000"/>
+                </a:schemeClr>
+              </a:solidFill>
+            </a:endParaRPr>
+          </a:p>
+        </p:txBody>
+      </p:sp>
+      <p:sp>
+        <p:nvSpPr>
+          <p:cNvPr id="2" name="TextBox 1"/>
           <p:cNvSpPr txBox="1"/>
           <p:nvPr/>
         </p:nvSpPr>
         <p:spPr>
           <a:xfrm>
-            <a:off x="1199456" y="5195317"/>
-            <a:ext cx="9793088" cy="830997"/>
+            <a:off x="0" y="488866"/>
+            <a:ext cx="12192000" cy="707886"/>
           </a:xfrm>
           <a:prstGeom prst="rect">
             <a:avLst/>
@@ -6649,85 +6695,75 @@
           <a:p>
             <a:pPr algn="ctr"/>
             <a:r>
-              <a:rPr lang="en-US" sz="2400" b="1" dirty="0"/>
-              <a:t>Bootstrap Grid </a:t>
-            </a:r>
-            <a:r>
-              <a:rPr lang="en-US" sz="2400" dirty="0"/>
-              <a:t>– </a:t>
-            </a:r>
-            <a:r>
-              <a:rPr lang="ru-RU" sz="2400" dirty="0"/>
-              <a:t>адаптивный инструмент. В зависимости от категории устройства размеры и количество элементов в  ряду может меняться</a:t>
-            </a:r>
-            <a:r>
-              <a:rPr lang="ru-RU" sz="2000" dirty="0"/>
-              <a:t>. </a:t>
-            </a:r>
-            <a:endParaRPr lang="ru-RU" sz="3200" b="1" dirty="0"/>
-          </a:p>
-        </p:txBody>
-      </p:sp>
-      <p:pic>
-        <p:nvPicPr>
-          <p:cNvPr id="2" name="Рисунок 1"/>
-          <p:cNvPicPr>
-            <a:picLocks noChangeAspect="1"/>
-          </p:cNvPicPr>
+              <a:rPr lang="ru-RU" sz="4000" b="1" dirty="0"/>
+              <a:t>Раньше терминология была простая</a:t>
+            </a:r>
+            <a:endParaRPr lang="uk-UA" sz="4000" b="1" dirty="0"/>
+          </a:p>
+        </p:txBody>
+      </p:sp>
+      <p:sp>
+        <p:nvSpPr>
+          <p:cNvPr id="4" name="TextBox 3"/>
+          <p:cNvSpPr txBox="1"/>
           <p:nvPr/>
-        </p:nvPicPr>
-        <p:blipFill>
-          <a:blip r:embed="rId2"/>
-          <a:stretch>
-            <a:fillRect/>
-          </a:stretch>
-        </p:blipFill>
+        </p:nvSpPr>
         <p:spPr>
           <a:xfrm>
-            <a:off x="767408" y="908720"/>
-            <a:ext cx="10594479" cy="4147963"/>
+            <a:off x="0" y="4944070"/>
+            <a:ext cx="12192000" cy="1077218"/>
           </a:xfrm>
           <a:prstGeom prst="rect">
             <a:avLst/>
           </a:prstGeom>
-        </p:spPr>
-      </p:pic>
-      <p:sp>
-        <p:nvSpPr>
-          <p:cNvPr id="4" name="Прямоугольник 3"/>
-          <p:cNvSpPr/>
-          <p:nvPr/>
-        </p:nvSpPr>
-        <p:spPr>
-          <a:xfrm>
-            <a:off x="0" y="6164948"/>
-            <a:ext cx="12192000" cy="461665"/>
-          </a:xfrm>
-          <a:prstGeom prst="rect">
-            <a:avLst/>
-          </a:prstGeom>
-        </p:spPr>
-        <p:txBody>
-          <a:bodyPr wrap="square">
+          <a:noFill/>
+        </p:spPr>
+        <p:txBody>
+          <a:bodyPr wrap="square" rtlCol="0">
             <a:spAutoFit/>
           </a:bodyPr>
           <a:lstStyle/>
           <a:p>
             <a:pPr algn="ctr"/>
             <a:r>
-              <a:rPr lang="ru-RU" sz="2400" b="1" dirty="0">
-                <a:hlinkClick r:id="rId3"/>
-              </a:rPr>
-              <a:t>https://getbootstrap.com/docs/5.0/layout/grid/#grid-options</a:t>
-            </a:r>
-            <a:endParaRPr lang="ru-RU" sz="2400" b="1" dirty="0"/>
+              <a:rPr lang="en-US" sz="3200" b="1" dirty="0"/>
+              <a:t>Layout</a:t>
+            </a:r>
+            <a:r>
+              <a:rPr lang="ru-RU" sz="3200" dirty="0"/>
+              <a:t> –</a:t>
+            </a:r>
+            <a:r>
+              <a:rPr lang="en-US" sz="3200" dirty="0"/>
+              <a:t> </a:t>
+            </a:r>
+            <a:r>
+              <a:rPr lang="ru-RU" sz="3200" dirty="0"/>
+              <a:t>макет страницы («картинка») </a:t>
+            </a:r>
+            <a:endParaRPr lang="en-US" sz="3200" dirty="0"/>
+          </a:p>
+          <a:p>
+            <a:pPr algn="ctr"/>
+            <a:r>
+              <a:rPr lang="en-US" sz="3200" b="1" dirty="0"/>
+              <a:t>Template</a:t>
+            </a:r>
+            <a:r>
+              <a:rPr lang="ru-RU" sz="3200" b="1" dirty="0"/>
+              <a:t> </a:t>
+            </a:r>
+            <a:r>
+              <a:rPr lang="ru-RU" sz="3200" dirty="0"/>
+              <a:t>– сверстанные страницы</a:t>
+            </a:r>
           </a:p>
         </p:txBody>
       </p:sp>
     </p:spTree>
     <p:extLst>
       <p:ext uri="{BB962C8B-B14F-4D97-AF65-F5344CB8AC3E}">
-        <p14:creationId xmlns:p14="http://schemas.microsoft.com/office/powerpoint/2010/main" val="1864301953"/>
+        <p14:creationId xmlns:p14="http://schemas.microsoft.com/office/powerpoint/2010/main" val="1977168002"/>
       </p:ext>
     </p:extLst>
   </p:cSld>
@@ -6756,38 +6792,408 @@
       </p:grpSpPr>
       <p:sp>
         <p:nvSpPr>
-          <p:cNvPr id="5" name="Прямоугольник 4"/>
-          <p:cNvSpPr/>
+          <p:cNvPr id="13" name="Номер слайда 36"/>
+          <p:cNvSpPr txBox="1">
+            <a:spLocks/>
+          </p:cNvSpPr>
           <p:nvPr/>
         </p:nvSpPr>
         <p:spPr>
           <a:xfrm>
-            <a:off x="0" y="0"/>
-            <a:ext cx="12192000" cy="6858000"/>
+            <a:off x="11208568" y="6165304"/>
+            <a:ext cx="648072" cy="432048"/>
+          </a:xfrm>
+          <a:prstGeom prst="roundRect">
+            <a:avLst/>
+          </a:prstGeom>
+          <a:ln w="25400" cap="flat" cmpd="sng" algn="ctr">
+            <a:solidFill>
+              <a:schemeClr val="tx2">
+                <a:lumMod val="60000"/>
+                <a:lumOff val="40000"/>
+              </a:schemeClr>
+            </a:solidFill>
+            <a:prstDash val="solid"/>
+          </a:ln>
+        </p:spPr>
+        <p:style>
+          <a:lnRef idx="2">
+            <a:schemeClr val="accent1"/>
+          </a:lnRef>
+          <a:fillRef idx="1">
+            <a:schemeClr val="lt1"/>
+          </a:fillRef>
+          <a:effectRef idx="0">
+            <a:schemeClr val="accent1"/>
+          </a:effectRef>
+          <a:fontRef idx="minor">
+            <a:schemeClr val="dk1"/>
+          </a:fontRef>
+        </p:style>
+        <p:txBody>
+          <a:bodyPr vert="horz" lIns="91440" tIns="45720" rIns="91440" bIns="45720" rtlCol="0" anchor="ctr"/>
+          <a:lstStyle>
+            <a:defPPr>
+              <a:defRPr lang="uk-UA"/>
+            </a:defPPr>
+            <a:lvl1pPr marL="0" algn="l" defTabSz="914400" rtl="0" eaLnBrk="1" latinLnBrk="0" hangingPunct="1">
+              <a:defRPr sz="1800" kern="1200">
+                <a:solidFill>
+                  <a:schemeClr val="dk1"/>
+                </a:solidFill>
+                <a:latin typeface="+mn-lt"/>
+                <a:ea typeface="+mn-ea"/>
+                <a:cs typeface="+mn-cs"/>
+              </a:defRPr>
+            </a:lvl1pPr>
+            <a:lvl2pPr marL="457200" algn="l" defTabSz="914400" rtl="0" eaLnBrk="1" latinLnBrk="0" hangingPunct="1">
+              <a:defRPr sz="1800" kern="1200">
+                <a:solidFill>
+                  <a:schemeClr val="dk1"/>
+                </a:solidFill>
+                <a:latin typeface="+mn-lt"/>
+                <a:ea typeface="+mn-ea"/>
+                <a:cs typeface="+mn-cs"/>
+              </a:defRPr>
+            </a:lvl2pPr>
+            <a:lvl3pPr marL="914400" algn="l" defTabSz="914400" rtl="0" eaLnBrk="1" latinLnBrk="0" hangingPunct="1">
+              <a:defRPr sz="1800" kern="1200">
+                <a:solidFill>
+                  <a:schemeClr val="dk1"/>
+                </a:solidFill>
+                <a:latin typeface="+mn-lt"/>
+                <a:ea typeface="+mn-ea"/>
+                <a:cs typeface="+mn-cs"/>
+              </a:defRPr>
+            </a:lvl3pPr>
+            <a:lvl4pPr marL="1371600" algn="l" defTabSz="914400" rtl="0" eaLnBrk="1" latinLnBrk="0" hangingPunct="1">
+              <a:defRPr sz="1800" kern="1200">
+                <a:solidFill>
+                  <a:schemeClr val="dk1"/>
+                </a:solidFill>
+                <a:latin typeface="+mn-lt"/>
+                <a:ea typeface="+mn-ea"/>
+                <a:cs typeface="+mn-cs"/>
+              </a:defRPr>
+            </a:lvl4pPr>
+            <a:lvl5pPr marL="1828800" algn="l" defTabSz="914400" rtl="0" eaLnBrk="1" latinLnBrk="0" hangingPunct="1">
+              <a:defRPr sz="1800" kern="1200">
+                <a:solidFill>
+                  <a:schemeClr val="dk1"/>
+                </a:solidFill>
+                <a:latin typeface="+mn-lt"/>
+                <a:ea typeface="+mn-ea"/>
+                <a:cs typeface="+mn-cs"/>
+              </a:defRPr>
+            </a:lvl5pPr>
+            <a:lvl6pPr marL="2286000" algn="l" defTabSz="914400" rtl="0" eaLnBrk="1" latinLnBrk="0" hangingPunct="1">
+              <a:defRPr sz="1800" kern="1200">
+                <a:solidFill>
+                  <a:schemeClr val="dk1"/>
+                </a:solidFill>
+                <a:latin typeface="+mn-lt"/>
+                <a:ea typeface="+mn-ea"/>
+                <a:cs typeface="+mn-cs"/>
+              </a:defRPr>
+            </a:lvl6pPr>
+            <a:lvl7pPr marL="2743200" algn="l" defTabSz="914400" rtl="0" eaLnBrk="1" latinLnBrk="0" hangingPunct="1">
+              <a:defRPr sz="1800" kern="1200">
+                <a:solidFill>
+                  <a:schemeClr val="dk1"/>
+                </a:solidFill>
+                <a:latin typeface="+mn-lt"/>
+                <a:ea typeface="+mn-ea"/>
+                <a:cs typeface="+mn-cs"/>
+              </a:defRPr>
+            </a:lvl7pPr>
+            <a:lvl8pPr marL="3200400" algn="l" defTabSz="914400" rtl="0" eaLnBrk="1" latinLnBrk="0" hangingPunct="1">
+              <a:defRPr sz="1800" kern="1200">
+                <a:solidFill>
+                  <a:schemeClr val="dk1"/>
+                </a:solidFill>
+                <a:latin typeface="+mn-lt"/>
+                <a:ea typeface="+mn-ea"/>
+                <a:cs typeface="+mn-cs"/>
+              </a:defRPr>
+            </a:lvl8pPr>
+            <a:lvl9pPr marL="3657600" algn="l" defTabSz="914400" rtl="0" eaLnBrk="1" latinLnBrk="0" hangingPunct="1">
+              <a:defRPr sz="1800" kern="1200">
+                <a:solidFill>
+                  <a:schemeClr val="dk1"/>
+                </a:solidFill>
+                <a:latin typeface="+mn-lt"/>
+                <a:ea typeface="+mn-ea"/>
+                <a:cs typeface="+mn-cs"/>
+              </a:defRPr>
+            </a:lvl9pPr>
+          </a:lstStyle>
+          <a:p>
+            <a:pPr algn="ctr">
+              <a:defRPr/>
+            </a:pPr>
+            <a:fld id="{6389AA22-90B4-448C-8B6B-C699140D38B9}" type="slidenum">
+              <a:rPr lang="uk-UA" sz="2400" b="1">
+                <a:solidFill>
+                  <a:schemeClr val="bg1">
+                    <a:lumMod val="50000"/>
+                  </a:schemeClr>
+                </a:solidFill>
+              </a:rPr>
+              <a:pPr algn="ctr">
+                <a:defRPr/>
+              </a:pPr>
+              <a:t>18</a:t>
+            </a:fld>
+            <a:endParaRPr lang="uk-UA" sz="2400" b="1" dirty="0">
+              <a:solidFill>
+                <a:schemeClr val="bg1">
+                  <a:lumMod val="50000"/>
+                </a:schemeClr>
+              </a:solidFill>
+            </a:endParaRPr>
+          </a:p>
+        </p:txBody>
+      </p:sp>
+      <p:sp>
+        <p:nvSpPr>
+          <p:cNvPr id="3" name="TextBox 2"/>
+          <p:cNvSpPr txBox="1"/>
+          <p:nvPr/>
+        </p:nvSpPr>
+        <p:spPr>
+          <a:xfrm>
+            <a:off x="276099" y="1780361"/>
+            <a:ext cx="5879976" cy="2800767"/>
           </a:xfrm>
           <a:prstGeom prst="rect">
             <a:avLst/>
           </a:prstGeom>
-          <a:solidFill>
-            <a:schemeClr val="tx2">
-              <a:lumMod val="75000"/>
-            </a:schemeClr>
-          </a:solidFill>
+          <a:noFill/>
+        </p:spPr>
+        <p:txBody>
+          <a:bodyPr wrap="square" rtlCol="0">
+            <a:spAutoFit/>
+          </a:bodyPr>
+          <a:lstStyle/>
+          <a:p>
+            <a:pPr algn="ctr"/>
+            <a:r>
+              <a:rPr lang="en-US" sz="8800" b="1" dirty="0">
+                <a:solidFill>
+                  <a:schemeClr val="tx2">
+                    <a:lumMod val="60000"/>
+                    <a:lumOff val="40000"/>
+                  </a:schemeClr>
+                </a:solidFill>
+              </a:rPr>
+              <a:t>Layout</a:t>
+            </a:r>
+            <a:r>
+              <a:rPr lang="ru-RU" sz="8800" b="1" dirty="0">
+                <a:solidFill>
+                  <a:schemeClr val="tx2">
+                    <a:lumMod val="60000"/>
+                    <a:lumOff val="40000"/>
+                  </a:schemeClr>
+                </a:solidFill>
+              </a:rPr>
+              <a:t> </a:t>
+            </a:r>
+            <a:endParaRPr lang="en-US" sz="8800" b="1" dirty="0">
+              <a:solidFill>
+                <a:schemeClr val="tx2">
+                  <a:lumMod val="60000"/>
+                  <a:lumOff val="40000"/>
+                </a:schemeClr>
+              </a:solidFill>
+            </a:endParaRPr>
+          </a:p>
+          <a:p>
+            <a:pPr algn="ctr"/>
+            <a:r>
+              <a:rPr lang="en-US" sz="8800" b="1" dirty="0">
+                <a:solidFill>
+                  <a:schemeClr val="accent6">
+                    <a:lumMod val="60000"/>
+                    <a:lumOff val="40000"/>
+                  </a:schemeClr>
+                </a:solidFill>
+              </a:rPr>
+              <a:t>Template</a:t>
+            </a:r>
+          </a:p>
+        </p:txBody>
+      </p:sp>
+      <p:sp>
+        <p:nvSpPr>
+          <p:cNvPr id="2" name="TextBox 1"/>
+          <p:cNvSpPr txBox="1"/>
+          <p:nvPr/>
+        </p:nvSpPr>
+        <p:spPr>
+          <a:xfrm>
+            <a:off x="0" y="332656"/>
+            <a:ext cx="12192000" cy="646331"/>
+          </a:xfrm>
+          <a:prstGeom prst="rect">
+            <a:avLst/>
+          </a:prstGeom>
+          <a:noFill/>
+        </p:spPr>
+        <p:txBody>
+          <a:bodyPr wrap="square" rtlCol="0">
+            <a:spAutoFit/>
+          </a:bodyPr>
+          <a:lstStyle/>
+          <a:p>
+            <a:pPr algn="ctr"/>
+            <a:r>
+              <a:rPr lang="ru-RU" sz="3600" b="1" dirty="0"/>
+              <a:t>Потом терминология усложнилась</a:t>
+            </a:r>
+            <a:endParaRPr lang="uk-UA" sz="3600" b="1" dirty="0"/>
+          </a:p>
+        </p:txBody>
+      </p:sp>
+      <p:sp>
+        <p:nvSpPr>
+          <p:cNvPr id="4" name="TextBox 3"/>
+          <p:cNvSpPr txBox="1"/>
+          <p:nvPr/>
+        </p:nvSpPr>
+        <p:spPr>
+          <a:xfrm>
+            <a:off x="-22672" y="5016078"/>
+            <a:ext cx="12192000" cy="1077218"/>
+          </a:xfrm>
+          <a:prstGeom prst="rect">
+            <a:avLst/>
+          </a:prstGeom>
+          <a:noFill/>
+        </p:spPr>
+        <p:txBody>
+          <a:bodyPr wrap="square" rtlCol="0">
+            <a:spAutoFit/>
+          </a:bodyPr>
+          <a:lstStyle/>
+          <a:p>
+            <a:pPr algn="ctr"/>
+            <a:r>
+              <a:rPr lang="en-US" sz="3200" b="1" dirty="0"/>
+              <a:t>Wireframe</a:t>
+            </a:r>
+            <a:r>
+              <a:rPr lang="en-US" sz="3200" dirty="0"/>
+              <a:t> – </a:t>
+            </a:r>
+            <a:r>
+              <a:rPr lang="ru-RU" sz="3200" dirty="0" err="1"/>
+              <a:t>низкодетализированный</a:t>
+            </a:r>
+            <a:r>
+              <a:rPr lang="ru-RU" sz="3200" dirty="0"/>
+              <a:t> макет страницы.</a:t>
+            </a:r>
+          </a:p>
+          <a:p>
+            <a:pPr algn="ctr"/>
+            <a:r>
+              <a:rPr lang="en-US" sz="3200" b="1" dirty="0"/>
+              <a:t>Mockup</a:t>
+            </a:r>
+            <a:r>
+              <a:rPr lang="en-US" sz="3200" dirty="0"/>
+              <a:t> – </a:t>
+            </a:r>
+            <a:r>
+              <a:rPr lang="ru-RU" sz="3200" dirty="0" err="1"/>
+              <a:t>высокодетализированый</a:t>
+            </a:r>
+            <a:r>
+              <a:rPr lang="ru-RU" sz="3200" dirty="0"/>
+              <a:t> макет страницы</a:t>
+            </a:r>
+          </a:p>
+        </p:txBody>
+      </p:sp>
+      <p:sp>
+        <p:nvSpPr>
+          <p:cNvPr id="6" name="TextBox 5"/>
+          <p:cNvSpPr txBox="1"/>
+          <p:nvPr/>
+        </p:nvSpPr>
+        <p:spPr>
+          <a:xfrm>
+            <a:off x="5951984" y="1722869"/>
+            <a:ext cx="5544616" cy="1569660"/>
+          </a:xfrm>
+          <a:prstGeom prst="rect">
+            <a:avLst/>
+          </a:prstGeom>
+          <a:noFill/>
+        </p:spPr>
+        <p:txBody>
+          <a:bodyPr wrap="square" rtlCol="0">
+            <a:spAutoFit/>
+          </a:bodyPr>
+          <a:lstStyle/>
+          <a:p>
+            <a:pPr algn="ctr"/>
+            <a:r>
+              <a:rPr lang="en-US" sz="4800" b="1" dirty="0">
+                <a:solidFill>
+                  <a:srgbClr val="7030A0"/>
+                </a:solidFill>
+              </a:rPr>
+              <a:t>Wireframe</a:t>
+            </a:r>
+            <a:r>
+              <a:rPr lang="en-US" sz="4800" b="1" dirty="0"/>
+              <a:t> </a:t>
+            </a:r>
+          </a:p>
+          <a:p>
+            <a:pPr algn="ctr"/>
+            <a:r>
+              <a:rPr lang="en-US" sz="4800" b="1" dirty="0">
+                <a:solidFill>
+                  <a:srgbClr val="00B050"/>
+                </a:solidFill>
+              </a:rPr>
+              <a:t>Mockup</a:t>
+            </a:r>
+            <a:endParaRPr lang="en-US" sz="4800" b="1" dirty="0"/>
+          </a:p>
+        </p:txBody>
+      </p:sp>
+      <p:sp>
+        <p:nvSpPr>
+          <p:cNvPr id="7" name="Левая фигурная скобка 6"/>
+          <p:cNvSpPr/>
+          <p:nvPr/>
+        </p:nvSpPr>
+        <p:spPr>
+          <a:xfrm>
+            <a:off x="5580011" y="1727511"/>
+            <a:ext cx="864096" cy="1565018"/>
+          </a:xfrm>
+          <a:prstGeom prst="leftBrace">
+            <a:avLst/>
+          </a:prstGeom>
+          <a:ln w="57150"/>
         </p:spPr>
         <p:style>
-          <a:lnRef idx="2">
-            <a:schemeClr val="accent1">
-              <a:shade val="50000"/>
-            </a:schemeClr>
+          <a:lnRef idx="1">
+            <a:schemeClr val="accent1"/>
           </a:lnRef>
-          <a:fillRef idx="1">
+          <a:fillRef idx="0">
             <a:schemeClr val="accent1"/>
           </a:fillRef>
           <a:effectRef idx="0">
             <a:schemeClr val="accent1"/>
           </a:effectRef>
           <a:fontRef idx="minor">
-            <a:schemeClr val="lt1"/>
+            <a:schemeClr val="tx1"/>
           </a:fontRef>
         </p:style>
         <p:txBody>
@@ -6795,18 +7201,14 @@
           <a:lstStyle/>
           <a:p>
             <a:pPr algn="ctr"/>
-            <a:r>
-              <a:rPr lang="ru-RU" sz="6600" b="1" dirty="0"/>
-              <a:t>4. Немного практики</a:t>
-            </a:r>
-            <a:endParaRPr lang="uk-UA" sz="6600" b="1" dirty="0"/>
+            <a:endParaRPr lang="uk-UA"/>
           </a:p>
         </p:txBody>
       </p:sp>
     </p:spTree>
     <p:extLst>
       <p:ext uri="{BB962C8B-B14F-4D97-AF65-F5344CB8AC3E}">
-        <p14:creationId xmlns:p14="http://schemas.microsoft.com/office/powerpoint/2010/main" val="1102660651"/>
+        <p14:creationId xmlns:p14="http://schemas.microsoft.com/office/powerpoint/2010/main" val="3558920657"/>
       </p:ext>
     </p:extLst>
   </p:cSld>
@@ -6835,7 +7237,7 @@
       </p:grpSpPr>
       <p:sp>
         <p:nvSpPr>
-          <p:cNvPr id="9" name="Номер слайда 36"/>
+          <p:cNvPr id="13" name="Номер слайда 36"/>
           <p:cNvSpPr txBox="1">
             <a:spLocks/>
           </p:cNvSpPr>
@@ -6843,8 +7245,8 @@
         </p:nvSpPr>
         <p:spPr>
           <a:xfrm>
-            <a:off x="11136560" y="6165304"/>
-            <a:ext cx="665240" cy="432048"/>
+            <a:off x="11280576" y="6165304"/>
+            <a:ext cx="648072" cy="432048"/>
           </a:xfrm>
           <a:prstGeom prst="roundRect">
             <a:avLst/>
@@ -6999,14 +7401,55 @@
       </p:sp>
       <p:sp>
         <p:nvSpPr>
-          <p:cNvPr id="10" name="TextBox 9"/>
+          <p:cNvPr id="2" name="Прямоугольник 1"/>
+          <p:cNvSpPr/>
+          <p:nvPr/>
+        </p:nvSpPr>
+        <p:spPr>
+          <a:xfrm>
+            <a:off x="2779160" y="188641"/>
+            <a:ext cx="7383944" cy="646331"/>
+          </a:xfrm>
+          <a:prstGeom prst="rect">
+            <a:avLst/>
+          </a:prstGeom>
+        </p:spPr>
+        <p:txBody>
+          <a:bodyPr wrap="none">
+            <a:spAutoFit/>
+          </a:bodyPr>
+          <a:lstStyle/>
+          <a:p>
+            <a:r>
+              <a:rPr lang="en-US" sz="3600" b="1" dirty="0">
+                <a:solidFill>
+                  <a:srgbClr val="0070C0"/>
+                </a:solidFill>
+              </a:rPr>
+              <a:t>Wireframe – </a:t>
+            </a:r>
+            <a:r>
+              <a:rPr lang="ru-RU" sz="3600" b="1" dirty="0">
+                <a:solidFill>
+                  <a:srgbClr val="0070C0"/>
+                </a:solidFill>
+              </a:rPr>
+              <a:t>«проволочный каркас»</a:t>
+            </a:r>
+            <a:endParaRPr lang="ru-RU" sz="3600" dirty="0"/>
+          </a:p>
+        </p:txBody>
+      </p:sp>
+      <p:sp>
+        <p:nvSpPr>
+          <p:cNvPr id="4" name="TextBox 3"/>
           <p:cNvSpPr txBox="1"/>
           <p:nvPr/>
         </p:nvSpPr>
         <p:spPr>
           <a:xfrm>
-            <a:off x="0" y="332656"/>
-            <a:ext cx="12192000" cy="584775"/>
+            <a:off x="2791241" y="5517233"/>
+            <a:ext cx="6609518" cy="1200329"/>
           </a:xfrm>
           <a:prstGeom prst="rect">
             <a:avLst/>
@@ -7021,76 +7464,58 @@
           <a:p>
             <a:pPr algn="ctr"/>
             <a:r>
-              <a:rPr lang="en-US" sz="3200" b="1" dirty="0"/>
-              <a:t>Bootstrap Grid </a:t>
-            </a:r>
-            <a:r>
-              <a:rPr lang="ru-RU" sz="3200" b="1" dirty="0"/>
-              <a:t>хорош для размещения однотипных элементов</a:t>
-            </a:r>
+              <a:rPr lang="en-US" sz="2400" b="1" i="1" dirty="0"/>
+              <a:t>Wireframe</a:t>
+            </a:r>
+            <a:r>
+              <a:rPr lang="en-US" sz="2400" i="1" dirty="0"/>
+              <a:t> – </a:t>
+            </a:r>
+            <a:r>
+              <a:rPr lang="ru-RU" sz="2400" i="1" dirty="0"/>
+              <a:t>упрошенный макет страницы, схематическое изображение страницы, как правило низкой детализации.</a:t>
+            </a:r>
+            <a:r>
+              <a:rPr lang="en-US" sz="2400" i="1" dirty="0"/>
+              <a:t> </a:t>
+            </a:r>
+            <a:endParaRPr lang="ru-RU" sz="2400" i="1" dirty="0"/>
           </a:p>
         </p:txBody>
       </p:sp>
       <p:pic>
         <p:nvPicPr>
-          <p:cNvPr id="2" name="Рисунок 1"/>
+          <p:cNvPr id="5" name="Рисунок 4"/>
           <p:cNvPicPr>
             <a:picLocks noChangeAspect="1"/>
           </p:cNvPicPr>
           <p:nvPr/>
         </p:nvPicPr>
-        <p:blipFill rotWithShape="1">
+        <p:blipFill>
           <a:blip r:embed="rId2"/>
-          <a:srcRect l="5113" r="5113"/>
-          <a:stretch/>
+          <a:stretch>
+            <a:fillRect/>
+          </a:stretch>
         </p:blipFill>
         <p:spPr>
           <a:xfrm>
-            <a:off x="0" y="1052736"/>
-            <a:ext cx="12192000" cy="3494229"/>
+            <a:off x="3071664" y="865828"/>
+            <a:ext cx="6048672" cy="4452386"/>
           </a:xfrm>
           <a:prstGeom prst="rect">
             <a:avLst/>
           </a:prstGeom>
-        </p:spPr>
-      </p:pic>
-      <p:pic>
-        <p:nvPicPr>
-          <p:cNvPr id="4" name="Рисунок 3"/>
-          <p:cNvPicPr>
-            <a:picLocks noChangeAspect="1"/>
-          </p:cNvPicPr>
-          <p:nvPr/>
-        </p:nvPicPr>
-        <p:blipFill rotWithShape="1">
-          <a:blip r:embed="rId3"/>
-          <a:srcRect b="9477"/>
-          <a:stretch/>
-        </p:blipFill>
-        <p:spPr>
-          <a:xfrm>
-            <a:off x="2394949" y="4535974"/>
-            <a:ext cx="7402102" cy="1845354"/>
-          </a:xfrm>
-          <a:prstGeom prst="rect">
-            <a:avLst/>
-          </a:prstGeom>
-          <a:ln>
-            <a:noFill/>
+          <a:ln w="28575">
+            <a:solidFill>
+              <a:srgbClr val="00B0F0"/>
+            </a:solidFill>
           </a:ln>
-          <a:effectLst>
-            <a:outerShdw blurRad="190500" algn="tl" rotWithShape="0">
-              <a:srgbClr val="000000">
-                <a:alpha val="70000"/>
-              </a:srgbClr>
-            </a:outerShdw>
-          </a:effectLst>
         </p:spPr>
       </p:pic>
     </p:spTree>
     <p:extLst>
       <p:ext uri="{BB962C8B-B14F-4D97-AF65-F5344CB8AC3E}">
-        <p14:creationId xmlns:p14="http://schemas.microsoft.com/office/powerpoint/2010/main" val="3277879645"/>
+        <p14:creationId xmlns:p14="http://schemas.microsoft.com/office/powerpoint/2010/main" val="3836868747"/>
       </p:ext>
     </p:extLst>
   </p:cSld>
@@ -7253,61 +7678,284 @@
       </p:grpSpPr>
       <p:sp>
         <p:nvSpPr>
-          <p:cNvPr id="5" name="Прямоугольник 4"/>
-          <p:cNvSpPr/>
+          <p:cNvPr id="13" name="Номер слайда 36"/>
+          <p:cNvSpPr txBox="1">
+            <a:spLocks/>
+          </p:cNvSpPr>
           <p:nvPr/>
         </p:nvSpPr>
         <p:spPr>
           <a:xfrm>
-            <a:off x="0" y="0"/>
-            <a:ext cx="12192000" cy="6858000"/>
-          </a:xfrm>
-          <a:prstGeom prst="rect">
+            <a:off x="11280576" y="6165304"/>
+            <a:ext cx="648072" cy="432048"/>
+          </a:xfrm>
+          <a:prstGeom prst="roundRect">
             <a:avLst/>
           </a:prstGeom>
-          <a:solidFill>
-            <a:schemeClr val="tx2">
-              <a:lumMod val="75000"/>
-            </a:schemeClr>
-          </a:solidFill>
+          <a:ln w="25400" cap="flat" cmpd="sng" algn="ctr">
+            <a:solidFill>
+              <a:schemeClr val="tx2">
+                <a:lumMod val="60000"/>
+                <a:lumOff val="40000"/>
+              </a:schemeClr>
+            </a:solidFill>
+            <a:prstDash val="solid"/>
+          </a:ln>
         </p:spPr>
         <p:style>
           <a:lnRef idx="2">
-            <a:schemeClr val="accent1">
-              <a:shade val="50000"/>
-            </a:schemeClr>
+            <a:schemeClr val="accent1"/>
           </a:lnRef>
           <a:fillRef idx="1">
-            <a:schemeClr val="accent1"/>
+            <a:schemeClr val="lt1"/>
           </a:fillRef>
           <a:effectRef idx="0">
             <a:schemeClr val="accent1"/>
           </a:effectRef>
           <a:fontRef idx="minor">
-            <a:schemeClr val="lt1"/>
+            <a:schemeClr val="dk1"/>
           </a:fontRef>
         </p:style>
         <p:txBody>
-          <a:bodyPr rtlCol="0" anchor="ctr"/>
+          <a:bodyPr vert="horz" lIns="91440" tIns="45720" rIns="91440" bIns="45720" rtlCol="0" anchor="ctr"/>
+          <a:lstStyle>
+            <a:defPPr>
+              <a:defRPr lang="uk-UA"/>
+            </a:defPPr>
+            <a:lvl1pPr marL="0" algn="l" defTabSz="914400" rtl="0" eaLnBrk="1" latinLnBrk="0" hangingPunct="1">
+              <a:defRPr sz="1800" kern="1200">
+                <a:solidFill>
+                  <a:schemeClr val="dk1"/>
+                </a:solidFill>
+                <a:latin typeface="+mn-lt"/>
+                <a:ea typeface="+mn-ea"/>
+                <a:cs typeface="+mn-cs"/>
+              </a:defRPr>
+            </a:lvl1pPr>
+            <a:lvl2pPr marL="457200" algn="l" defTabSz="914400" rtl="0" eaLnBrk="1" latinLnBrk="0" hangingPunct="1">
+              <a:defRPr sz="1800" kern="1200">
+                <a:solidFill>
+                  <a:schemeClr val="dk1"/>
+                </a:solidFill>
+                <a:latin typeface="+mn-lt"/>
+                <a:ea typeface="+mn-ea"/>
+                <a:cs typeface="+mn-cs"/>
+              </a:defRPr>
+            </a:lvl2pPr>
+            <a:lvl3pPr marL="914400" algn="l" defTabSz="914400" rtl="0" eaLnBrk="1" latinLnBrk="0" hangingPunct="1">
+              <a:defRPr sz="1800" kern="1200">
+                <a:solidFill>
+                  <a:schemeClr val="dk1"/>
+                </a:solidFill>
+                <a:latin typeface="+mn-lt"/>
+                <a:ea typeface="+mn-ea"/>
+                <a:cs typeface="+mn-cs"/>
+              </a:defRPr>
+            </a:lvl3pPr>
+            <a:lvl4pPr marL="1371600" algn="l" defTabSz="914400" rtl="0" eaLnBrk="1" latinLnBrk="0" hangingPunct="1">
+              <a:defRPr sz="1800" kern="1200">
+                <a:solidFill>
+                  <a:schemeClr val="dk1"/>
+                </a:solidFill>
+                <a:latin typeface="+mn-lt"/>
+                <a:ea typeface="+mn-ea"/>
+                <a:cs typeface="+mn-cs"/>
+              </a:defRPr>
+            </a:lvl4pPr>
+            <a:lvl5pPr marL="1828800" algn="l" defTabSz="914400" rtl="0" eaLnBrk="1" latinLnBrk="0" hangingPunct="1">
+              <a:defRPr sz="1800" kern="1200">
+                <a:solidFill>
+                  <a:schemeClr val="dk1"/>
+                </a:solidFill>
+                <a:latin typeface="+mn-lt"/>
+                <a:ea typeface="+mn-ea"/>
+                <a:cs typeface="+mn-cs"/>
+              </a:defRPr>
+            </a:lvl5pPr>
+            <a:lvl6pPr marL="2286000" algn="l" defTabSz="914400" rtl="0" eaLnBrk="1" latinLnBrk="0" hangingPunct="1">
+              <a:defRPr sz="1800" kern="1200">
+                <a:solidFill>
+                  <a:schemeClr val="dk1"/>
+                </a:solidFill>
+                <a:latin typeface="+mn-lt"/>
+                <a:ea typeface="+mn-ea"/>
+                <a:cs typeface="+mn-cs"/>
+              </a:defRPr>
+            </a:lvl6pPr>
+            <a:lvl7pPr marL="2743200" algn="l" defTabSz="914400" rtl="0" eaLnBrk="1" latinLnBrk="0" hangingPunct="1">
+              <a:defRPr sz="1800" kern="1200">
+                <a:solidFill>
+                  <a:schemeClr val="dk1"/>
+                </a:solidFill>
+                <a:latin typeface="+mn-lt"/>
+                <a:ea typeface="+mn-ea"/>
+                <a:cs typeface="+mn-cs"/>
+              </a:defRPr>
+            </a:lvl7pPr>
+            <a:lvl8pPr marL="3200400" algn="l" defTabSz="914400" rtl="0" eaLnBrk="1" latinLnBrk="0" hangingPunct="1">
+              <a:defRPr sz="1800" kern="1200">
+                <a:solidFill>
+                  <a:schemeClr val="dk1"/>
+                </a:solidFill>
+                <a:latin typeface="+mn-lt"/>
+                <a:ea typeface="+mn-ea"/>
+                <a:cs typeface="+mn-cs"/>
+              </a:defRPr>
+            </a:lvl8pPr>
+            <a:lvl9pPr marL="3657600" algn="l" defTabSz="914400" rtl="0" eaLnBrk="1" latinLnBrk="0" hangingPunct="1">
+              <a:defRPr sz="1800" kern="1200">
+                <a:solidFill>
+                  <a:schemeClr val="dk1"/>
+                </a:solidFill>
+                <a:latin typeface="+mn-lt"/>
+                <a:ea typeface="+mn-ea"/>
+                <a:cs typeface="+mn-cs"/>
+              </a:defRPr>
+            </a:lvl9pPr>
+          </a:lstStyle>
+          <a:p>
+            <a:pPr algn="ctr">
+              <a:defRPr/>
+            </a:pPr>
+            <a:fld id="{6389AA22-90B4-448C-8B6B-C699140D38B9}" type="slidenum">
+              <a:rPr lang="uk-UA" sz="2400" b="1">
+                <a:solidFill>
+                  <a:schemeClr val="bg1">
+                    <a:lumMod val="50000"/>
+                  </a:schemeClr>
+                </a:solidFill>
+              </a:rPr>
+              <a:pPr algn="ctr">
+                <a:defRPr/>
+              </a:pPr>
+              <a:t>20</a:t>
+            </a:fld>
+            <a:endParaRPr lang="uk-UA" sz="2400" b="1" dirty="0">
+              <a:solidFill>
+                <a:schemeClr val="bg1">
+                  <a:lumMod val="50000"/>
+                </a:schemeClr>
+              </a:solidFill>
+            </a:endParaRPr>
+          </a:p>
+        </p:txBody>
+      </p:sp>
+      <p:sp>
+        <p:nvSpPr>
+          <p:cNvPr id="2" name="Прямоугольник 1"/>
+          <p:cNvSpPr/>
+          <p:nvPr/>
+        </p:nvSpPr>
+        <p:spPr>
+          <a:xfrm>
+            <a:off x="3359697" y="252675"/>
+            <a:ext cx="5915787" cy="646331"/>
+          </a:xfrm>
+          <a:prstGeom prst="rect">
+            <a:avLst/>
+          </a:prstGeom>
+        </p:spPr>
+        <p:txBody>
+          <a:bodyPr wrap="none">
+            <a:spAutoFit/>
+          </a:bodyPr>
           <a:lstStyle/>
           <a:p>
+            <a:r>
+              <a:rPr lang="en-US" sz="3600" b="1" dirty="0">
+                <a:solidFill>
+                  <a:srgbClr val="00B050"/>
+                </a:solidFill>
+              </a:rPr>
+              <a:t>Mockup – </a:t>
+            </a:r>
+            <a:r>
+              <a:rPr lang="ru-RU" sz="3600" b="1" dirty="0">
+                <a:solidFill>
+                  <a:srgbClr val="00B050"/>
+                </a:solidFill>
+              </a:rPr>
+              <a:t>«макет страницы»</a:t>
+            </a:r>
+            <a:endParaRPr lang="ru-RU" sz="3600" dirty="0">
+              <a:solidFill>
+                <a:srgbClr val="00B050"/>
+              </a:solidFill>
+            </a:endParaRPr>
+          </a:p>
+        </p:txBody>
+      </p:sp>
+      <p:sp>
+        <p:nvSpPr>
+          <p:cNvPr id="4" name="TextBox 3"/>
+          <p:cNvSpPr txBox="1"/>
+          <p:nvPr/>
+        </p:nvSpPr>
+        <p:spPr>
+          <a:xfrm>
+            <a:off x="1973136" y="5478324"/>
+            <a:ext cx="8299329" cy="830997"/>
+          </a:xfrm>
+          <a:prstGeom prst="rect">
+            <a:avLst/>
+          </a:prstGeom>
+          <a:noFill/>
+        </p:spPr>
+        <p:txBody>
+          <a:bodyPr wrap="square" rtlCol="0">
+            <a:spAutoFit/>
+          </a:bodyPr>
+          <a:lstStyle/>
+          <a:p>
             <a:pPr algn="ctr"/>
             <a:r>
-              <a:rPr lang="en-US" sz="7200" b="1" dirty="0"/>
-              <a:t>5</a:t>
-            </a:r>
-            <a:r>
-              <a:rPr lang="ru-RU" sz="7200" b="1" dirty="0"/>
-              <a:t>. Проектирование</a:t>
-            </a:r>
-            <a:endParaRPr lang="uk-UA" sz="6000" b="1" dirty="0"/>
-          </a:p>
-        </p:txBody>
-      </p:sp>
+              <a:rPr lang="en-US" sz="2400" b="1" i="1" dirty="0"/>
+              <a:t>Mockup</a:t>
+            </a:r>
+            <a:r>
+              <a:rPr lang="en-US" sz="2400" i="1" dirty="0"/>
+              <a:t> – </a:t>
+            </a:r>
+            <a:r>
+              <a:rPr lang="ru-RU" sz="2400" i="1" dirty="0"/>
+              <a:t>макет страницы, изображение (картинка) того как страница будет выглядеть в реальности.</a:t>
+            </a:r>
+          </a:p>
+        </p:txBody>
+      </p:sp>
+      <p:pic>
+        <p:nvPicPr>
+          <p:cNvPr id="5" name="Рисунок 4"/>
+          <p:cNvPicPr>
+            <a:picLocks noChangeAspect="1"/>
+          </p:cNvPicPr>
+          <p:nvPr/>
+        </p:nvPicPr>
+        <p:blipFill>
+          <a:blip r:embed="rId2"/>
+          <a:stretch>
+            <a:fillRect/>
+          </a:stretch>
+        </p:blipFill>
+        <p:spPr>
+          <a:xfrm>
+            <a:off x="2359219" y="1373444"/>
+            <a:ext cx="7527160" cy="3711740"/>
+          </a:xfrm>
+          <a:prstGeom prst="rect">
+            <a:avLst/>
+          </a:prstGeom>
+          <a:ln w="28575">
+            <a:solidFill>
+              <a:srgbClr val="00B0F0"/>
+            </a:solidFill>
+          </a:ln>
+        </p:spPr>
+      </p:pic>
     </p:spTree>
     <p:extLst>
       <p:ext uri="{BB962C8B-B14F-4D97-AF65-F5344CB8AC3E}">
-        <p14:creationId xmlns:p14="http://schemas.microsoft.com/office/powerpoint/2010/main" val="1294794088"/>
+        <p14:creationId xmlns:p14="http://schemas.microsoft.com/office/powerpoint/2010/main" val="1329569496"/>
       </p:ext>
     </p:extLst>
   </p:cSld>
@@ -7336,1425 +7984,6 @@
       </p:grpSpPr>
       <p:sp>
         <p:nvSpPr>
-          <p:cNvPr id="13" name="Номер слайда 36"/>
-          <p:cNvSpPr txBox="1">
-            <a:spLocks/>
-          </p:cNvSpPr>
-          <p:nvPr/>
-        </p:nvSpPr>
-        <p:spPr>
-          <a:xfrm>
-            <a:off x="11208568" y="6165304"/>
-            <a:ext cx="648072" cy="432048"/>
-          </a:xfrm>
-          <a:prstGeom prst="roundRect">
-            <a:avLst/>
-          </a:prstGeom>
-          <a:ln w="25400" cap="flat" cmpd="sng" algn="ctr">
-            <a:solidFill>
-              <a:schemeClr val="tx2">
-                <a:lumMod val="60000"/>
-                <a:lumOff val="40000"/>
-              </a:schemeClr>
-            </a:solidFill>
-            <a:prstDash val="solid"/>
-          </a:ln>
-        </p:spPr>
-        <p:style>
-          <a:lnRef idx="2">
-            <a:schemeClr val="accent1"/>
-          </a:lnRef>
-          <a:fillRef idx="1">
-            <a:schemeClr val="lt1"/>
-          </a:fillRef>
-          <a:effectRef idx="0">
-            <a:schemeClr val="accent1"/>
-          </a:effectRef>
-          <a:fontRef idx="minor">
-            <a:schemeClr val="dk1"/>
-          </a:fontRef>
-        </p:style>
-        <p:txBody>
-          <a:bodyPr vert="horz" lIns="91440" tIns="45720" rIns="91440" bIns="45720" rtlCol="0" anchor="ctr"/>
-          <a:lstStyle>
-            <a:defPPr>
-              <a:defRPr lang="uk-UA"/>
-            </a:defPPr>
-            <a:lvl1pPr marL="0" algn="l" defTabSz="914400" rtl="0" eaLnBrk="1" latinLnBrk="0" hangingPunct="1">
-              <a:defRPr sz="1800" kern="1200">
-                <a:solidFill>
-                  <a:schemeClr val="dk1"/>
-                </a:solidFill>
-                <a:latin typeface="+mn-lt"/>
-                <a:ea typeface="+mn-ea"/>
-                <a:cs typeface="+mn-cs"/>
-              </a:defRPr>
-            </a:lvl1pPr>
-            <a:lvl2pPr marL="457200" algn="l" defTabSz="914400" rtl="0" eaLnBrk="1" latinLnBrk="0" hangingPunct="1">
-              <a:defRPr sz="1800" kern="1200">
-                <a:solidFill>
-                  <a:schemeClr val="dk1"/>
-                </a:solidFill>
-                <a:latin typeface="+mn-lt"/>
-                <a:ea typeface="+mn-ea"/>
-                <a:cs typeface="+mn-cs"/>
-              </a:defRPr>
-            </a:lvl2pPr>
-            <a:lvl3pPr marL="914400" algn="l" defTabSz="914400" rtl="0" eaLnBrk="1" latinLnBrk="0" hangingPunct="1">
-              <a:defRPr sz="1800" kern="1200">
-                <a:solidFill>
-                  <a:schemeClr val="dk1"/>
-                </a:solidFill>
-                <a:latin typeface="+mn-lt"/>
-                <a:ea typeface="+mn-ea"/>
-                <a:cs typeface="+mn-cs"/>
-              </a:defRPr>
-            </a:lvl3pPr>
-            <a:lvl4pPr marL="1371600" algn="l" defTabSz="914400" rtl="0" eaLnBrk="1" latinLnBrk="0" hangingPunct="1">
-              <a:defRPr sz="1800" kern="1200">
-                <a:solidFill>
-                  <a:schemeClr val="dk1"/>
-                </a:solidFill>
-                <a:latin typeface="+mn-lt"/>
-                <a:ea typeface="+mn-ea"/>
-                <a:cs typeface="+mn-cs"/>
-              </a:defRPr>
-            </a:lvl4pPr>
-            <a:lvl5pPr marL="1828800" algn="l" defTabSz="914400" rtl="0" eaLnBrk="1" latinLnBrk="0" hangingPunct="1">
-              <a:defRPr sz="1800" kern="1200">
-                <a:solidFill>
-                  <a:schemeClr val="dk1"/>
-                </a:solidFill>
-                <a:latin typeface="+mn-lt"/>
-                <a:ea typeface="+mn-ea"/>
-                <a:cs typeface="+mn-cs"/>
-              </a:defRPr>
-            </a:lvl5pPr>
-            <a:lvl6pPr marL="2286000" algn="l" defTabSz="914400" rtl="0" eaLnBrk="1" latinLnBrk="0" hangingPunct="1">
-              <a:defRPr sz="1800" kern="1200">
-                <a:solidFill>
-                  <a:schemeClr val="dk1"/>
-                </a:solidFill>
-                <a:latin typeface="+mn-lt"/>
-                <a:ea typeface="+mn-ea"/>
-                <a:cs typeface="+mn-cs"/>
-              </a:defRPr>
-            </a:lvl6pPr>
-            <a:lvl7pPr marL="2743200" algn="l" defTabSz="914400" rtl="0" eaLnBrk="1" latinLnBrk="0" hangingPunct="1">
-              <a:defRPr sz="1800" kern="1200">
-                <a:solidFill>
-                  <a:schemeClr val="dk1"/>
-                </a:solidFill>
-                <a:latin typeface="+mn-lt"/>
-                <a:ea typeface="+mn-ea"/>
-                <a:cs typeface="+mn-cs"/>
-              </a:defRPr>
-            </a:lvl7pPr>
-            <a:lvl8pPr marL="3200400" algn="l" defTabSz="914400" rtl="0" eaLnBrk="1" latinLnBrk="0" hangingPunct="1">
-              <a:defRPr sz="1800" kern="1200">
-                <a:solidFill>
-                  <a:schemeClr val="dk1"/>
-                </a:solidFill>
-                <a:latin typeface="+mn-lt"/>
-                <a:ea typeface="+mn-ea"/>
-                <a:cs typeface="+mn-cs"/>
-              </a:defRPr>
-            </a:lvl8pPr>
-            <a:lvl9pPr marL="3657600" algn="l" defTabSz="914400" rtl="0" eaLnBrk="1" latinLnBrk="0" hangingPunct="1">
-              <a:defRPr sz="1800" kern="1200">
-                <a:solidFill>
-                  <a:schemeClr val="dk1"/>
-                </a:solidFill>
-                <a:latin typeface="+mn-lt"/>
-                <a:ea typeface="+mn-ea"/>
-                <a:cs typeface="+mn-cs"/>
-              </a:defRPr>
-            </a:lvl9pPr>
-          </a:lstStyle>
-          <a:p>
-            <a:pPr algn="ctr">
-              <a:defRPr/>
-            </a:pPr>
-            <a:fld id="{6389AA22-90B4-448C-8B6B-C699140D38B9}" type="slidenum">
-              <a:rPr lang="uk-UA" sz="2400" b="1">
-                <a:solidFill>
-                  <a:schemeClr val="bg1">
-                    <a:lumMod val="50000"/>
-                  </a:schemeClr>
-                </a:solidFill>
-              </a:rPr>
-              <a:pPr algn="ctr">
-                <a:defRPr/>
-              </a:pPr>
-              <a:t>21</a:t>
-            </a:fld>
-            <a:endParaRPr lang="uk-UA" sz="2400" b="1" dirty="0">
-              <a:solidFill>
-                <a:schemeClr val="bg1">
-                  <a:lumMod val="50000"/>
-                </a:schemeClr>
-              </a:solidFill>
-            </a:endParaRPr>
-          </a:p>
-        </p:txBody>
-      </p:sp>
-      <p:sp>
-        <p:nvSpPr>
-          <p:cNvPr id="3" name="TextBox 2"/>
-          <p:cNvSpPr txBox="1"/>
-          <p:nvPr/>
-        </p:nvSpPr>
-        <p:spPr>
-          <a:xfrm>
-            <a:off x="0" y="1708353"/>
-            <a:ext cx="12192000" cy="2800767"/>
-          </a:xfrm>
-          <a:prstGeom prst="rect">
-            <a:avLst/>
-          </a:prstGeom>
-          <a:noFill/>
-        </p:spPr>
-        <p:txBody>
-          <a:bodyPr wrap="square" rtlCol="0">
-            <a:spAutoFit/>
-          </a:bodyPr>
-          <a:lstStyle/>
-          <a:p>
-            <a:pPr algn="ctr"/>
-            <a:r>
-              <a:rPr lang="en-US" sz="8800" b="1" dirty="0">
-                <a:solidFill>
-                  <a:schemeClr val="tx2">
-                    <a:lumMod val="60000"/>
-                    <a:lumOff val="40000"/>
-                  </a:schemeClr>
-                </a:solidFill>
-              </a:rPr>
-              <a:t>Layout</a:t>
-            </a:r>
-            <a:r>
-              <a:rPr lang="ru-RU" sz="8800" b="1" dirty="0">
-                <a:solidFill>
-                  <a:schemeClr val="tx2">
-                    <a:lumMod val="60000"/>
-                    <a:lumOff val="40000"/>
-                  </a:schemeClr>
-                </a:solidFill>
-              </a:rPr>
-              <a:t> </a:t>
-            </a:r>
-            <a:endParaRPr lang="en-US" sz="8800" b="1" dirty="0">
-              <a:solidFill>
-                <a:schemeClr val="tx2">
-                  <a:lumMod val="60000"/>
-                  <a:lumOff val="40000"/>
-                </a:schemeClr>
-              </a:solidFill>
-            </a:endParaRPr>
-          </a:p>
-          <a:p>
-            <a:pPr algn="ctr"/>
-            <a:r>
-              <a:rPr lang="en-US" sz="8800" b="1" dirty="0">
-                <a:solidFill>
-                  <a:schemeClr val="accent6">
-                    <a:lumMod val="60000"/>
-                    <a:lumOff val="40000"/>
-                  </a:schemeClr>
-                </a:solidFill>
-              </a:rPr>
-              <a:t>Template</a:t>
-            </a:r>
-            <a:endParaRPr lang="ru-RU" sz="8800" b="1" dirty="0">
-              <a:solidFill>
-                <a:schemeClr val="accent6">
-                  <a:lumMod val="60000"/>
-                  <a:lumOff val="40000"/>
-                </a:schemeClr>
-              </a:solidFill>
-            </a:endParaRPr>
-          </a:p>
-        </p:txBody>
-      </p:sp>
-      <p:sp>
-        <p:nvSpPr>
-          <p:cNvPr id="2" name="TextBox 1"/>
-          <p:cNvSpPr txBox="1"/>
-          <p:nvPr/>
-        </p:nvSpPr>
-        <p:spPr>
-          <a:xfrm>
-            <a:off x="0" y="488866"/>
-            <a:ext cx="12192000" cy="707886"/>
-          </a:xfrm>
-          <a:prstGeom prst="rect">
-            <a:avLst/>
-          </a:prstGeom>
-          <a:noFill/>
-        </p:spPr>
-        <p:txBody>
-          <a:bodyPr wrap="square" rtlCol="0">
-            <a:spAutoFit/>
-          </a:bodyPr>
-          <a:lstStyle/>
-          <a:p>
-            <a:pPr algn="ctr"/>
-            <a:r>
-              <a:rPr lang="ru-RU" sz="4000" b="1" dirty="0"/>
-              <a:t>Раньше терминология была простая</a:t>
-            </a:r>
-            <a:endParaRPr lang="uk-UA" sz="4000" b="1" dirty="0"/>
-          </a:p>
-        </p:txBody>
-      </p:sp>
-      <p:sp>
-        <p:nvSpPr>
-          <p:cNvPr id="4" name="TextBox 3"/>
-          <p:cNvSpPr txBox="1"/>
-          <p:nvPr/>
-        </p:nvSpPr>
-        <p:spPr>
-          <a:xfrm>
-            <a:off x="0" y="4944070"/>
-            <a:ext cx="12192000" cy="1077218"/>
-          </a:xfrm>
-          <a:prstGeom prst="rect">
-            <a:avLst/>
-          </a:prstGeom>
-          <a:noFill/>
-        </p:spPr>
-        <p:txBody>
-          <a:bodyPr wrap="square" rtlCol="0">
-            <a:spAutoFit/>
-          </a:bodyPr>
-          <a:lstStyle/>
-          <a:p>
-            <a:pPr algn="ctr"/>
-            <a:r>
-              <a:rPr lang="en-US" sz="3200" b="1" dirty="0"/>
-              <a:t>Layout</a:t>
-            </a:r>
-            <a:r>
-              <a:rPr lang="ru-RU" sz="3200" dirty="0"/>
-              <a:t> –</a:t>
-            </a:r>
-            <a:r>
-              <a:rPr lang="en-US" sz="3200" dirty="0"/>
-              <a:t> </a:t>
-            </a:r>
-            <a:r>
-              <a:rPr lang="ru-RU" sz="3200" dirty="0"/>
-              <a:t>макет страницы («картинка») </a:t>
-            </a:r>
-            <a:endParaRPr lang="en-US" sz="3200" dirty="0"/>
-          </a:p>
-          <a:p>
-            <a:pPr algn="ctr"/>
-            <a:r>
-              <a:rPr lang="en-US" sz="3200" b="1" dirty="0"/>
-              <a:t>Template</a:t>
-            </a:r>
-            <a:r>
-              <a:rPr lang="ru-RU" sz="3200" b="1" dirty="0"/>
-              <a:t> </a:t>
-            </a:r>
-            <a:r>
-              <a:rPr lang="ru-RU" sz="3200" dirty="0"/>
-              <a:t>– сверстанные страницы</a:t>
-            </a:r>
-          </a:p>
-        </p:txBody>
-      </p:sp>
-    </p:spTree>
-    <p:extLst>
-      <p:ext uri="{BB962C8B-B14F-4D97-AF65-F5344CB8AC3E}">
-        <p14:creationId xmlns:p14="http://schemas.microsoft.com/office/powerpoint/2010/main" val="1977168002"/>
-      </p:ext>
-    </p:extLst>
-  </p:cSld>
-  <p:clrMapOvr>
-    <a:masterClrMapping/>
-  </p:clrMapOvr>
-</p:sld>
-</file>
-
-<file path=ppt/slides/slide22.xml><?xml version="1.0" encoding="utf-8"?>
-<p:sld xmlns:a="http://schemas.openxmlformats.org/drawingml/2006/main" xmlns:r="http://schemas.openxmlformats.org/officeDocument/2006/relationships" xmlns:p="http://schemas.openxmlformats.org/presentationml/2006/main">
-  <p:cSld>
-    <p:spTree>
-      <p:nvGrpSpPr>
-        <p:cNvPr id="1" name=""/>
-        <p:cNvGrpSpPr/>
-        <p:nvPr/>
-      </p:nvGrpSpPr>
-      <p:grpSpPr>
-        <a:xfrm>
-          <a:off x="0" y="0"/>
-          <a:ext cx="0" cy="0"/>
-          <a:chOff x="0" y="0"/>
-          <a:chExt cx="0" cy="0"/>
-        </a:xfrm>
-      </p:grpSpPr>
-      <p:sp>
-        <p:nvSpPr>
-          <p:cNvPr id="13" name="Номер слайда 36"/>
-          <p:cNvSpPr txBox="1">
-            <a:spLocks/>
-          </p:cNvSpPr>
-          <p:nvPr/>
-        </p:nvSpPr>
-        <p:spPr>
-          <a:xfrm>
-            <a:off x="11208568" y="6165304"/>
-            <a:ext cx="648072" cy="432048"/>
-          </a:xfrm>
-          <a:prstGeom prst="roundRect">
-            <a:avLst/>
-          </a:prstGeom>
-          <a:ln w="25400" cap="flat" cmpd="sng" algn="ctr">
-            <a:solidFill>
-              <a:schemeClr val="tx2">
-                <a:lumMod val="60000"/>
-                <a:lumOff val="40000"/>
-              </a:schemeClr>
-            </a:solidFill>
-            <a:prstDash val="solid"/>
-          </a:ln>
-        </p:spPr>
-        <p:style>
-          <a:lnRef idx="2">
-            <a:schemeClr val="accent1"/>
-          </a:lnRef>
-          <a:fillRef idx="1">
-            <a:schemeClr val="lt1"/>
-          </a:fillRef>
-          <a:effectRef idx="0">
-            <a:schemeClr val="accent1"/>
-          </a:effectRef>
-          <a:fontRef idx="minor">
-            <a:schemeClr val="dk1"/>
-          </a:fontRef>
-        </p:style>
-        <p:txBody>
-          <a:bodyPr vert="horz" lIns="91440" tIns="45720" rIns="91440" bIns="45720" rtlCol="0" anchor="ctr"/>
-          <a:lstStyle>
-            <a:defPPr>
-              <a:defRPr lang="uk-UA"/>
-            </a:defPPr>
-            <a:lvl1pPr marL="0" algn="l" defTabSz="914400" rtl="0" eaLnBrk="1" latinLnBrk="0" hangingPunct="1">
-              <a:defRPr sz="1800" kern="1200">
-                <a:solidFill>
-                  <a:schemeClr val="dk1"/>
-                </a:solidFill>
-                <a:latin typeface="+mn-lt"/>
-                <a:ea typeface="+mn-ea"/>
-                <a:cs typeface="+mn-cs"/>
-              </a:defRPr>
-            </a:lvl1pPr>
-            <a:lvl2pPr marL="457200" algn="l" defTabSz="914400" rtl="0" eaLnBrk="1" latinLnBrk="0" hangingPunct="1">
-              <a:defRPr sz="1800" kern="1200">
-                <a:solidFill>
-                  <a:schemeClr val="dk1"/>
-                </a:solidFill>
-                <a:latin typeface="+mn-lt"/>
-                <a:ea typeface="+mn-ea"/>
-                <a:cs typeface="+mn-cs"/>
-              </a:defRPr>
-            </a:lvl2pPr>
-            <a:lvl3pPr marL="914400" algn="l" defTabSz="914400" rtl="0" eaLnBrk="1" latinLnBrk="0" hangingPunct="1">
-              <a:defRPr sz="1800" kern="1200">
-                <a:solidFill>
-                  <a:schemeClr val="dk1"/>
-                </a:solidFill>
-                <a:latin typeface="+mn-lt"/>
-                <a:ea typeface="+mn-ea"/>
-                <a:cs typeface="+mn-cs"/>
-              </a:defRPr>
-            </a:lvl3pPr>
-            <a:lvl4pPr marL="1371600" algn="l" defTabSz="914400" rtl="0" eaLnBrk="1" latinLnBrk="0" hangingPunct="1">
-              <a:defRPr sz="1800" kern="1200">
-                <a:solidFill>
-                  <a:schemeClr val="dk1"/>
-                </a:solidFill>
-                <a:latin typeface="+mn-lt"/>
-                <a:ea typeface="+mn-ea"/>
-                <a:cs typeface="+mn-cs"/>
-              </a:defRPr>
-            </a:lvl4pPr>
-            <a:lvl5pPr marL="1828800" algn="l" defTabSz="914400" rtl="0" eaLnBrk="1" latinLnBrk="0" hangingPunct="1">
-              <a:defRPr sz="1800" kern="1200">
-                <a:solidFill>
-                  <a:schemeClr val="dk1"/>
-                </a:solidFill>
-                <a:latin typeface="+mn-lt"/>
-                <a:ea typeface="+mn-ea"/>
-                <a:cs typeface="+mn-cs"/>
-              </a:defRPr>
-            </a:lvl5pPr>
-            <a:lvl6pPr marL="2286000" algn="l" defTabSz="914400" rtl="0" eaLnBrk="1" latinLnBrk="0" hangingPunct="1">
-              <a:defRPr sz="1800" kern="1200">
-                <a:solidFill>
-                  <a:schemeClr val="dk1"/>
-                </a:solidFill>
-                <a:latin typeface="+mn-lt"/>
-                <a:ea typeface="+mn-ea"/>
-                <a:cs typeface="+mn-cs"/>
-              </a:defRPr>
-            </a:lvl6pPr>
-            <a:lvl7pPr marL="2743200" algn="l" defTabSz="914400" rtl="0" eaLnBrk="1" latinLnBrk="0" hangingPunct="1">
-              <a:defRPr sz="1800" kern="1200">
-                <a:solidFill>
-                  <a:schemeClr val="dk1"/>
-                </a:solidFill>
-                <a:latin typeface="+mn-lt"/>
-                <a:ea typeface="+mn-ea"/>
-                <a:cs typeface="+mn-cs"/>
-              </a:defRPr>
-            </a:lvl7pPr>
-            <a:lvl8pPr marL="3200400" algn="l" defTabSz="914400" rtl="0" eaLnBrk="1" latinLnBrk="0" hangingPunct="1">
-              <a:defRPr sz="1800" kern="1200">
-                <a:solidFill>
-                  <a:schemeClr val="dk1"/>
-                </a:solidFill>
-                <a:latin typeface="+mn-lt"/>
-                <a:ea typeface="+mn-ea"/>
-                <a:cs typeface="+mn-cs"/>
-              </a:defRPr>
-            </a:lvl8pPr>
-            <a:lvl9pPr marL="3657600" algn="l" defTabSz="914400" rtl="0" eaLnBrk="1" latinLnBrk="0" hangingPunct="1">
-              <a:defRPr sz="1800" kern="1200">
-                <a:solidFill>
-                  <a:schemeClr val="dk1"/>
-                </a:solidFill>
-                <a:latin typeface="+mn-lt"/>
-                <a:ea typeface="+mn-ea"/>
-                <a:cs typeface="+mn-cs"/>
-              </a:defRPr>
-            </a:lvl9pPr>
-          </a:lstStyle>
-          <a:p>
-            <a:pPr algn="ctr">
-              <a:defRPr/>
-            </a:pPr>
-            <a:fld id="{6389AA22-90B4-448C-8B6B-C699140D38B9}" type="slidenum">
-              <a:rPr lang="uk-UA" sz="2400" b="1">
-                <a:solidFill>
-                  <a:schemeClr val="bg1">
-                    <a:lumMod val="50000"/>
-                  </a:schemeClr>
-                </a:solidFill>
-              </a:rPr>
-              <a:pPr algn="ctr">
-                <a:defRPr/>
-              </a:pPr>
-              <a:t>22</a:t>
-            </a:fld>
-            <a:endParaRPr lang="uk-UA" sz="2400" b="1" dirty="0">
-              <a:solidFill>
-                <a:schemeClr val="bg1">
-                  <a:lumMod val="50000"/>
-                </a:schemeClr>
-              </a:solidFill>
-            </a:endParaRPr>
-          </a:p>
-        </p:txBody>
-      </p:sp>
-      <p:sp>
-        <p:nvSpPr>
-          <p:cNvPr id="3" name="TextBox 2"/>
-          <p:cNvSpPr txBox="1"/>
-          <p:nvPr/>
-        </p:nvSpPr>
-        <p:spPr>
-          <a:xfrm>
-            <a:off x="276099" y="1780361"/>
-            <a:ext cx="5879976" cy="2800767"/>
-          </a:xfrm>
-          <a:prstGeom prst="rect">
-            <a:avLst/>
-          </a:prstGeom>
-          <a:noFill/>
-        </p:spPr>
-        <p:txBody>
-          <a:bodyPr wrap="square" rtlCol="0">
-            <a:spAutoFit/>
-          </a:bodyPr>
-          <a:lstStyle/>
-          <a:p>
-            <a:pPr algn="ctr"/>
-            <a:r>
-              <a:rPr lang="en-US" sz="8800" b="1" dirty="0">
-                <a:solidFill>
-                  <a:schemeClr val="tx2">
-                    <a:lumMod val="60000"/>
-                    <a:lumOff val="40000"/>
-                  </a:schemeClr>
-                </a:solidFill>
-              </a:rPr>
-              <a:t>Layout</a:t>
-            </a:r>
-            <a:r>
-              <a:rPr lang="ru-RU" sz="8800" b="1" dirty="0">
-                <a:solidFill>
-                  <a:schemeClr val="tx2">
-                    <a:lumMod val="60000"/>
-                    <a:lumOff val="40000"/>
-                  </a:schemeClr>
-                </a:solidFill>
-              </a:rPr>
-              <a:t> </a:t>
-            </a:r>
-            <a:endParaRPr lang="en-US" sz="8800" b="1" dirty="0">
-              <a:solidFill>
-                <a:schemeClr val="tx2">
-                  <a:lumMod val="60000"/>
-                  <a:lumOff val="40000"/>
-                </a:schemeClr>
-              </a:solidFill>
-            </a:endParaRPr>
-          </a:p>
-          <a:p>
-            <a:pPr algn="ctr"/>
-            <a:r>
-              <a:rPr lang="en-US" sz="8800" b="1" dirty="0">
-                <a:solidFill>
-                  <a:schemeClr val="accent6">
-                    <a:lumMod val="60000"/>
-                    <a:lumOff val="40000"/>
-                  </a:schemeClr>
-                </a:solidFill>
-              </a:rPr>
-              <a:t>Template</a:t>
-            </a:r>
-          </a:p>
-        </p:txBody>
-      </p:sp>
-      <p:sp>
-        <p:nvSpPr>
-          <p:cNvPr id="2" name="TextBox 1"/>
-          <p:cNvSpPr txBox="1"/>
-          <p:nvPr/>
-        </p:nvSpPr>
-        <p:spPr>
-          <a:xfrm>
-            <a:off x="0" y="332656"/>
-            <a:ext cx="12192000" cy="646331"/>
-          </a:xfrm>
-          <a:prstGeom prst="rect">
-            <a:avLst/>
-          </a:prstGeom>
-          <a:noFill/>
-        </p:spPr>
-        <p:txBody>
-          <a:bodyPr wrap="square" rtlCol="0">
-            <a:spAutoFit/>
-          </a:bodyPr>
-          <a:lstStyle/>
-          <a:p>
-            <a:pPr algn="ctr"/>
-            <a:r>
-              <a:rPr lang="ru-RU" sz="3600" b="1" dirty="0"/>
-              <a:t>Потом терминология усложнилась</a:t>
-            </a:r>
-            <a:endParaRPr lang="uk-UA" sz="3600" b="1" dirty="0"/>
-          </a:p>
-        </p:txBody>
-      </p:sp>
-      <p:sp>
-        <p:nvSpPr>
-          <p:cNvPr id="4" name="TextBox 3"/>
-          <p:cNvSpPr txBox="1"/>
-          <p:nvPr/>
-        </p:nvSpPr>
-        <p:spPr>
-          <a:xfrm>
-            <a:off x="-22672" y="5016078"/>
-            <a:ext cx="12192000" cy="1077218"/>
-          </a:xfrm>
-          <a:prstGeom prst="rect">
-            <a:avLst/>
-          </a:prstGeom>
-          <a:noFill/>
-        </p:spPr>
-        <p:txBody>
-          <a:bodyPr wrap="square" rtlCol="0">
-            <a:spAutoFit/>
-          </a:bodyPr>
-          <a:lstStyle/>
-          <a:p>
-            <a:pPr algn="ctr"/>
-            <a:r>
-              <a:rPr lang="en-US" sz="3200" b="1" dirty="0"/>
-              <a:t>Wireframe</a:t>
-            </a:r>
-            <a:r>
-              <a:rPr lang="en-US" sz="3200" dirty="0"/>
-              <a:t> – </a:t>
-            </a:r>
-            <a:r>
-              <a:rPr lang="ru-RU" sz="3200" dirty="0" err="1"/>
-              <a:t>низкодетализированный</a:t>
-            </a:r>
-            <a:r>
-              <a:rPr lang="ru-RU" sz="3200" dirty="0"/>
-              <a:t> макет страницы.</a:t>
-            </a:r>
-          </a:p>
-          <a:p>
-            <a:pPr algn="ctr"/>
-            <a:r>
-              <a:rPr lang="en-US" sz="3200" b="1" dirty="0"/>
-              <a:t>Mockup</a:t>
-            </a:r>
-            <a:r>
-              <a:rPr lang="en-US" sz="3200" dirty="0"/>
-              <a:t> – </a:t>
-            </a:r>
-            <a:r>
-              <a:rPr lang="ru-RU" sz="3200" dirty="0" err="1"/>
-              <a:t>высокодетализированый</a:t>
-            </a:r>
-            <a:r>
-              <a:rPr lang="ru-RU" sz="3200" dirty="0"/>
-              <a:t> макет страницы</a:t>
-            </a:r>
-          </a:p>
-        </p:txBody>
-      </p:sp>
-      <p:sp>
-        <p:nvSpPr>
-          <p:cNvPr id="6" name="TextBox 5"/>
-          <p:cNvSpPr txBox="1"/>
-          <p:nvPr/>
-        </p:nvSpPr>
-        <p:spPr>
-          <a:xfrm>
-            <a:off x="5951984" y="1722869"/>
-            <a:ext cx="5544616" cy="1569660"/>
-          </a:xfrm>
-          <a:prstGeom prst="rect">
-            <a:avLst/>
-          </a:prstGeom>
-          <a:noFill/>
-        </p:spPr>
-        <p:txBody>
-          <a:bodyPr wrap="square" rtlCol="0">
-            <a:spAutoFit/>
-          </a:bodyPr>
-          <a:lstStyle/>
-          <a:p>
-            <a:pPr algn="ctr"/>
-            <a:r>
-              <a:rPr lang="en-US" sz="4800" b="1" dirty="0">
-                <a:solidFill>
-                  <a:srgbClr val="7030A0"/>
-                </a:solidFill>
-              </a:rPr>
-              <a:t>Wireframe</a:t>
-            </a:r>
-            <a:r>
-              <a:rPr lang="en-US" sz="4800" b="1" dirty="0"/>
-              <a:t> </a:t>
-            </a:r>
-          </a:p>
-          <a:p>
-            <a:pPr algn="ctr"/>
-            <a:r>
-              <a:rPr lang="en-US" sz="4800" b="1" dirty="0">
-                <a:solidFill>
-                  <a:srgbClr val="00B050"/>
-                </a:solidFill>
-              </a:rPr>
-              <a:t>Mockup</a:t>
-            </a:r>
-            <a:endParaRPr lang="en-US" sz="4800" b="1" dirty="0"/>
-          </a:p>
-        </p:txBody>
-      </p:sp>
-      <p:sp>
-        <p:nvSpPr>
-          <p:cNvPr id="7" name="Левая фигурная скобка 6"/>
-          <p:cNvSpPr/>
-          <p:nvPr/>
-        </p:nvSpPr>
-        <p:spPr>
-          <a:xfrm>
-            <a:off x="5580011" y="1727511"/>
-            <a:ext cx="864096" cy="1565018"/>
-          </a:xfrm>
-          <a:prstGeom prst="leftBrace">
-            <a:avLst/>
-          </a:prstGeom>
-          <a:ln w="57150"/>
-        </p:spPr>
-        <p:style>
-          <a:lnRef idx="1">
-            <a:schemeClr val="accent1"/>
-          </a:lnRef>
-          <a:fillRef idx="0">
-            <a:schemeClr val="accent1"/>
-          </a:fillRef>
-          <a:effectRef idx="0">
-            <a:schemeClr val="accent1"/>
-          </a:effectRef>
-          <a:fontRef idx="minor">
-            <a:schemeClr val="tx1"/>
-          </a:fontRef>
-        </p:style>
-        <p:txBody>
-          <a:bodyPr rtlCol="0" anchor="ctr"/>
-          <a:lstStyle/>
-          <a:p>
-            <a:pPr algn="ctr"/>
-            <a:endParaRPr lang="uk-UA"/>
-          </a:p>
-        </p:txBody>
-      </p:sp>
-    </p:spTree>
-    <p:extLst>
-      <p:ext uri="{BB962C8B-B14F-4D97-AF65-F5344CB8AC3E}">
-        <p14:creationId xmlns:p14="http://schemas.microsoft.com/office/powerpoint/2010/main" val="3558920657"/>
-      </p:ext>
-    </p:extLst>
-  </p:cSld>
-  <p:clrMapOvr>
-    <a:masterClrMapping/>
-  </p:clrMapOvr>
-</p:sld>
-</file>
-
-<file path=ppt/slides/slide23.xml><?xml version="1.0" encoding="utf-8"?>
-<p:sld xmlns:a="http://schemas.openxmlformats.org/drawingml/2006/main" xmlns:r="http://schemas.openxmlformats.org/officeDocument/2006/relationships" xmlns:p="http://schemas.openxmlformats.org/presentationml/2006/main">
-  <p:cSld>
-    <p:spTree>
-      <p:nvGrpSpPr>
-        <p:cNvPr id="1" name=""/>
-        <p:cNvGrpSpPr/>
-        <p:nvPr/>
-      </p:nvGrpSpPr>
-      <p:grpSpPr>
-        <a:xfrm>
-          <a:off x="0" y="0"/>
-          <a:ext cx="0" cy="0"/>
-          <a:chOff x="0" y="0"/>
-          <a:chExt cx="0" cy="0"/>
-        </a:xfrm>
-      </p:grpSpPr>
-      <p:sp>
-        <p:nvSpPr>
-          <p:cNvPr id="13" name="Номер слайда 36"/>
-          <p:cNvSpPr txBox="1">
-            <a:spLocks/>
-          </p:cNvSpPr>
-          <p:nvPr/>
-        </p:nvSpPr>
-        <p:spPr>
-          <a:xfrm>
-            <a:off x="11280576" y="6165304"/>
-            <a:ext cx="648072" cy="432048"/>
-          </a:xfrm>
-          <a:prstGeom prst="roundRect">
-            <a:avLst/>
-          </a:prstGeom>
-          <a:ln w="25400" cap="flat" cmpd="sng" algn="ctr">
-            <a:solidFill>
-              <a:schemeClr val="tx2">
-                <a:lumMod val="60000"/>
-                <a:lumOff val="40000"/>
-              </a:schemeClr>
-            </a:solidFill>
-            <a:prstDash val="solid"/>
-          </a:ln>
-        </p:spPr>
-        <p:style>
-          <a:lnRef idx="2">
-            <a:schemeClr val="accent1"/>
-          </a:lnRef>
-          <a:fillRef idx="1">
-            <a:schemeClr val="lt1"/>
-          </a:fillRef>
-          <a:effectRef idx="0">
-            <a:schemeClr val="accent1"/>
-          </a:effectRef>
-          <a:fontRef idx="minor">
-            <a:schemeClr val="dk1"/>
-          </a:fontRef>
-        </p:style>
-        <p:txBody>
-          <a:bodyPr vert="horz" lIns="91440" tIns="45720" rIns="91440" bIns="45720" rtlCol="0" anchor="ctr"/>
-          <a:lstStyle>
-            <a:defPPr>
-              <a:defRPr lang="uk-UA"/>
-            </a:defPPr>
-            <a:lvl1pPr marL="0" algn="l" defTabSz="914400" rtl="0" eaLnBrk="1" latinLnBrk="0" hangingPunct="1">
-              <a:defRPr sz="1800" kern="1200">
-                <a:solidFill>
-                  <a:schemeClr val="dk1"/>
-                </a:solidFill>
-                <a:latin typeface="+mn-lt"/>
-                <a:ea typeface="+mn-ea"/>
-                <a:cs typeface="+mn-cs"/>
-              </a:defRPr>
-            </a:lvl1pPr>
-            <a:lvl2pPr marL="457200" algn="l" defTabSz="914400" rtl="0" eaLnBrk="1" latinLnBrk="0" hangingPunct="1">
-              <a:defRPr sz="1800" kern="1200">
-                <a:solidFill>
-                  <a:schemeClr val="dk1"/>
-                </a:solidFill>
-                <a:latin typeface="+mn-lt"/>
-                <a:ea typeface="+mn-ea"/>
-                <a:cs typeface="+mn-cs"/>
-              </a:defRPr>
-            </a:lvl2pPr>
-            <a:lvl3pPr marL="914400" algn="l" defTabSz="914400" rtl="0" eaLnBrk="1" latinLnBrk="0" hangingPunct="1">
-              <a:defRPr sz="1800" kern="1200">
-                <a:solidFill>
-                  <a:schemeClr val="dk1"/>
-                </a:solidFill>
-                <a:latin typeface="+mn-lt"/>
-                <a:ea typeface="+mn-ea"/>
-                <a:cs typeface="+mn-cs"/>
-              </a:defRPr>
-            </a:lvl3pPr>
-            <a:lvl4pPr marL="1371600" algn="l" defTabSz="914400" rtl="0" eaLnBrk="1" latinLnBrk="0" hangingPunct="1">
-              <a:defRPr sz="1800" kern="1200">
-                <a:solidFill>
-                  <a:schemeClr val="dk1"/>
-                </a:solidFill>
-                <a:latin typeface="+mn-lt"/>
-                <a:ea typeface="+mn-ea"/>
-                <a:cs typeface="+mn-cs"/>
-              </a:defRPr>
-            </a:lvl4pPr>
-            <a:lvl5pPr marL="1828800" algn="l" defTabSz="914400" rtl="0" eaLnBrk="1" latinLnBrk="0" hangingPunct="1">
-              <a:defRPr sz="1800" kern="1200">
-                <a:solidFill>
-                  <a:schemeClr val="dk1"/>
-                </a:solidFill>
-                <a:latin typeface="+mn-lt"/>
-                <a:ea typeface="+mn-ea"/>
-                <a:cs typeface="+mn-cs"/>
-              </a:defRPr>
-            </a:lvl5pPr>
-            <a:lvl6pPr marL="2286000" algn="l" defTabSz="914400" rtl="0" eaLnBrk="1" latinLnBrk="0" hangingPunct="1">
-              <a:defRPr sz="1800" kern="1200">
-                <a:solidFill>
-                  <a:schemeClr val="dk1"/>
-                </a:solidFill>
-                <a:latin typeface="+mn-lt"/>
-                <a:ea typeface="+mn-ea"/>
-                <a:cs typeface="+mn-cs"/>
-              </a:defRPr>
-            </a:lvl6pPr>
-            <a:lvl7pPr marL="2743200" algn="l" defTabSz="914400" rtl="0" eaLnBrk="1" latinLnBrk="0" hangingPunct="1">
-              <a:defRPr sz="1800" kern="1200">
-                <a:solidFill>
-                  <a:schemeClr val="dk1"/>
-                </a:solidFill>
-                <a:latin typeface="+mn-lt"/>
-                <a:ea typeface="+mn-ea"/>
-                <a:cs typeface="+mn-cs"/>
-              </a:defRPr>
-            </a:lvl7pPr>
-            <a:lvl8pPr marL="3200400" algn="l" defTabSz="914400" rtl="0" eaLnBrk="1" latinLnBrk="0" hangingPunct="1">
-              <a:defRPr sz="1800" kern="1200">
-                <a:solidFill>
-                  <a:schemeClr val="dk1"/>
-                </a:solidFill>
-                <a:latin typeface="+mn-lt"/>
-                <a:ea typeface="+mn-ea"/>
-                <a:cs typeface="+mn-cs"/>
-              </a:defRPr>
-            </a:lvl8pPr>
-            <a:lvl9pPr marL="3657600" algn="l" defTabSz="914400" rtl="0" eaLnBrk="1" latinLnBrk="0" hangingPunct="1">
-              <a:defRPr sz="1800" kern="1200">
-                <a:solidFill>
-                  <a:schemeClr val="dk1"/>
-                </a:solidFill>
-                <a:latin typeface="+mn-lt"/>
-                <a:ea typeface="+mn-ea"/>
-                <a:cs typeface="+mn-cs"/>
-              </a:defRPr>
-            </a:lvl9pPr>
-          </a:lstStyle>
-          <a:p>
-            <a:pPr algn="ctr">
-              <a:defRPr/>
-            </a:pPr>
-            <a:fld id="{6389AA22-90B4-448C-8B6B-C699140D38B9}" type="slidenum">
-              <a:rPr lang="uk-UA" sz="2400" b="1">
-                <a:solidFill>
-                  <a:schemeClr val="bg1">
-                    <a:lumMod val="50000"/>
-                  </a:schemeClr>
-                </a:solidFill>
-              </a:rPr>
-              <a:pPr algn="ctr">
-                <a:defRPr/>
-              </a:pPr>
-              <a:t>23</a:t>
-            </a:fld>
-            <a:endParaRPr lang="uk-UA" sz="2400" b="1" dirty="0">
-              <a:solidFill>
-                <a:schemeClr val="bg1">
-                  <a:lumMod val="50000"/>
-                </a:schemeClr>
-              </a:solidFill>
-            </a:endParaRPr>
-          </a:p>
-        </p:txBody>
-      </p:sp>
-      <p:sp>
-        <p:nvSpPr>
-          <p:cNvPr id="2" name="Прямоугольник 1"/>
-          <p:cNvSpPr/>
-          <p:nvPr/>
-        </p:nvSpPr>
-        <p:spPr>
-          <a:xfrm>
-            <a:off x="2779160" y="188641"/>
-            <a:ext cx="7383944" cy="646331"/>
-          </a:xfrm>
-          <a:prstGeom prst="rect">
-            <a:avLst/>
-          </a:prstGeom>
-        </p:spPr>
-        <p:txBody>
-          <a:bodyPr wrap="none">
-            <a:spAutoFit/>
-          </a:bodyPr>
-          <a:lstStyle/>
-          <a:p>
-            <a:r>
-              <a:rPr lang="en-US" sz="3600" b="1" dirty="0">
-                <a:solidFill>
-                  <a:srgbClr val="0070C0"/>
-                </a:solidFill>
-              </a:rPr>
-              <a:t>Wireframe – </a:t>
-            </a:r>
-            <a:r>
-              <a:rPr lang="ru-RU" sz="3600" b="1" dirty="0">
-                <a:solidFill>
-                  <a:srgbClr val="0070C0"/>
-                </a:solidFill>
-              </a:rPr>
-              <a:t>«проволочный каркас»</a:t>
-            </a:r>
-            <a:endParaRPr lang="ru-RU" sz="3600" dirty="0"/>
-          </a:p>
-        </p:txBody>
-      </p:sp>
-      <p:sp>
-        <p:nvSpPr>
-          <p:cNvPr id="4" name="TextBox 3"/>
-          <p:cNvSpPr txBox="1"/>
-          <p:nvPr/>
-        </p:nvSpPr>
-        <p:spPr>
-          <a:xfrm>
-            <a:off x="2791241" y="5517233"/>
-            <a:ext cx="6609518" cy="1200329"/>
-          </a:xfrm>
-          <a:prstGeom prst="rect">
-            <a:avLst/>
-          </a:prstGeom>
-          <a:noFill/>
-        </p:spPr>
-        <p:txBody>
-          <a:bodyPr wrap="square" rtlCol="0">
-            <a:spAutoFit/>
-          </a:bodyPr>
-          <a:lstStyle/>
-          <a:p>
-            <a:pPr algn="ctr"/>
-            <a:r>
-              <a:rPr lang="en-US" sz="2400" b="1" i="1" dirty="0"/>
-              <a:t>Wireframe</a:t>
-            </a:r>
-            <a:r>
-              <a:rPr lang="en-US" sz="2400" i="1" dirty="0"/>
-              <a:t> – </a:t>
-            </a:r>
-            <a:r>
-              <a:rPr lang="ru-RU" sz="2400" i="1" dirty="0"/>
-              <a:t>упрошенный макет страницы, схематическое изображение страницы, как правило низкой детализации.</a:t>
-            </a:r>
-            <a:r>
-              <a:rPr lang="en-US" sz="2400" i="1" dirty="0"/>
-              <a:t> </a:t>
-            </a:r>
-            <a:endParaRPr lang="ru-RU" sz="2400" i="1" dirty="0"/>
-          </a:p>
-        </p:txBody>
-      </p:sp>
-      <p:pic>
-        <p:nvPicPr>
-          <p:cNvPr id="5" name="Рисунок 4"/>
-          <p:cNvPicPr>
-            <a:picLocks noChangeAspect="1"/>
-          </p:cNvPicPr>
-          <p:nvPr/>
-        </p:nvPicPr>
-        <p:blipFill>
-          <a:blip r:embed="rId2"/>
-          <a:stretch>
-            <a:fillRect/>
-          </a:stretch>
-        </p:blipFill>
-        <p:spPr>
-          <a:xfrm>
-            <a:off x="3071664" y="865828"/>
-            <a:ext cx="6048672" cy="4452386"/>
-          </a:xfrm>
-          <a:prstGeom prst="rect">
-            <a:avLst/>
-          </a:prstGeom>
-          <a:ln w="28575">
-            <a:solidFill>
-              <a:srgbClr val="00B0F0"/>
-            </a:solidFill>
-          </a:ln>
-        </p:spPr>
-      </p:pic>
-    </p:spTree>
-    <p:extLst>
-      <p:ext uri="{BB962C8B-B14F-4D97-AF65-F5344CB8AC3E}">
-        <p14:creationId xmlns:p14="http://schemas.microsoft.com/office/powerpoint/2010/main" val="3836868747"/>
-      </p:ext>
-    </p:extLst>
-  </p:cSld>
-  <p:clrMapOvr>
-    <a:masterClrMapping/>
-  </p:clrMapOvr>
-</p:sld>
-</file>
-
-<file path=ppt/slides/slide24.xml><?xml version="1.0" encoding="utf-8"?>
-<p:sld xmlns:a="http://schemas.openxmlformats.org/drawingml/2006/main" xmlns:r="http://schemas.openxmlformats.org/officeDocument/2006/relationships" xmlns:p="http://schemas.openxmlformats.org/presentationml/2006/main">
-  <p:cSld>
-    <p:spTree>
-      <p:nvGrpSpPr>
-        <p:cNvPr id="1" name=""/>
-        <p:cNvGrpSpPr/>
-        <p:nvPr/>
-      </p:nvGrpSpPr>
-      <p:grpSpPr>
-        <a:xfrm>
-          <a:off x="0" y="0"/>
-          <a:ext cx="0" cy="0"/>
-          <a:chOff x="0" y="0"/>
-          <a:chExt cx="0" cy="0"/>
-        </a:xfrm>
-      </p:grpSpPr>
-      <p:sp>
-        <p:nvSpPr>
-          <p:cNvPr id="13" name="Номер слайда 36"/>
-          <p:cNvSpPr txBox="1">
-            <a:spLocks/>
-          </p:cNvSpPr>
-          <p:nvPr/>
-        </p:nvSpPr>
-        <p:spPr>
-          <a:xfrm>
-            <a:off x="11280576" y="6165304"/>
-            <a:ext cx="648072" cy="432048"/>
-          </a:xfrm>
-          <a:prstGeom prst="roundRect">
-            <a:avLst/>
-          </a:prstGeom>
-          <a:ln w="25400" cap="flat" cmpd="sng" algn="ctr">
-            <a:solidFill>
-              <a:schemeClr val="tx2">
-                <a:lumMod val="60000"/>
-                <a:lumOff val="40000"/>
-              </a:schemeClr>
-            </a:solidFill>
-            <a:prstDash val="solid"/>
-          </a:ln>
-        </p:spPr>
-        <p:style>
-          <a:lnRef idx="2">
-            <a:schemeClr val="accent1"/>
-          </a:lnRef>
-          <a:fillRef idx="1">
-            <a:schemeClr val="lt1"/>
-          </a:fillRef>
-          <a:effectRef idx="0">
-            <a:schemeClr val="accent1"/>
-          </a:effectRef>
-          <a:fontRef idx="minor">
-            <a:schemeClr val="dk1"/>
-          </a:fontRef>
-        </p:style>
-        <p:txBody>
-          <a:bodyPr vert="horz" lIns="91440" tIns="45720" rIns="91440" bIns="45720" rtlCol="0" anchor="ctr"/>
-          <a:lstStyle>
-            <a:defPPr>
-              <a:defRPr lang="uk-UA"/>
-            </a:defPPr>
-            <a:lvl1pPr marL="0" algn="l" defTabSz="914400" rtl="0" eaLnBrk="1" latinLnBrk="0" hangingPunct="1">
-              <a:defRPr sz="1800" kern="1200">
-                <a:solidFill>
-                  <a:schemeClr val="dk1"/>
-                </a:solidFill>
-                <a:latin typeface="+mn-lt"/>
-                <a:ea typeface="+mn-ea"/>
-                <a:cs typeface="+mn-cs"/>
-              </a:defRPr>
-            </a:lvl1pPr>
-            <a:lvl2pPr marL="457200" algn="l" defTabSz="914400" rtl="0" eaLnBrk="1" latinLnBrk="0" hangingPunct="1">
-              <a:defRPr sz="1800" kern="1200">
-                <a:solidFill>
-                  <a:schemeClr val="dk1"/>
-                </a:solidFill>
-                <a:latin typeface="+mn-lt"/>
-                <a:ea typeface="+mn-ea"/>
-                <a:cs typeface="+mn-cs"/>
-              </a:defRPr>
-            </a:lvl2pPr>
-            <a:lvl3pPr marL="914400" algn="l" defTabSz="914400" rtl="0" eaLnBrk="1" latinLnBrk="0" hangingPunct="1">
-              <a:defRPr sz="1800" kern="1200">
-                <a:solidFill>
-                  <a:schemeClr val="dk1"/>
-                </a:solidFill>
-                <a:latin typeface="+mn-lt"/>
-                <a:ea typeface="+mn-ea"/>
-                <a:cs typeface="+mn-cs"/>
-              </a:defRPr>
-            </a:lvl3pPr>
-            <a:lvl4pPr marL="1371600" algn="l" defTabSz="914400" rtl="0" eaLnBrk="1" latinLnBrk="0" hangingPunct="1">
-              <a:defRPr sz="1800" kern="1200">
-                <a:solidFill>
-                  <a:schemeClr val="dk1"/>
-                </a:solidFill>
-                <a:latin typeface="+mn-lt"/>
-                <a:ea typeface="+mn-ea"/>
-                <a:cs typeface="+mn-cs"/>
-              </a:defRPr>
-            </a:lvl4pPr>
-            <a:lvl5pPr marL="1828800" algn="l" defTabSz="914400" rtl="0" eaLnBrk="1" latinLnBrk="0" hangingPunct="1">
-              <a:defRPr sz="1800" kern="1200">
-                <a:solidFill>
-                  <a:schemeClr val="dk1"/>
-                </a:solidFill>
-                <a:latin typeface="+mn-lt"/>
-                <a:ea typeface="+mn-ea"/>
-                <a:cs typeface="+mn-cs"/>
-              </a:defRPr>
-            </a:lvl5pPr>
-            <a:lvl6pPr marL="2286000" algn="l" defTabSz="914400" rtl="0" eaLnBrk="1" latinLnBrk="0" hangingPunct="1">
-              <a:defRPr sz="1800" kern="1200">
-                <a:solidFill>
-                  <a:schemeClr val="dk1"/>
-                </a:solidFill>
-                <a:latin typeface="+mn-lt"/>
-                <a:ea typeface="+mn-ea"/>
-                <a:cs typeface="+mn-cs"/>
-              </a:defRPr>
-            </a:lvl6pPr>
-            <a:lvl7pPr marL="2743200" algn="l" defTabSz="914400" rtl="0" eaLnBrk="1" latinLnBrk="0" hangingPunct="1">
-              <a:defRPr sz="1800" kern="1200">
-                <a:solidFill>
-                  <a:schemeClr val="dk1"/>
-                </a:solidFill>
-                <a:latin typeface="+mn-lt"/>
-                <a:ea typeface="+mn-ea"/>
-                <a:cs typeface="+mn-cs"/>
-              </a:defRPr>
-            </a:lvl7pPr>
-            <a:lvl8pPr marL="3200400" algn="l" defTabSz="914400" rtl="0" eaLnBrk="1" latinLnBrk="0" hangingPunct="1">
-              <a:defRPr sz="1800" kern="1200">
-                <a:solidFill>
-                  <a:schemeClr val="dk1"/>
-                </a:solidFill>
-                <a:latin typeface="+mn-lt"/>
-                <a:ea typeface="+mn-ea"/>
-                <a:cs typeface="+mn-cs"/>
-              </a:defRPr>
-            </a:lvl8pPr>
-            <a:lvl9pPr marL="3657600" algn="l" defTabSz="914400" rtl="0" eaLnBrk="1" latinLnBrk="0" hangingPunct="1">
-              <a:defRPr sz="1800" kern="1200">
-                <a:solidFill>
-                  <a:schemeClr val="dk1"/>
-                </a:solidFill>
-                <a:latin typeface="+mn-lt"/>
-                <a:ea typeface="+mn-ea"/>
-                <a:cs typeface="+mn-cs"/>
-              </a:defRPr>
-            </a:lvl9pPr>
-          </a:lstStyle>
-          <a:p>
-            <a:pPr algn="ctr">
-              <a:defRPr/>
-            </a:pPr>
-            <a:fld id="{6389AA22-90B4-448C-8B6B-C699140D38B9}" type="slidenum">
-              <a:rPr lang="uk-UA" sz="2400" b="1">
-                <a:solidFill>
-                  <a:schemeClr val="bg1">
-                    <a:lumMod val="50000"/>
-                  </a:schemeClr>
-                </a:solidFill>
-              </a:rPr>
-              <a:pPr algn="ctr">
-                <a:defRPr/>
-              </a:pPr>
-              <a:t>24</a:t>
-            </a:fld>
-            <a:endParaRPr lang="uk-UA" sz="2400" b="1" dirty="0">
-              <a:solidFill>
-                <a:schemeClr val="bg1">
-                  <a:lumMod val="50000"/>
-                </a:schemeClr>
-              </a:solidFill>
-            </a:endParaRPr>
-          </a:p>
-        </p:txBody>
-      </p:sp>
-      <p:sp>
-        <p:nvSpPr>
-          <p:cNvPr id="2" name="Прямоугольник 1"/>
-          <p:cNvSpPr/>
-          <p:nvPr/>
-        </p:nvSpPr>
-        <p:spPr>
-          <a:xfrm>
-            <a:off x="3359697" y="252675"/>
-            <a:ext cx="5915787" cy="646331"/>
-          </a:xfrm>
-          <a:prstGeom prst="rect">
-            <a:avLst/>
-          </a:prstGeom>
-        </p:spPr>
-        <p:txBody>
-          <a:bodyPr wrap="none">
-            <a:spAutoFit/>
-          </a:bodyPr>
-          <a:lstStyle/>
-          <a:p>
-            <a:r>
-              <a:rPr lang="en-US" sz="3600" b="1" dirty="0">
-                <a:solidFill>
-                  <a:srgbClr val="00B050"/>
-                </a:solidFill>
-              </a:rPr>
-              <a:t>Mockup – </a:t>
-            </a:r>
-            <a:r>
-              <a:rPr lang="ru-RU" sz="3600" b="1" dirty="0">
-                <a:solidFill>
-                  <a:srgbClr val="00B050"/>
-                </a:solidFill>
-              </a:rPr>
-              <a:t>«макет страницы»</a:t>
-            </a:r>
-            <a:endParaRPr lang="ru-RU" sz="3600" dirty="0">
-              <a:solidFill>
-                <a:srgbClr val="00B050"/>
-              </a:solidFill>
-            </a:endParaRPr>
-          </a:p>
-        </p:txBody>
-      </p:sp>
-      <p:sp>
-        <p:nvSpPr>
-          <p:cNvPr id="4" name="TextBox 3"/>
-          <p:cNvSpPr txBox="1"/>
-          <p:nvPr/>
-        </p:nvSpPr>
-        <p:spPr>
-          <a:xfrm>
-            <a:off x="1973136" y="5478324"/>
-            <a:ext cx="8299329" cy="830997"/>
-          </a:xfrm>
-          <a:prstGeom prst="rect">
-            <a:avLst/>
-          </a:prstGeom>
-          <a:noFill/>
-        </p:spPr>
-        <p:txBody>
-          <a:bodyPr wrap="square" rtlCol="0">
-            <a:spAutoFit/>
-          </a:bodyPr>
-          <a:lstStyle/>
-          <a:p>
-            <a:pPr algn="ctr"/>
-            <a:r>
-              <a:rPr lang="en-US" sz="2400" b="1" i="1" dirty="0"/>
-              <a:t>Mockup</a:t>
-            </a:r>
-            <a:r>
-              <a:rPr lang="en-US" sz="2400" i="1" dirty="0"/>
-              <a:t> – </a:t>
-            </a:r>
-            <a:r>
-              <a:rPr lang="ru-RU" sz="2400" i="1" dirty="0"/>
-              <a:t>макет страницы, изображение (картинка) того как страница будет выглядеть в реальности.</a:t>
-            </a:r>
-          </a:p>
-        </p:txBody>
-      </p:sp>
-      <p:pic>
-        <p:nvPicPr>
-          <p:cNvPr id="5" name="Рисунок 4"/>
-          <p:cNvPicPr>
-            <a:picLocks noChangeAspect="1"/>
-          </p:cNvPicPr>
-          <p:nvPr/>
-        </p:nvPicPr>
-        <p:blipFill>
-          <a:blip r:embed="rId2"/>
-          <a:stretch>
-            <a:fillRect/>
-          </a:stretch>
-        </p:blipFill>
-        <p:spPr>
-          <a:xfrm>
-            <a:off x="2359219" y="1373444"/>
-            <a:ext cx="7527160" cy="3711740"/>
-          </a:xfrm>
-          <a:prstGeom prst="rect">
-            <a:avLst/>
-          </a:prstGeom>
-          <a:ln w="28575">
-            <a:solidFill>
-              <a:srgbClr val="00B0F0"/>
-            </a:solidFill>
-          </a:ln>
-        </p:spPr>
-      </p:pic>
-    </p:spTree>
-    <p:extLst>
-      <p:ext uri="{BB962C8B-B14F-4D97-AF65-F5344CB8AC3E}">
-        <p14:creationId xmlns:p14="http://schemas.microsoft.com/office/powerpoint/2010/main" val="1329569496"/>
-      </p:ext>
-    </p:extLst>
-  </p:cSld>
-  <p:clrMapOvr>
-    <a:masterClrMapping/>
-  </p:clrMapOvr>
-</p:sld>
-</file>
-
-<file path=ppt/slides/slide25.xml><?xml version="1.0" encoding="utf-8"?>
-<p:sld xmlns:a="http://schemas.openxmlformats.org/drawingml/2006/main" xmlns:r="http://schemas.openxmlformats.org/officeDocument/2006/relationships" xmlns:p="http://schemas.openxmlformats.org/presentationml/2006/main">
-  <p:cSld>
-    <p:spTree>
-      <p:nvGrpSpPr>
-        <p:cNvPr id="1" name=""/>
-        <p:cNvGrpSpPr/>
-        <p:nvPr/>
-      </p:nvGrpSpPr>
-      <p:grpSpPr>
-        <a:xfrm>
-          <a:off x="0" y="0"/>
-          <a:ext cx="0" cy="0"/>
-          <a:chOff x="0" y="0"/>
-          <a:chExt cx="0" cy="0"/>
-        </a:xfrm>
-      </p:grpSpPr>
-      <p:sp>
-        <p:nvSpPr>
           <p:cNvPr id="5" name="Прямоугольник 4"/>
           <p:cNvSpPr/>
           <p:nvPr/>
@@ -8795,8 +8024,12 @@
           <a:p>
             <a:pPr algn="ctr"/>
             <a:r>
+              <a:rPr lang="en-US" sz="6000" b="1" dirty="0"/>
+              <a:t>8</a:t>
+            </a:r>
+            <a:r>
               <a:rPr lang="ru-RU" sz="6000" b="1" dirty="0"/>
-              <a:t>6.</a:t>
+              <a:t>.</a:t>
             </a:r>
             <a:r>
               <a:rPr lang="en-US" sz="6000" b="1" dirty="0"/>
@@ -8858,7 +8091,7 @@
 </p:sld>
 </file>
 
-<file path=ppt/slides/slide26.xml><?xml version="1.0" encoding="utf-8"?>
+<file path=ppt/slides/slide22.xml><?xml version="1.0" encoding="utf-8"?>
 <p:sld xmlns:a="http://schemas.openxmlformats.org/drawingml/2006/main" xmlns:r="http://schemas.openxmlformats.org/officeDocument/2006/relationships" xmlns:p="http://schemas.openxmlformats.org/presentationml/2006/main">
   <p:cSld>
     <p:spTree>
@@ -8936,6 +8169,926 @@
 </p:sld>
 </file>
 
+<file path=ppt/slides/slide23.xml><?xml version="1.0" encoding="utf-8"?>
+<p:sld xmlns:a="http://schemas.openxmlformats.org/drawingml/2006/main" xmlns:r="http://schemas.openxmlformats.org/officeDocument/2006/relationships" xmlns:p="http://schemas.openxmlformats.org/presentationml/2006/main">
+  <p:cSld>
+    <p:spTree>
+      <p:nvGrpSpPr>
+        <p:cNvPr id="1" name=""/>
+        <p:cNvGrpSpPr/>
+        <p:nvPr/>
+      </p:nvGrpSpPr>
+      <p:grpSpPr>
+        <a:xfrm>
+          <a:off x="0" y="0"/>
+          <a:ext cx="0" cy="0"/>
+          <a:chOff x="0" y="0"/>
+          <a:chExt cx="0" cy="0"/>
+        </a:xfrm>
+      </p:grpSpPr>
+      <p:sp>
+        <p:nvSpPr>
+          <p:cNvPr id="13" name="Номер слайда 36"/>
+          <p:cNvSpPr txBox="1">
+            <a:spLocks/>
+          </p:cNvSpPr>
+          <p:nvPr/>
+        </p:nvSpPr>
+        <p:spPr>
+          <a:xfrm>
+            <a:off x="11280576" y="6165304"/>
+            <a:ext cx="648072" cy="432048"/>
+          </a:xfrm>
+          <a:prstGeom prst="roundRect">
+            <a:avLst/>
+          </a:prstGeom>
+          <a:ln w="25400" cap="flat" cmpd="sng" algn="ctr">
+            <a:solidFill>
+              <a:schemeClr val="tx2">
+                <a:lumMod val="60000"/>
+                <a:lumOff val="40000"/>
+              </a:schemeClr>
+            </a:solidFill>
+            <a:prstDash val="solid"/>
+          </a:ln>
+        </p:spPr>
+        <p:style>
+          <a:lnRef idx="2">
+            <a:schemeClr val="accent1"/>
+          </a:lnRef>
+          <a:fillRef idx="1">
+            <a:schemeClr val="lt1"/>
+          </a:fillRef>
+          <a:effectRef idx="0">
+            <a:schemeClr val="accent1"/>
+          </a:effectRef>
+          <a:fontRef idx="minor">
+            <a:schemeClr val="dk1"/>
+          </a:fontRef>
+        </p:style>
+        <p:txBody>
+          <a:bodyPr vert="horz" lIns="91440" tIns="45720" rIns="91440" bIns="45720" rtlCol="0" anchor="ctr"/>
+          <a:lstStyle>
+            <a:defPPr>
+              <a:defRPr lang="uk-UA"/>
+            </a:defPPr>
+            <a:lvl1pPr marL="0" algn="l" defTabSz="914400" rtl="0" eaLnBrk="1" latinLnBrk="0" hangingPunct="1">
+              <a:defRPr sz="1800" kern="1200">
+                <a:solidFill>
+                  <a:schemeClr val="dk1"/>
+                </a:solidFill>
+                <a:latin typeface="+mn-lt"/>
+                <a:ea typeface="+mn-ea"/>
+                <a:cs typeface="+mn-cs"/>
+              </a:defRPr>
+            </a:lvl1pPr>
+            <a:lvl2pPr marL="457200" algn="l" defTabSz="914400" rtl="0" eaLnBrk="1" latinLnBrk="0" hangingPunct="1">
+              <a:defRPr sz="1800" kern="1200">
+                <a:solidFill>
+                  <a:schemeClr val="dk1"/>
+                </a:solidFill>
+                <a:latin typeface="+mn-lt"/>
+                <a:ea typeface="+mn-ea"/>
+                <a:cs typeface="+mn-cs"/>
+              </a:defRPr>
+            </a:lvl2pPr>
+            <a:lvl3pPr marL="914400" algn="l" defTabSz="914400" rtl="0" eaLnBrk="1" latinLnBrk="0" hangingPunct="1">
+              <a:defRPr sz="1800" kern="1200">
+                <a:solidFill>
+                  <a:schemeClr val="dk1"/>
+                </a:solidFill>
+                <a:latin typeface="+mn-lt"/>
+                <a:ea typeface="+mn-ea"/>
+                <a:cs typeface="+mn-cs"/>
+              </a:defRPr>
+            </a:lvl3pPr>
+            <a:lvl4pPr marL="1371600" algn="l" defTabSz="914400" rtl="0" eaLnBrk="1" latinLnBrk="0" hangingPunct="1">
+              <a:defRPr sz="1800" kern="1200">
+                <a:solidFill>
+                  <a:schemeClr val="dk1"/>
+                </a:solidFill>
+                <a:latin typeface="+mn-lt"/>
+                <a:ea typeface="+mn-ea"/>
+                <a:cs typeface="+mn-cs"/>
+              </a:defRPr>
+            </a:lvl4pPr>
+            <a:lvl5pPr marL="1828800" algn="l" defTabSz="914400" rtl="0" eaLnBrk="1" latinLnBrk="0" hangingPunct="1">
+              <a:defRPr sz="1800" kern="1200">
+                <a:solidFill>
+                  <a:schemeClr val="dk1"/>
+                </a:solidFill>
+                <a:latin typeface="+mn-lt"/>
+                <a:ea typeface="+mn-ea"/>
+                <a:cs typeface="+mn-cs"/>
+              </a:defRPr>
+            </a:lvl5pPr>
+            <a:lvl6pPr marL="2286000" algn="l" defTabSz="914400" rtl="0" eaLnBrk="1" latinLnBrk="0" hangingPunct="1">
+              <a:defRPr sz="1800" kern="1200">
+                <a:solidFill>
+                  <a:schemeClr val="dk1"/>
+                </a:solidFill>
+                <a:latin typeface="+mn-lt"/>
+                <a:ea typeface="+mn-ea"/>
+                <a:cs typeface="+mn-cs"/>
+              </a:defRPr>
+            </a:lvl6pPr>
+            <a:lvl7pPr marL="2743200" algn="l" defTabSz="914400" rtl="0" eaLnBrk="1" latinLnBrk="0" hangingPunct="1">
+              <a:defRPr sz="1800" kern="1200">
+                <a:solidFill>
+                  <a:schemeClr val="dk1"/>
+                </a:solidFill>
+                <a:latin typeface="+mn-lt"/>
+                <a:ea typeface="+mn-ea"/>
+                <a:cs typeface="+mn-cs"/>
+              </a:defRPr>
+            </a:lvl7pPr>
+            <a:lvl8pPr marL="3200400" algn="l" defTabSz="914400" rtl="0" eaLnBrk="1" latinLnBrk="0" hangingPunct="1">
+              <a:defRPr sz="1800" kern="1200">
+                <a:solidFill>
+                  <a:schemeClr val="dk1"/>
+                </a:solidFill>
+                <a:latin typeface="+mn-lt"/>
+                <a:ea typeface="+mn-ea"/>
+                <a:cs typeface="+mn-cs"/>
+              </a:defRPr>
+            </a:lvl8pPr>
+            <a:lvl9pPr marL="3657600" algn="l" defTabSz="914400" rtl="0" eaLnBrk="1" latinLnBrk="0" hangingPunct="1">
+              <a:defRPr sz="1800" kern="1200">
+                <a:solidFill>
+                  <a:schemeClr val="dk1"/>
+                </a:solidFill>
+                <a:latin typeface="+mn-lt"/>
+                <a:ea typeface="+mn-ea"/>
+                <a:cs typeface="+mn-cs"/>
+              </a:defRPr>
+            </a:lvl9pPr>
+          </a:lstStyle>
+          <a:p>
+            <a:pPr algn="ctr">
+              <a:defRPr/>
+            </a:pPr>
+            <a:fld id="{6389AA22-90B4-448C-8B6B-C699140D38B9}" type="slidenum">
+              <a:rPr lang="uk-UA" sz="2400" b="1">
+                <a:solidFill>
+                  <a:schemeClr val="bg1">
+                    <a:lumMod val="50000"/>
+                  </a:schemeClr>
+                </a:solidFill>
+              </a:rPr>
+              <a:pPr algn="ctr">
+                <a:defRPr/>
+              </a:pPr>
+              <a:t>23</a:t>
+            </a:fld>
+            <a:endParaRPr lang="uk-UA" sz="2400" b="1" dirty="0">
+              <a:solidFill>
+                <a:schemeClr val="bg1">
+                  <a:lumMod val="50000"/>
+                </a:schemeClr>
+              </a:solidFill>
+            </a:endParaRPr>
+          </a:p>
+        </p:txBody>
+      </p:sp>
+      <p:sp>
+        <p:nvSpPr>
+          <p:cNvPr id="3" name="TextBox 2"/>
+          <p:cNvSpPr txBox="1"/>
+          <p:nvPr/>
+        </p:nvSpPr>
+        <p:spPr>
+          <a:xfrm>
+            <a:off x="0" y="416858"/>
+            <a:ext cx="12192000" cy="707886"/>
+          </a:xfrm>
+          <a:prstGeom prst="rect">
+            <a:avLst/>
+          </a:prstGeom>
+          <a:noFill/>
+        </p:spPr>
+        <p:txBody>
+          <a:bodyPr wrap="square" rtlCol="0">
+            <a:spAutoFit/>
+          </a:bodyPr>
+          <a:lstStyle/>
+          <a:p>
+            <a:pPr algn="ctr"/>
+            <a:r>
+              <a:rPr lang="ru-RU" sz="4000" b="1" dirty="0"/>
+              <a:t>Инструменты проектирования</a:t>
+            </a:r>
+          </a:p>
+        </p:txBody>
+      </p:sp>
+      <p:sp>
+        <p:nvSpPr>
+          <p:cNvPr id="2" name="Прямоугольник 1"/>
+          <p:cNvSpPr/>
+          <p:nvPr/>
+        </p:nvSpPr>
+        <p:spPr>
+          <a:xfrm>
+            <a:off x="2063552" y="3441194"/>
+            <a:ext cx="5346592" cy="707886"/>
+          </a:xfrm>
+          <a:prstGeom prst="rect">
+            <a:avLst/>
+          </a:prstGeom>
+        </p:spPr>
+        <p:txBody>
+          <a:bodyPr wrap="none">
+            <a:spAutoFit/>
+          </a:bodyPr>
+          <a:lstStyle/>
+          <a:p>
+            <a:r>
+              <a:rPr lang="ru-RU" sz="4000" b="1" dirty="0">
+                <a:hlinkClick r:id="rId2"/>
+              </a:rPr>
+              <a:t>https://ninjamock.com/</a:t>
+            </a:r>
+            <a:endParaRPr lang="ru-RU" sz="4000" b="1" dirty="0"/>
+          </a:p>
+        </p:txBody>
+      </p:sp>
+      <p:pic>
+        <p:nvPicPr>
+          <p:cNvPr id="4" name="Рисунок 3"/>
+          <p:cNvPicPr>
+            <a:picLocks noChangeAspect="1"/>
+          </p:cNvPicPr>
+          <p:nvPr/>
+        </p:nvPicPr>
+        <p:blipFill>
+          <a:blip r:embed="rId3"/>
+          <a:stretch>
+            <a:fillRect/>
+          </a:stretch>
+        </p:blipFill>
+        <p:spPr>
+          <a:xfrm>
+            <a:off x="7896200" y="3505264"/>
+            <a:ext cx="2160239" cy="579745"/>
+          </a:xfrm>
+          <a:prstGeom prst="rect">
+            <a:avLst/>
+          </a:prstGeom>
+          <a:ln w="19050">
+            <a:solidFill>
+              <a:schemeClr val="bg1">
+                <a:lumMod val="85000"/>
+              </a:schemeClr>
+            </a:solidFill>
+          </a:ln>
+        </p:spPr>
+      </p:pic>
+      <p:sp>
+        <p:nvSpPr>
+          <p:cNvPr id="7" name="Прямоугольник 6"/>
+          <p:cNvSpPr/>
+          <p:nvPr/>
+        </p:nvSpPr>
+        <p:spPr>
+          <a:xfrm>
+            <a:off x="2063553" y="1785010"/>
+            <a:ext cx="4855368" cy="707886"/>
+          </a:xfrm>
+          <a:prstGeom prst="rect">
+            <a:avLst/>
+          </a:prstGeom>
+        </p:spPr>
+        <p:txBody>
+          <a:bodyPr wrap="none">
+            <a:spAutoFit/>
+          </a:bodyPr>
+          <a:lstStyle/>
+          <a:p>
+            <a:r>
+              <a:rPr lang="ru-RU" sz="4000" b="1" dirty="0">
+                <a:hlinkClick r:id="rId4"/>
+              </a:rPr>
+              <a:t>https://wireframe.cc/</a:t>
+            </a:r>
+            <a:endParaRPr lang="ru-RU" sz="4000" b="1" dirty="0"/>
+          </a:p>
+        </p:txBody>
+      </p:sp>
+      <p:pic>
+        <p:nvPicPr>
+          <p:cNvPr id="8" name="Рисунок 7"/>
+          <p:cNvPicPr>
+            <a:picLocks noChangeAspect="1"/>
+          </p:cNvPicPr>
+          <p:nvPr/>
+        </p:nvPicPr>
+        <p:blipFill>
+          <a:blip r:embed="rId5"/>
+          <a:stretch>
+            <a:fillRect/>
+          </a:stretch>
+        </p:blipFill>
+        <p:spPr>
+          <a:xfrm>
+            <a:off x="7896200" y="1785010"/>
+            <a:ext cx="2160238" cy="660073"/>
+          </a:xfrm>
+          <a:prstGeom prst="rect">
+            <a:avLst/>
+          </a:prstGeom>
+          <a:ln w="19050">
+            <a:solidFill>
+              <a:schemeClr val="bg1">
+                <a:lumMod val="85000"/>
+              </a:schemeClr>
+            </a:solidFill>
+          </a:ln>
+        </p:spPr>
+      </p:pic>
+      <p:sp>
+        <p:nvSpPr>
+          <p:cNvPr id="5" name="Прямоугольник 4"/>
+          <p:cNvSpPr/>
+          <p:nvPr/>
+        </p:nvSpPr>
+        <p:spPr>
+          <a:xfrm>
+            <a:off x="2063552" y="4945424"/>
+            <a:ext cx="4851969" cy="707886"/>
+          </a:xfrm>
+          <a:prstGeom prst="rect">
+            <a:avLst/>
+          </a:prstGeom>
+        </p:spPr>
+        <p:txBody>
+          <a:bodyPr wrap="none">
+            <a:spAutoFit/>
+          </a:bodyPr>
+          <a:lstStyle/>
+          <a:p>
+            <a:r>
+              <a:rPr lang="ru-RU" sz="4000" b="1" dirty="0">
+                <a:hlinkClick r:id="rId6"/>
+              </a:rPr>
+              <a:t>https://moqups.com/</a:t>
+            </a:r>
+            <a:endParaRPr lang="ru-RU" sz="4000" b="1" dirty="0"/>
+          </a:p>
+        </p:txBody>
+      </p:sp>
+      <p:pic>
+        <p:nvPicPr>
+          <p:cNvPr id="6" name="Рисунок 5"/>
+          <p:cNvPicPr>
+            <a:picLocks noChangeAspect="1"/>
+          </p:cNvPicPr>
+          <p:nvPr/>
+        </p:nvPicPr>
+        <p:blipFill>
+          <a:blip r:embed="rId7"/>
+          <a:stretch>
+            <a:fillRect/>
+          </a:stretch>
+        </p:blipFill>
+        <p:spPr>
+          <a:xfrm>
+            <a:off x="7896199" y="4897611"/>
+            <a:ext cx="2160239" cy="774924"/>
+          </a:xfrm>
+          <a:prstGeom prst="rect">
+            <a:avLst/>
+          </a:prstGeom>
+          <a:ln w="12700">
+            <a:solidFill>
+              <a:schemeClr val="tx1"/>
+            </a:solidFill>
+          </a:ln>
+        </p:spPr>
+      </p:pic>
+    </p:spTree>
+    <p:extLst>
+      <p:ext uri="{BB962C8B-B14F-4D97-AF65-F5344CB8AC3E}">
+        <p14:creationId xmlns:p14="http://schemas.microsoft.com/office/powerpoint/2010/main" val="1386633940"/>
+      </p:ext>
+    </p:extLst>
+  </p:cSld>
+  <p:clrMapOvr>
+    <a:masterClrMapping/>
+  </p:clrMapOvr>
+</p:sld>
+</file>
+
+<file path=ppt/slides/slide24.xml><?xml version="1.0" encoding="utf-8"?>
+<p:sld xmlns:a="http://schemas.openxmlformats.org/drawingml/2006/main" xmlns:r="http://schemas.openxmlformats.org/officeDocument/2006/relationships" xmlns:p="http://schemas.openxmlformats.org/presentationml/2006/main">
+  <p:cSld>
+    <p:spTree>
+      <p:nvGrpSpPr>
+        <p:cNvPr id="1" name=""/>
+        <p:cNvGrpSpPr/>
+        <p:nvPr/>
+      </p:nvGrpSpPr>
+      <p:grpSpPr>
+        <a:xfrm>
+          <a:off x="0" y="0"/>
+          <a:ext cx="0" cy="0"/>
+          <a:chOff x="0" y="0"/>
+          <a:chExt cx="0" cy="0"/>
+        </a:xfrm>
+      </p:grpSpPr>
+      <p:sp>
+        <p:nvSpPr>
+          <p:cNvPr id="5" name="Прямоугольник 4"/>
+          <p:cNvSpPr/>
+          <p:nvPr/>
+        </p:nvSpPr>
+        <p:spPr>
+          <a:xfrm>
+            <a:off x="0" y="0"/>
+            <a:ext cx="12192000" cy="6858000"/>
+          </a:xfrm>
+          <a:prstGeom prst="rect">
+            <a:avLst/>
+          </a:prstGeom>
+          <a:solidFill>
+            <a:schemeClr val="tx2">
+              <a:lumMod val="75000"/>
+            </a:schemeClr>
+          </a:solidFill>
+        </p:spPr>
+        <p:style>
+          <a:lnRef idx="2">
+            <a:schemeClr val="accent1">
+              <a:shade val="50000"/>
+            </a:schemeClr>
+          </a:lnRef>
+          <a:fillRef idx="1">
+            <a:schemeClr val="accent1"/>
+          </a:fillRef>
+          <a:effectRef idx="0">
+            <a:schemeClr val="accent1"/>
+          </a:effectRef>
+          <a:fontRef idx="minor">
+            <a:schemeClr val="lt1"/>
+          </a:fontRef>
+        </p:style>
+        <p:txBody>
+          <a:bodyPr rtlCol="0" anchor="ctr"/>
+          <a:lstStyle/>
+          <a:p>
+            <a:pPr algn="ctr"/>
+            <a:r>
+              <a:rPr lang="en-US" sz="7200" b="1" dirty="0"/>
+              <a:t>9</a:t>
+            </a:r>
+            <a:r>
+              <a:rPr lang="ru-RU" sz="7200" b="1"/>
+              <a:t>. </a:t>
+            </a:r>
+            <a:r>
+              <a:rPr lang="ru-RU" sz="7200" b="1" dirty="0"/>
+              <a:t>Готовые шаблоны</a:t>
+            </a:r>
+            <a:endParaRPr lang="en-US" sz="7200" b="1" dirty="0"/>
+          </a:p>
+        </p:txBody>
+      </p:sp>
+    </p:spTree>
+    <p:extLst>
+      <p:ext uri="{BB962C8B-B14F-4D97-AF65-F5344CB8AC3E}">
+        <p14:creationId xmlns:p14="http://schemas.microsoft.com/office/powerpoint/2010/main" val="1127949560"/>
+      </p:ext>
+    </p:extLst>
+  </p:cSld>
+  <p:clrMapOvr>
+    <a:masterClrMapping/>
+  </p:clrMapOvr>
+</p:sld>
+</file>
+
+<file path=ppt/slides/slide25.xml><?xml version="1.0" encoding="utf-8"?>
+<p:sld xmlns:a="http://schemas.openxmlformats.org/drawingml/2006/main" xmlns:r="http://schemas.openxmlformats.org/officeDocument/2006/relationships" xmlns:p="http://schemas.openxmlformats.org/presentationml/2006/main">
+  <p:cSld>
+    <p:spTree>
+      <p:nvGrpSpPr>
+        <p:cNvPr id="1" name=""/>
+        <p:cNvGrpSpPr/>
+        <p:nvPr/>
+      </p:nvGrpSpPr>
+      <p:grpSpPr>
+        <a:xfrm>
+          <a:off x="0" y="0"/>
+          <a:ext cx="0" cy="0"/>
+          <a:chOff x="0" y="0"/>
+          <a:chExt cx="0" cy="0"/>
+        </a:xfrm>
+      </p:grpSpPr>
+      <p:sp>
+        <p:nvSpPr>
+          <p:cNvPr id="13" name="Номер слайда 36"/>
+          <p:cNvSpPr txBox="1">
+            <a:spLocks/>
+          </p:cNvSpPr>
+          <p:nvPr/>
+        </p:nvSpPr>
+        <p:spPr>
+          <a:xfrm>
+            <a:off x="11136560" y="6203133"/>
+            <a:ext cx="648072" cy="432048"/>
+          </a:xfrm>
+          <a:prstGeom prst="roundRect">
+            <a:avLst/>
+          </a:prstGeom>
+          <a:ln w="25400" cap="flat" cmpd="sng" algn="ctr">
+            <a:solidFill>
+              <a:schemeClr val="tx2">
+                <a:lumMod val="60000"/>
+                <a:lumOff val="40000"/>
+              </a:schemeClr>
+            </a:solidFill>
+            <a:prstDash val="solid"/>
+          </a:ln>
+        </p:spPr>
+        <p:style>
+          <a:lnRef idx="2">
+            <a:schemeClr val="accent1"/>
+          </a:lnRef>
+          <a:fillRef idx="1">
+            <a:schemeClr val="lt1"/>
+          </a:fillRef>
+          <a:effectRef idx="0">
+            <a:schemeClr val="accent1"/>
+          </a:effectRef>
+          <a:fontRef idx="minor">
+            <a:schemeClr val="dk1"/>
+          </a:fontRef>
+        </p:style>
+        <p:txBody>
+          <a:bodyPr vert="horz" lIns="91440" tIns="45720" rIns="91440" bIns="45720" rtlCol="0" anchor="ctr"/>
+          <a:lstStyle>
+            <a:defPPr>
+              <a:defRPr lang="uk-UA"/>
+            </a:defPPr>
+            <a:lvl1pPr marL="0" algn="l" defTabSz="914400" rtl="0" eaLnBrk="1" latinLnBrk="0" hangingPunct="1">
+              <a:defRPr sz="1800" kern="1200">
+                <a:solidFill>
+                  <a:schemeClr val="dk1"/>
+                </a:solidFill>
+                <a:latin typeface="+mn-lt"/>
+                <a:ea typeface="+mn-ea"/>
+                <a:cs typeface="+mn-cs"/>
+              </a:defRPr>
+            </a:lvl1pPr>
+            <a:lvl2pPr marL="457200" algn="l" defTabSz="914400" rtl="0" eaLnBrk="1" latinLnBrk="0" hangingPunct="1">
+              <a:defRPr sz="1800" kern="1200">
+                <a:solidFill>
+                  <a:schemeClr val="dk1"/>
+                </a:solidFill>
+                <a:latin typeface="+mn-lt"/>
+                <a:ea typeface="+mn-ea"/>
+                <a:cs typeface="+mn-cs"/>
+              </a:defRPr>
+            </a:lvl2pPr>
+            <a:lvl3pPr marL="914400" algn="l" defTabSz="914400" rtl="0" eaLnBrk="1" latinLnBrk="0" hangingPunct="1">
+              <a:defRPr sz="1800" kern="1200">
+                <a:solidFill>
+                  <a:schemeClr val="dk1"/>
+                </a:solidFill>
+                <a:latin typeface="+mn-lt"/>
+                <a:ea typeface="+mn-ea"/>
+                <a:cs typeface="+mn-cs"/>
+              </a:defRPr>
+            </a:lvl3pPr>
+            <a:lvl4pPr marL="1371600" algn="l" defTabSz="914400" rtl="0" eaLnBrk="1" latinLnBrk="0" hangingPunct="1">
+              <a:defRPr sz="1800" kern="1200">
+                <a:solidFill>
+                  <a:schemeClr val="dk1"/>
+                </a:solidFill>
+                <a:latin typeface="+mn-lt"/>
+                <a:ea typeface="+mn-ea"/>
+                <a:cs typeface="+mn-cs"/>
+              </a:defRPr>
+            </a:lvl4pPr>
+            <a:lvl5pPr marL="1828800" algn="l" defTabSz="914400" rtl="0" eaLnBrk="1" latinLnBrk="0" hangingPunct="1">
+              <a:defRPr sz="1800" kern="1200">
+                <a:solidFill>
+                  <a:schemeClr val="dk1"/>
+                </a:solidFill>
+                <a:latin typeface="+mn-lt"/>
+                <a:ea typeface="+mn-ea"/>
+                <a:cs typeface="+mn-cs"/>
+              </a:defRPr>
+            </a:lvl5pPr>
+            <a:lvl6pPr marL="2286000" algn="l" defTabSz="914400" rtl="0" eaLnBrk="1" latinLnBrk="0" hangingPunct="1">
+              <a:defRPr sz="1800" kern="1200">
+                <a:solidFill>
+                  <a:schemeClr val="dk1"/>
+                </a:solidFill>
+                <a:latin typeface="+mn-lt"/>
+                <a:ea typeface="+mn-ea"/>
+                <a:cs typeface="+mn-cs"/>
+              </a:defRPr>
+            </a:lvl6pPr>
+            <a:lvl7pPr marL="2743200" algn="l" defTabSz="914400" rtl="0" eaLnBrk="1" latinLnBrk="0" hangingPunct="1">
+              <a:defRPr sz="1800" kern="1200">
+                <a:solidFill>
+                  <a:schemeClr val="dk1"/>
+                </a:solidFill>
+                <a:latin typeface="+mn-lt"/>
+                <a:ea typeface="+mn-ea"/>
+                <a:cs typeface="+mn-cs"/>
+              </a:defRPr>
+            </a:lvl7pPr>
+            <a:lvl8pPr marL="3200400" algn="l" defTabSz="914400" rtl="0" eaLnBrk="1" latinLnBrk="0" hangingPunct="1">
+              <a:defRPr sz="1800" kern="1200">
+                <a:solidFill>
+                  <a:schemeClr val="dk1"/>
+                </a:solidFill>
+                <a:latin typeface="+mn-lt"/>
+                <a:ea typeface="+mn-ea"/>
+                <a:cs typeface="+mn-cs"/>
+              </a:defRPr>
+            </a:lvl8pPr>
+            <a:lvl9pPr marL="3657600" algn="l" defTabSz="914400" rtl="0" eaLnBrk="1" latinLnBrk="0" hangingPunct="1">
+              <a:defRPr sz="1800" kern="1200">
+                <a:solidFill>
+                  <a:schemeClr val="dk1"/>
+                </a:solidFill>
+                <a:latin typeface="+mn-lt"/>
+                <a:ea typeface="+mn-ea"/>
+                <a:cs typeface="+mn-cs"/>
+              </a:defRPr>
+            </a:lvl9pPr>
+          </a:lstStyle>
+          <a:p>
+            <a:pPr algn="ctr">
+              <a:defRPr/>
+            </a:pPr>
+            <a:fld id="{6389AA22-90B4-448C-8B6B-C699140D38B9}" type="slidenum">
+              <a:rPr lang="uk-UA" sz="2400" b="1">
+                <a:solidFill>
+                  <a:schemeClr val="bg1">
+                    <a:lumMod val="50000"/>
+                  </a:schemeClr>
+                </a:solidFill>
+              </a:rPr>
+              <a:pPr algn="ctr">
+                <a:defRPr/>
+              </a:pPr>
+              <a:t>25</a:t>
+            </a:fld>
+            <a:endParaRPr lang="uk-UA" sz="2400" b="1" dirty="0">
+              <a:solidFill>
+                <a:schemeClr val="bg1">
+                  <a:lumMod val="50000"/>
+                </a:schemeClr>
+              </a:solidFill>
+            </a:endParaRPr>
+          </a:p>
+        </p:txBody>
+      </p:sp>
+      <p:sp>
+        <p:nvSpPr>
+          <p:cNvPr id="4" name="Прямоугольник 3"/>
+          <p:cNvSpPr/>
+          <p:nvPr/>
+        </p:nvSpPr>
+        <p:spPr>
+          <a:xfrm>
+            <a:off x="0" y="6002124"/>
+            <a:ext cx="12192000" cy="523220"/>
+          </a:xfrm>
+          <a:prstGeom prst="rect">
+            <a:avLst/>
+          </a:prstGeom>
+        </p:spPr>
+        <p:txBody>
+          <a:bodyPr wrap="square">
+            <a:spAutoFit/>
+          </a:bodyPr>
+          <a:lstStyle/>
+          <a:p>
+            <a:pPr algn="ctr"/>
+            <a:r>
+              <a:rPr lang="en-US" sz="2800" b="1" dirty="0">
+                <a:hlinkClick r:id="rId2"/>
+              </a:rPr>
+              <a:t>https://themewagon.com/</a:t>
+            </a:r>
+            <a:endParaRPr lang="ru-RU" sz="2800" b="1" dirty="0"/>
+          </a:p>
+        </p:txBody>
+      </p:sp>
+      <p:sp>
+        <p:nvSpPr>
+          <p:cNvPr id="5" name="TextBox 4"/>
+          <p:cNvSpPr txBox="1"/>
+          <p:nvPr/>
+        </p:nvSpPr>
+        <p:spPr>
+          <a:xfrm>
+            <a:off x="0" y="188641"/>
+            <a:ext cx="12192000" cy="646331"/>
+          </a:xfrm>
+          <a:prstGeom prst="rect">
+            <a:avLst/>
+          </a:prstGeom>
+          <a:noFill/>
+        </p:spPr>
+        <p:txBody>
+          <a:bodyPr wrap="square" rtlCol="0">
+            <a:spAutoFit/>
+          </a:bodyPr>
+          <a:lstStyle/>
+          <a:p>
+            <a:pPr algn="ctr"/>
+            <a:r>
+              <a:rPr lang="en-US" sz="3600" b="1" dirty="0"/>
+              <a:t>Theme Wagon – </a:t>
+            </a:r>
+            <a:r>
+              <a:rPr lang="ru-RU" sz="3600" b="1" dirty="0"/>
+              <a:t>сервис готовых шаблонов</a:t>
+            </a:r>
+          </a:p>
+        </p:txBody>
+      </p:sp>
+      <p:pic>
+        <p:nvPicPr>
+          <p:cNvPr id="3" name="Рисунок 2"/>
+          <p:cNvPicPr>
+            <a:picLocks noChangeAspect="1"/>
+          </p:cNvPicPr>
+          <p:nvPr/>
+        </p:nvPicPr>
+        <p:blipFill>
+          <a:blip r:embed="rId3"/>
+          <a:stretch>
+            <a:fillRect/>
+          </a:stretch>
+        </p:blipFill>
+        <p:spPr>
+          <a:xfrm>
+            <a:off x="1055440" y="1206570"/>
+            <a:ext cx="5616624" cy="4382670"/>
+          </a:xfrm>
+          <a:prstGeom prst="rect">
+            <a:avLst/>
+          </a:prstGeom>
+          <a:ln>
+            <a:noFill/>
+          </a:ln>
+          <a:effectLst>
+            <a:outerShdw blurRad="292100" dist="139700" dir="2700000" algn="tl" rotWithShape="0">
+              <a:srgbClr val="333333">
+                <a:alpha val="65000"/>
+              </a:srgbClr>
+            </a:outerShdw>
+          </a:effectLst>
+        </p:spPr>
+      </p:pic>
+      <p:sp>
+        <p:nvSpPr>
+          <p:cNvPr id="7" name="TextBox 6"/>
+          <p:cNvSpPr txBox="1"/>
+          <p:nvPr/>
+        </p:nvSpPr>
+        <p:spPr>
+          <a:xfrm>
+            <a:off x="7392144" y="1180052"/>
+            <a:ext cx="3600400" cy="4524315"/>
+          </a:xfrm>
+          <a:prstGeom prst="rect">
+            <a:avLst/>
+          </a:prstGeom>
+          <a:noFill/>
+        </p:spPr>
+        <p:txBody>
+          <a:bodyPr wrap="square" rtlCol="0">
+            <a:spAutoFit/>
+          </a:bodyPr>
+          <a:lstStyle/>
+          <a:p>
+            <a:r>
+              <a:rPr lang="ru-RU" sz="2400" b="1" dirty="0"/>
+              <a:t>«</a:t>
+            </a:r>
+            <a:r>
+              <a:rPr lang="en-US" sz="2400" b="1" dirty="0"/>
+              <a:t>Theme Wagon</a:t>
+            </a:r>
+            <a:r>
+              <a:rPr lang="ru-RU" sz="2400" b="1" dirty="0"/>
+              <a:t>»</a:t>
+            </a:r>
+            <a:r>
+              <a:rPr lang="en-US" sz="2400" dirty="0"/>
+              <a:t> - </a:t>
+            </a:r>
+            <a:r>
+              <a:rPr lang="ru-RU" sz="2400" dirty="0"/>
+              <a:t>один из ресурсов которые предлагают верстальщикам </a:t>
+            </a:r>
+            <a:r>
+              <a:rPr lang="ru-RU" sz="2400" b="1" dirty="0"/>
+              <a:t>готовые шаблоны</a:t>
+            </a:r>
+            <a:r>
+              <a:rPr lang="ru-RU" sz="2400" dirty="0"/>
+              <a:t> (темы) которые могут быть использованы в качестве основы для разработки своих проектов. По большей части шаблоны бесплатны для использования.</a:t>
+            </a:r>
+          </a:p>
+        </p:txBody>
+      </p:sp>
+    </p:spTree>
+    <p:extLst>
+      <p:ext uri="{BB962C8B-B14F-4D97-AF65-F5344CB8AC3E}">
+        <p14:creationId xmlns:p14="http://schemas.microsoft.com/office/powerpoint/2010/main" val="3373656211"/>
+      </p:ext>
+    </p:extLst>
+  </p:cSld>
+  <p:clrMapOvr>
+    <a:masterClrMapping/>
+  </p:clrMapOvr>
+</p:sld>
+</file>
+
+<file path=ppt/slides/slide26.xml><?xml version="1.0" encoding="utf-8"?>
+<p:sld xmlns:a="http://schemas.openxmlformats.org/drawingml/2006/main" xmlns:r="http://schemas.openxmlformats.org/officeDocument/2006/relationships" xmlns:p="http://schemas.openxmlformats.org/presentationml/2006/main">
+  <p:cSld>
+    <p:spTree>
+      <p:nvGrpSpPr>
+        <p:cNvPr id="1" name=""/>
+        <p:cNvGrpSpPr/>
+        <p:nvPr/>
+      </p:nvGrpSpPr>
+      <p:grpSpPr>
+        <a:xfrm>
+          <a:off x="0" y="0"/>
+          <a:ext cx="0" cy="0"/>
+          <a:chOff x="0" y="0"/>
+          <a:chExt cx="0" cy="0"/>
+        </a:xfrm>
+      </p:grpSpPr>
+      <p:sp>
+        <p:nvSpPr>
+          <p:cNvPr id="5" name="Прямоугольник 4"/>
+          <p:cNvSpPr/>
+          <p:nvPr/>
+        </p:nvSpPr>
+        <p:spPr>
+          <a:xfrm>
+            <a:off x="0" y="0"/>
+            <a:ext cx="12192000" cy="6858000"/>
+          </a:xfrm>
+          <a:prstGeom prst="rect">
+            <a:avLst/>
+          </a:prstGeom>
+          <a:solidFill>
+            <a:schemeClr val="tx2">
+              <a:lumMod val="75000"/>
+            </a:schemeClr>
+          </a:solidFill>
+        </p:spPr>
+        <p:style>
+          <a:lnRef idx="2">
+            <a:schemeClr val="accent1">
+              <a:shade val="50000"/>
+            </a:schemeClr>
+          </a:lnRef>
+          <a:fillRef idx="1">
+            <a:schemeClr val="accent1"/>
+          </a:fillRef>
+          <a:effectRef idx="0">
+            <a:schemeClr val="accent1"/>
+          </a:effectRef>
+          <a:fontRef idx="minor">
+            <a:schemeClr val="lt1"/>
+          </a:fontRef>
+        </p:style>
+        <p:txBody>
+          <a:bodyPr rtlCol="0" anchor="ctr"/>
+          <a:lstStyle/>
+          <a:p>
+            <a:pPr algn="ctr"/>
+            <a:r>
+              <a:rPr lang="ru-RU" sz="6600" b="1" dirty="0"/>
+              <a:t>Домашнее задание</a:t>
+            </a:r>
+          </a:p>
+        </p:txBody>
+      </p:sp>
+    </p:spTree>
+    <p:extLst>
+      <p:ext uri="{BB962C8B-B14F-4D97-AF65-F5344CB8AC3E}">
+        <p14:creationId xmlns:p14="http://schemas.microsoft.com/office/powerpoint/2010/main" val="3745233857"/>
+      </p:ext>
+    </p:extLst>
+  </p:cSld>
+  <p:clrMapOvr>
+    <a:masterClrMapping/>
+  </p:clrMapOvr>
+</p:sld>
+</file>
+
 <file path=ppt/slides/slide27.xml><?xml version="1.0" encoding="utf-8"?>
 <p:sld xmlns:a="http://schemas.openxmlformats.org/drawingml/2006/main" xmlns:r="http://schemas.openxmlformats.org/officeDocument/2006/relationships" xmlns:p="http://schemas.openxmlformats.org/presentationml/2006/main">
   <p:cSld>
@@ -8963,7 +9116,7 @@
         </p:nvSpPr>
         <p:spPr>
           <a:xfrm>
-            <a:off x="11280576" y="6165304"/>
+            <a:off x="11208568" y="6165304"/>
             <a:ext cx="648072" cy="432048"/>
           </a:xfrm>
           <a:prstGeom prst="roundRect">
@@ -9119,14 +9272,14 @@
       </p:sp>
       <p:sp>
         <p:nvSpPr>
-          <p:cNvPr id="3" name="TextBox 2"/>
+          <p:cNvPr id="7" name="TextBox 6"/>
           <p:cNvSpPr txBox="1"/>
           <p:nvPr/>
         </p:nvSpPr>
         <p:spPr>
           <a:xfrm>
-            <a:off x="0" y="416858"/>
-            <a:ext cx="12192000" cy="707886"/>
+            <a:off x="1" y="5724545"/>
+            <a:ext cx="12191999" cy="584775"/>
           </a:xfrm>
           <a:prstGeom prst="rect">
             <a:avLst/>
@@ -9141,200 +9294,97 @@
           <a:p>
             <a:pPr algn="ctr"/>
             <a:r>
-              <a:rPr lang="ru-RU" sz="4000" b="1" dirty="0"/>
-              <a:t>Инструменты проектирования</a:t>
-            </a:r>
-          </a:p>
-        </p:txBody>
-      </p:sp>
-      <p:sp>
-        <p:nvSpPr>
-          <p:cNvPr id="2" name="Прямоугольник 1"/>
-          <p:cNvSpPr/>
-          <p:nvPr/>
-        </p:nvSpPr>
-        <p:spPr>
-          <a:xfrm>
-            <a:off x="2063552" y="3441194"/>
-            <a:ext cx="5346592" cy="707886"/>
-          </a:xfrm>
-          <a:prstGeom prst="rect">
-            <a:avLst/>
-          </a:prstGeom>
-        </p:spPr>
-        <p:txBody>
-          <a:bodyPr wrap="none">
-            <a:spAutoFit/>
-          </a:bodyPr>
-          <a:lstStyle/>
-          <a:p>
-            <a:r>
-              <a:rPr lang="ru-RU" sz="4000" b="1" dirty="0">
-                <a:hlinkClick r:id="rId2"/>
-              </a:rPr>
-              <a:t>https://ninjamock.com/</a:t>
-            </a:r>
-            <a:endParaRPr lang="ru-RU" sz="4000" b="1" dirty="0"/>
+              <a:rPr lang="ru-RU" sz="3200" dirty="0"/>
+              <a:t>Пора освежить резюме…!</a:t>
+            </a:r>
           </a:p>
         </p:txBody>
       </p:sp>
       <p:pic>
         <p:nvPicPr>
-          <p:cNvPr id="4" name="Рисунок 3"/>
+          <p:cNvPr id="1026" name="Picture 2" descr="ÐÐ¾Ð²âÑÐ·Ð°Ð½Ðµ Ð·Ð¾Ð±ÑÐ°Ð¶ÐµÐ½Ð½Ñ"/>
           <p:cNvPicPr>
-            <a:picLocks noChangeAspect="1"/>
+            <a:picLocks noChangeAspect="1" noChangeArrowheads="1"/>
           </p:cNvPicPr>
           <p:nvPr/>
         </p:nvPicPr>
         <p:blipFill>
-          <a:blip r:embed="rId3"/>
+          <a:blip r:embed="rId2">
+            <a:extLst>
+              <a:ext uri="{28A0092B-C50C-407E-A947-70E740481C1C}">
+                <a14:useLocalDpi xmlns:a14="http://schemas.microsoft.com/office/drawing/2010/main" val="0"/>
+              </a:ext>
+            </a:extLst>
+          </a:blip>
+          <a:srcRect/>
           <a:stretch>
             <a:fillRect/>
           </a:stretch>
         </p:blipFill>
-        <p:spPr>
-          <a:xfrm>
-            <a:off x="7896200" y="3505264"/>
-            <a:ext cx="2160239" cy="579745"/>
+        <p:spPr bwMode="auto">
+          <a:xfrm>
+            <a:off x="1819772" y="1317593"/>
+            <a:ext cx="8884740" cy="4055623"/>
           </a:xfrm>
           <a:prstGeom prst="rect">
             <a:avLst/>
           </a:prstGeom>
-          <a:ln w="19050">
-            <a:solidFill>
-              <a:schemeClr val="bg1">
-                <a:lumMod val="85000"/>
-              </a:schemeClr>
-            </a:solidFill>
+          <a:ln>
+            <a:noFill/>
           </a:ln>
+          <a:effectLst>
+            <a:outerShdw blurRad="292100" dist="139700" dir="2700000" algn="tl" rotWithShape="0">
+              <a:srgbClr val="333333">
+                <a:alpha val="65000"/>
+              </a:srgbClr>
+            </a:outerShdw>
+          </a:effectLst>
+          <a:extLst>
+            <a:ext uri="{909E8E84-426E-40DD-AFC4-6F175D3DCCD1}">
+              <a14:hiddenFill xmlns:a14="http://schemas.microsoft.com/office/drawing/2010/main">
+                <a:solidFill>
+                  <a:srgbClr val="FFFFFF"/>
+                </a:solidFill>
+              </a14:hiddenFill>
+            </a:ext>
+          </a:extLst>
         </p:spPr>
       </p:pic>
       <p:sp>
         <p:nvSpPr>
-          <p:cNvPr id="7" name="Прямоугольник 6"/>
-          <p:cNvSpPr/>
+          <p:cNvPr id="2" name="TextBox 1"/>
+          <p:cNvSpPr txBox="1"/>
           <p:nvPr/>
         </p:nvSpPr>
         <p:spPr>
           <a:xfrm>
-            <a:off x="2063553" y="1785010"/>
-            <a:ext cx="4855368" cy="707886"/>
+            <a:off x="1" y="344850"/>
+            <a:ext cx="12192000" cy="707886"/>
           </a:xfrm>
           <a:prstGeom prst="rect">
             <a:avLst/>
           </a:prstGeom>
-        </p:spPr>
-        <p:txBody>
-          <a:bodyPr wrap="none">
+          <a:noFill/>
+        </p:spPr>
+        <p:txBody>
+          <a:bodyPr wrap="square" rtlCol="0">
             <a:spAutoFit/>
           </a:bodyPr>
           <a:lstStyle/>
           <a:p>
-            <a:r>
-              <a:rPr lang="ru-RU" sz="4000" b="1" dirty="0">
-                <a:hlinkClick r:id="rId4"/>
-              </a:rPr>
-              <a:t>https://wireframe.cc/</a:t>
-            </a:r>
-            <a:endParaRPr lang="ru-RU" sz="4000" b="1" dirty="0"/>
-          </a:p>
-        </p:txBody>
-      </p:sp>
-      <p:pic>
-        <p:nvPicPr>
-          <p:cNvPr id="8" name="Рисунок 7"/>
-          <p:cNvPicPr>
-            <a:picLocks noChangeAspect="1"/>
-          </p:cNvPicPr>
-          <p:nvPr/>
-        </p:nvPicPr>
-        <p:blipFill>
-          <a:blip r:embed="rId5"/>
-          <a:stretch>
-            <a:fillRect/>
-          </a:stretch>
-        </p:blipFill>
-        <p:spPr>
-          <a:xfrm>
-            <a:off x="7896200" y="1785010"/>
-            <a:ext cx="2160238" cy="660073"/>
-          </a:xfrm>
-          <a:prstGeom prst="rect">
-            <a:avLst/>
-          </a:prstGeom>
-          <a:ln w="19050">
-            <a:solidFill>
-              <a:schemeClr val="bg1">
-                <a:lumMod val="85000"/>
-              </a:schemeClr>
-            </a:solidFill>
-          </a:ln>
-        </p:spPr>
-      </p:pic>
-      <p:sp>
-        <p:nvSpPr>
-          <p:cNvPr id="5" name="Прямоугольник 4"/>
-          <p:cNvSpPr/>
-          <p:nvPr/>
-        </p:nvSpPr>
-        <p:spPr>
-          <a:xfrm>
-            <a:off x="2063552" y="4945424"/>
-            <a:ext cx="4851969" cy="707886"/>
-          </a:xfrm>
-          <a:prstGeom prst="rect">
-            <a:avLst/>
-          </a:prstGeom>
-        </p:spPr>
-        <p:txBody>
-          <a:bodyPr wrap="none">
-            <a:spAutoFit/>
-          </a:bodyPr>
-          <a:lstStyle/>
-          <a:p>
-            <a:r>
-              <a:rPr lang="ru-RU" sz="4000" b="1" dirty="0">
-                <a:hlinkClick r:id="rId6"/>
-              </a:rPr>
-              <a:t>https://moqups.com/</a:t>
-            </a:r>
-            <a:endParaRPr lang="ru-RU" sz="4000" b="1" dirty="0"/>
-          </a:p>
-        </p:txBody>
-      </p:sp>
-      <p:pic>
-        <p:nvPicPr>
-          <p:cNvPr id="6" name="Рисунок 5"/>
-          <p:cNvPicPr>
-            <a:picLocks noChangeAspect="1"/>
-          </p:cNvPicPr>
-          <p:nvPr/>
-        </p:nvPicPr>
-        <p:blipFill>
-          <a:blip r:embed="rId7"/>
-          <a:stretch>
-            <a:fillRect/>
-          </a:stretch>
-        </p:blipFill>
-        <p:spPr>
-          <a:xfrm>
-            <a:off x="7896199" y="4897611"/>
-            <a:ext cx="2160239" cy="774924"/>
-          </a:xfrm>
-          <a:prstGeom prst="rect">
-            <a:avLst/>
-          </a:prstGeom>
-          <a:ln w="12700">
-            <a:solidFill>
-              <a:schemeClr val="tx1"/>
-            </a:solidFill>
-          </a:ln>
-        </p:spPr>
-      </p:pic>
+            <a:pPr algn="ctr"/>
+            <a:r>
+              <a:rPr lang="ru-RU" sz="4000" b="1" dirty="0"/>
+              <a:t>Обновляем резюме</a:t>
+            </a:r>
+            <a:endParaRPr lang="uk-UA" sz="4000" b="1" dirty="0"/>
+          </a:p>
+        </p:txBody>
+      </p:sp>
     </p:spTree>
     <p:extLst>
       <p:ext uri="{BB962C8B-B14F-4D97-AF65-F5344CB8AC3E}">
-        <p14:creationId xmlns:p14="http://schemas.microsoft.com/office/powerpoint/2010/main" val="1386633940"/>
+        <p14:creationId xmlns:p14="http://schemas.microsoft.com/office/powerpoint/2010/main" val="1730929203"/>
       </p:ext>
     </p:extLst>
   </p:cSld>
@@ -9404,16 +9454,16 @@
             <a:pPr algn="ctr"/>
             <a:r>
               <a:rPr lang="ru-RU" sz="7200" b="1" dirty="0"/>
-              <a:t>7. Готовые шаблоны</a:t>
-            </a:r>
-            <a:endParaRPr lang="en-US" sz="7200" b="1" dirty="0"/>
+              <a:t>Будет полезным</a:t>
+            </a:r>
+            <a:endParaRPr lang="uk-UA" sz="7200" b="1" dirty="0"/>
           </a:p>
         </p:txBody>
       </p:sp>
     </p:spTree>
     <p:extLst>
       <p:ext uri="{BB962C8B-B14F-4D97-AF65-F5344CB8AC3E}">
-        <p14:creationId xmlns:p14="http://schemas.microsoft.com/office/powerpoint/2010/main" val="1127949560"/>
+        <p14:creationId xmlns:p14="http://schemas.microsoft.com/office/powerpoint/2010/main" val="2606695204"/>
       </p:ext>
     </p:extLst>
   </p:cSld>
@@ -9450,7 +9500,7 @@
         </p:nvSpPr>
         <p:spPr>
           <a:xfrm>
-            <a:off x="11136560" y="6203133"/>
+            <a:off x="11280576" y="6184627"/>
             <a:ext cx="648072" cy="432048"/>
           </a:xfrm>
           <a:prstGeom prst="roundRect">
@@ -9612,25 +9662,24 @@
         </p:nvSpPr>
         <p:spPr>
           <a:xfrm>
-            <a:off x="0" y="6002124"/>
-            <a:ext cx="12192000" cy="523220"/>
+            <a:off x="4267681" y="6002124"/>
+            <a:ext cx="3944670" cy="523220"/>
           </a:xfrm>
           <a:prstGeom prst="rect">
             <a:avLst/>
           </a:prstGeom>
         </p:spPr>
         <p:txBody>
-          <a:bodyPr wrap="square">
+          <a:bodyPr wrap="none">
             <a:spAutoFit/>
           </a:bodyPr>
           <a:lstStyle/>
           <a:p>
-            <a:pPr algn="ctr"/>
             <a:r>
               <a:rPr lang="en-US" sz="2800" b="1" dirty="0">
                 <a:hlinkClick r:id="rId2"/>
               </a:rPr>
-              <a:t>https://themewagon.com/</a:t>
+              <a:t>https://themeforest.net/</a:t>
             </a:r>
             <a:endParaRPr lang="ru-RU" sz="2800" b="1" dirty="0"/>
           </a:p>
@@ -9644,8 +9693,8 @@
         </p:nvSpPr>
         <p:spPr>
           <a:xfrm>
-            <a:off x="0" y="188641"/>
-            <a:ext cx="12192000" cy="646331"/>
+            <a:off x="2999656" y="217897"/>
+            <a:ext cx="6650988" cy="646331"/>
           </a:xfrm>
           <a:prstGeom prst="rect">
             <a:avLst/>
@@ -9653,6 +9702,48 @@
           <a:noFill/>
         </p:spPr>
         <p:txBody>
+          <a:bodyPr wrap="none" rtlCol="0">
+            <a:spAutoFit/>
+          </a:bodyPr>
+          <a:lstStyle/>
+          <a:p>
+            <a:r>
+              <a:rPr lang="en-US" sz="3600" b="1" dirty="0" err="1"/>
+              <a:t>Envato</a:t>
+            </a:r>
+            <a:r>
+              <a:rPr lang="en-US" sz="3600" b="1" dirty="0"/>
+              <a:t> Market (ex. </a:t>
+            </a:r>
+            <a:r>
+              <a:rPr lang="en-US" sz="3600" b="1" dirty="0" err="1"/>
+              <a:t>ThemeForest</a:t>
+            </a:r>
+            <a:r>
+              <a:rPr lang="en-US" sz="3600" b="1" dirty="0"/>
+              <a:t>) </a:t>
+            </a:r>
+            <a:endParaRPr lang="ru-RU" sz="3600" b="1" dirty="0"/>
+          </a:p>
+        </p:txBody>
+      </p:sp>
+      <p:sp>
+        <p:nvSpPr>
+          <p:cNvPr id="7" name="TextBox 6"/>
+          <p:cNvSpPr txBox="1"/>
+          <p:nvPr/>
+        </p:nvSpPr>
+        <p:spPr>
+          <a:xfrm>
+            <a:off x="0" y="5282044"/>
+            <a:ext cx="12192000" cy="523220"/>
+          </a:xfrm>
+          <a:prstGeom prst="rect">
+            <a:avLst/>
+          </a:prstGeom>
+          <a:noFill/>
+        </p:spPr>
+        <p:txBody>
           <a:bodyPr wrap="square" rtlCol="0">
             <a:spAutoFit/>
           </a:bodyPr>
@@ -9660,19 +9751,43 @@
           <a:p>
             <a:pPr algn="ctr"/>
             <a:r>
-              <a:rPr lang="en-US" sz="3600" b="1" dirty="0"/>
-              <a:t>Theme Wagon – </a:t>
-            </a:r>
-            <a:r>
-              <a:rPr lang="ru-RU" sz="3600" b="1" dirty="0"/>
-              <a:t>сервис готовых шаблонов</a:t>
+              <a:rPr lang="ru-RU" sz="2800" b="1" dirty="0"/>
+              <a:t>«</a:t>
+            </a:r>
+            <a:r>
+              <a:rPr lang="en-US" sz="2800" b="1" dirty="0" err="1"/>
+              <a:t>Envato</a:t>
+            </a:r>
+            <a:r>
+              <a:rPr lang="en-US" sz="2800" b="1" dirty="0"/>
+              <a:t> Market</a:t>
+            </a:r>
+            <a:r>
+              <a:rPr lang="ru-RU" sz="2800" b="1" dirty="0"/>
+              <a:t>»</a:t>
+            </a:r>
+            <a:r>
+              <a:rPr lang="en-US" sz="2800" dirty="0"/>
+              <a:t> - </a:t>
+            </a:r>
+            <a:r>
+              <a:rPr lang="ru-RU" sz="2800" dirty="0"/>
+              <a:t>крупнейший магазин </a:t>
+            </a:r>
+            <a:r>
+              <a:rPr lang="ru-RU" sz="2800" b="1" dirty="0"/>
+              <a:t>платных</a:t>
+            </a:r>
+            <a:r>
+              <a:rPr lang="ru-RU" sz="2800" dirty="0"/>
+              <a:t> готовых шаблонов.</a:t>
             </a:r>
           </a:p>
         </p:txBody>
       </p:sp>
       <p:pic>
         <p:nvPicPr>
-          <p:cNvPr id="3" name="Рисунок 2"/>
+          <p:cNvPr id="2" name="Рисунок 1"/>
           <p:cNvPicPr>
             <a:picLocks noChangeAspect="1"/>
           </p:cNvPicPr>
@@ -9686,8 +9801,8 @@
         </p:blipFill>
         <p:spPr>
           <a:xfrm>
-            <a:off x="1055440" y="1206570"/>
-            <a:ext cx="5616624" cy="4382670"/>
+            <a:off x="3613775" y="1412777"/>
+            <a:ext cx="6656273" cy="3417243"/>
           </a:xfrm>
           <a:prstGeom prst="rect">
             <a:avLst/>
@@ -9704,63 +9819,62 @@
           </a:effectLst>
         </p:spPr>
       </p:pic>
-      <p:sp>
-        <p:nvSpPr>
-          <p:cNvPr id="7" name="TextBox 6"/>
-          <p:cNvSpPr txBox="1"/>
+      <p:pic>
+        <p:nvPicPr>
+          <p:cNvPr id="1026" name="Picture 2" descr="http://artlab.club/uploads/images/00/00/28/2015/06/18/0u4fdd0f63-543a6310-167730d2.png"/>
+          <p:cNvPicPr>
+            <a:picLocks noChangeAspect="1" noChangeArrowheads="1"/>
+          </p:cNvPicPr>
           <p:nvPr/>
-        </p:nvSpPr>
-        <p:spPr>
-          <a:xfrm>
-            <a:off x="7392144" y="1180052"/>
-            <a:ext cx="3600400" cy="4524315"/>
+        </p:nvPicPr>
+        <p:blipFill>
+          <a:blip r:embed="rId4">
+            <a:extLst>
+              <a:ext uri="{28A0092B-C50C-407E-A947-70E740481C1C}">
+                <a14:useLocalDpi xmlns:a14="http://schemas.microsoft.com/office/drawing/2010/main" val="0"/>
+              </a:ext>
+            </a:extLst>
+          </a:blip>
+          <a:srcRect/>
+          <a:stretch>
+            <a:fillRect/>
+          </a:stretch>
+        </p:blipFill>
+        <p:spPr bwMode="auto">
+          <a:xfrm>
+            <a:off x="2423592" y="1124744"/>
+            <a:ext cx="4405498" cy="2458574"/>
           </a:xfrm>
           <a:prstGeom prst="rect">
             <a:avLst/>
           </a:prstGeom>
-          <a:noFill/>
-        </p:spPr>
-        <p:txBody>
-          <a:bodyPr wrap="square" rtlCol="0">
-            <a:spAutoFit/>
-          </a:bodyPr>
-          <a:lstStyle/>
-          <a:p>
-            <a:r>
-              <a:rPr lang="ru-RU" sz="2400" b="1" dirty="0"/>
-              <a:t>«</a:t>
-            </a:r>
-            <a:r>
-              <a:rPr lang="en-US" sz="2400" b="1" dirty="0"/>
-              <a:t>Theme Wagon</a:t>
-            </a:r>
-            <a:r>
-              <a:rPr lang="ru-RU" sz="2400" b="1" dirty="0"/>
-              <a:t>»</a:t>
-            </a:r>
-            <a:r>
-              <a:rPr lang="en-US" sz="2400" dirty="0"/>
-              <a:t> - </a:t>
-            </a:r>
-            <a:r>
-              <a:rPr lang="ru-RU" sz="2400" dirty="0"/>
-              <a:t>один из ресурсов которые предлагают верстальщикам </a:t>
-            </a:r>
-            <a:r>
-              <a:rPr lang="ru-RU" sz="2400" b="1" dirty="0"/>
-              <a:t>готовые шаблоны</a:t>
-            </a:r>
-            <a:r>
-              <a:rPr lang="ru-RU" sz="2400" dirty="0"/>
-              <a:t> (темы) которые могут быть использованы в качестве основы для разработки своих проектов. По большей части шаблоны бесплатны для использования.</a:t>
-            </a:r>
-          </a:p>
-        </p:txBody>
-      </p:sp>
+          <a:ln>
+            <a:solidFill>
+              <a:srgbClr val="92D050"/>
+            </a:solidFill>
+          </a:ln>
+          <a:effectLst>
+            <a:outerShdw blurRad="292100" dist="139700" dir="2700000" algn="tl" rotWithShape="0">
+              <a:srgbClr val="333333">
+                <a:alpha val="65000"/>
+              </a:srgbClr>
+            </a:outerShdw>
+          </a:effectLst>
+          <a:extLst>
+            <a:ext uri="{909E8E84-426E-40DD-AFC4-6F175D3DCCD1}">
+              <a14:hiddenFill xmlns:a14="http://schemas.microsoft.com/office/drawing/2010/main">
+                <a:solidFill>
+                  <a:srgbClr val="FFFFFF"/>
+                </a:solidFill>
+              </a14:hiddenFill>
+            </a:ext>
+          </a:extLst>
+        </p:spPr>
+      </p:pic>
     </p:spTree>
     <p:extLst>
       <p:ext uri="{BB962C8B-B14F-4D97-AF65-F5344CB8AC3E}">
-        <p14:creationId xmlns:p14="http://schemas.microsoft.com/office/powerpoint/2010/main" val="3373656211"/>
+        <p14:creationId xmlns:p14="http://schemas.microsoft.com/office/powerpoint/2010/main" val="3394780914"/>
       </p:ext>
     </p:extLst>
   </p:cSld>
@@ -9929,15 +10043,23 @@
             <a:pPr algn="ctr"/>
             <a:r>
               <a:rPr lang="ru-RU" sz="6600" b="1" dirty="0"/>
-              <a:t>Домашнее задание</a:t>
-            </a:r>
+              <a:t>К следующему </a:t>
+            </a:r>
+          </a:p>
+          <a:p>
+            <a:pPr algn="ctr"/>
+            <a:r>
+              <a:rPr lang="ru-RU" sz="6600" b="1" dirty="0"/>
+              <a:t>занятию…</a:t>
+            </a:r>
+            <a:endParaRPr lang="uk-UA" sz="6600" b="1" dirty="0"/>
           </a:p>
         </p:txBody>
       </p:sp>
     </p:spTree>
     <p:extLst>
       <p:ext uri="{BB962C8B-B14F-4D97-AF65-F5344CB8AC3E}">
-        <p14:creationId xmlns:p14="http://schemas.microsoft.com/office/powerpoint/2010/main" val="3745233857"/>
+        <p14:creationId xmlns:p14="http://schemas.microsoft.com/office/powerpoint/2010/main" val="1909362233"/>
       </p:ext>
     </p:extLst>
   </p:cSld>
@@ -9966,7 +10088,7 @@
       </p:grpSpPr>
       <p:sp>
         <p:nvSpPr>
-          <p:cNvPr id="13" name="Номер слайда 36"/>
+          <p:cNvPr id="8" name="Номер слайда 36"/>
           <p:cNvSpPr txBox="1">
             <a:spLocks/>
           </p:cNvSpPr>
@@ -9974,7 +10096,7 @@
         </p:nvSpPr>
         <p:spPr>
           <a:xfrm>
-            <a:off x="11208568" y="6165304"/>
+            <a:off x="11352584" y="6237312"/>
             <a:ext cx="648072" cy="432048"/>
           </a:xfrm>
           <a:prstGeom prst="roundRect">
@@ -10006,101 +10128,7 @@
         </p:style>
         <p:txBody>
           <a:bodyPr vert="horz" lIns="91440" tIns="45720" rIns="91440" bIns="45720" rtlCol="0" anchor="ctr"/>
-          <a:lstStyle>
-            <a:defPPr>
-              <a:defRPr lang="uk-UA"/>
-            </a:defPPr>
-            <a:lvl1pPr marL="0" algn="l" defTabSz="914400" rtl="0" eaLnBrk="1" latinLnBrk="0" hangingPunct="1">
-              <a:defRPr sz="1800" kern="1200">
-                <a:solidFill>
-                  <a:schemeClr val="dk1"/>
-                </a:solidFill>
-                <a:latin typeface="+mn-lt"/>
-                <a:ea typeface="+mn-ea"/>
-                <a:cs typeface="+mn-cs"/>
-              </a:defRPr>
-            </a:lvl1pPr>
-            <a:lvl2pPr marL="457200" algn="l" defTabSz="914400" rtl="0" eaLnBrk="1" latinLnBrk="0" hangingPunct="1">
-              <a:defRPr sz="1800" kern="1200">
-                <a:solidFill>
-                  <a:schemeClr val="dk1"/>
-                </a:solidFill>
-                <a:latin typeface="+mn-lt"/>
-                <a:ea typeface="+mn-ea"/>
-                <a:cs typeface="+mn-cs"/>
-              </a:defRPr>
-            </a:lvl2pPr>
-            <a:lvl3pPr marL="914400" algn="l" defTabSz="914400" rtl="0" eaLnBrk="1" latinLnBrk="0" hangingPunct="1">
-              <a:defRPr sz="1800" kern="1200">
-                <a:solidFill>
-                  <a:schemeClr val="dk1"/>
-                </a:solidFill>
-                <a:latin typeface="+mn-lt"/>
-                <a:ea typeface="+mn-ea"/>
-                <a:cs typeface="+mn-cs"/>
-              </a:defRPr>
-            </a:lvl3pPr>
-            <a:lvl4pPr marL="1371600" algn="l" defTabSz="914400" rtl="0" eaLnBrk="1" latinLnBrk="0" hangingPunct="1">
-              <a:defRPr sz="1800" kern="1200">
-                <a:solidFill>
-                  <a:schemeClr val="dk1"/>
-                </a:solidFill>
-                <a:latin typeface="+mn-lt"/>
-                <a:ea typeface="+mn-ea"/>
-                <a:cs typeface="+mn-cs"/>
-              </a:defRPr>
-            </a:lvl4pPr>
-            <a:lvl5pPr marL="1828800" algn="l" defTabSz="914400" rtl="0" eaLnBrk="1" latinLnBrk="0" hangingPunct="1">
-              <a:defRPr sz="1800" kern="1200">
-                <a:solidFill>
-                  <a:schemeClr val="dk1"/>
-                </a:solidFill>
-                <a:latin typeface="+mn-lt"/>
-                <a:ea typeface="+mn-ea"/>
-                <a:cs typeface="+mn-cs"/>
-              </a:defRPr>
-            </a:lvl5pPr>
-            <a:lvl6pPr marL="2286000" algn="l" defTabSz="914400" rtl="0" eaLnBrk="1" latinLnBrk="0" hangingPunct="1">
-              <a:defRPr sz="1800" kern="1200">
-                <a:solidFill>
-                  <a:schemeClr val="dk1"/>
-                </a:solidFill>
-                <a:latin typeface="+mn-lt"/>
-                <a:ea typeface="+mn-ea"/>
-                <a:cs typeface="+mn-cs"/>
-              </a:defRPr>
-            </a:lvl6pPr>
-            <a:lvl7pPr marL="2743200" algn="l" defTabSz="914400" rtl="0" eaLnBrk="1" latinLnBrk="0" hangingPunct="1">
-              <a:defRPr sz="1800" kern="1200">
-                <a:solidFill>
-                  <a:schemeClr val="dk1"/>
-                </a:solidFill>
-                <a:latin typeface="+mn-lt"/>
-                <a:ea typeface="+mn-ea"/>
-                <a:cs typeface="+mn-cs"/>
-              </a:defRPr>
-            </a:lvl7pPr>
-            <a:lvl8pPr marL="3200400" algn="l" defTabSz="914400" rtl="0" eaLnBrk="1" latinLnBrk="0" hangingPunct="1">
-              <a:defRPr sz="1800" kern="1200">
-                <a:solidFill>
-                  <a:schemeClr val="dk1"/>
-                </a:solidFill>
-                <a:latin typeface="+mn-lt"/>
-                <a:ea typeface="+mn-ea"/>
-                <a:cs typeface="+mn-cs"/>
-              </a:defRPr>
-            </a:lvl8pPr>
-            <a:lvl9pPr marL="3657600" algn="l" defTabSz="914400" rtl="0" eaLnBrk="1" latinLnBrk="0" hangingPunct="1">
-              <a:defRPr sz="1800" kern="1200">
-                <a:solidFill>
-                  <a:schemeClr val="dk1"/>
-                </a:solidFill>
-                <a:latin typeface="+mn-lt"/>
-                <a:ea typeface="+mn-ea"/>
-                <a:cs typeface="+mn-cs"/>
-              </a:defRPr>
-            </a:lvl9pPr>
-          </a:lstStyle>
+          <a:lstStyle/>
           <a:p>
             <a:pPr algn="ctr">
               <a:defRPr/>
@@ -10117,793 +10145,6 @@
                 <a:defRPr/>
               </a:pPr>
               <a:t>31</a:t>
-            </a:fld>
-            <a:endParaRPr lang="uk-UA" sz="2400" b="1" dirty="0">
-              <a:solidFill>
-                <a:schemeClr val="bg1">
-                  <a:lumMod val="50000"/>
-                </a:schemeClr>
-              </a:solidFill>
-            </a:endParaRPr>
-          </a:p>
-        </p:txBody>
-      </p:sp>
-      <p:sp>
-        <p:nvSpPr>
-          <p:cNvPr id="7" name="TextBox 6"/>
-          <p:cNvSpPr txBox="1"/>
-          <p:nvPr/>
-        </p:nvSpPr>
-        <p:spPr>
-          <a:xfrm>
-            <a:off x="1" y="5724545"/>
-            <a:ext cx="12191999" cy="584775"/>
-          </a:xfrm>
-          <a:prstGeom prst="rect">
-            <a:avLst/>
-          </a:prstGeom>
-          <a:noFill/>
-        </p:spPr>
-        <p:txBody>
-          <a:bodyPr wrap="square" rtlCol="0">
-            <a:spAutoFit/>
-          </a:bodyPr>
-          <a:lstStyle/>
-          <a:p>
-            <a:pPr algn="ctr"/>
-            <a:r>
-              <a:rPr lang="ru-RU" sz="3200" dirty="0"/>
-              <a:t>Пора освежить резюме…!</a:t>
-            </a:r>
-          </a:p>
-        </p:txBody>
-      </p:sp>
-      <p:pic>
-        <p:nvPicPr>
-          <p:cNvPr id="1026" name="Picture 2" descr="ÐÐ¾Ð²âÑÐ·Ð°Ð½Ðµ Ð·Ð¾Ð±ÑÐ°Ð¶ÐµÐ½Ð½Ñ"/>
-          <p:cNvPicPr>
-            <a:picLocks noChangeAspect="1" noChangeArrowheads="1"/>
-          </p:cNvPicPr>
-          <p:nvPr/>
-        </p:nvPicPr>
-        <p:blipFill>
-          <a:blip r:embed="rId2">
-            <a:extLst>
-              <a:ext uri="{28A0092B-C50C-407E-A947-70E740481C1C}">
-                <a14:useLocalDpi xmlns:a14="http://schemas.microsoft.com/office/drawing/2010/main" val="0"/>
-              </a:ext>
-            </a:extLst>
-          </a:blip>
-          <a:srcRect/>
-          <a:stretch>
-            <a:fillRect/>
-          </a:stretch>
-        </p:blipFill>
-        <p:spPr bwMode="auto">
-          <a:xfrm>
-            <a:off x="1819772" y="1317593"/>
-            <a:ext cx="8884740" cy="4055623"/>
-          </a:xfrm>
-          <a:prstGeom prst="rect">
-            <a:avLst/>
-          </a:prstGeom>
-          <a:ln>
-            <a:noFill/>
-          </a:ln>
-          <a:effectLst>
-            <a:outerShdw blurRad="292100" dist="139700" dir="2700000" algn="tl" rotWithShape="0">
-              <a:srgbClr val="333333">
-                <a:alpha val="65000"/>
-              </a:srgbClr>
-            </a:outerShdw>
-          </a:effectLst>
-          <a:extLst>
-            <a:ext uri="{909E8E84-426E-40DD-AFC4-6F175D3DCCD1}">
-              <a14:hiddenFill xmlns:a14="http://schemas.microsoft.com/office/drawing/2010/main">
-                <a:solidFill>
-                  <a:srgbClr val="FFFFFF"/>
-                </a:solidFill>
-              </a14:hiddenFill>
-            </a:ext>
-          </a:extLst>
-        </p:spPr>
-      </p:pic>
-      <p:sp>
-        <p:nvSpPr>
-          <p:cNvPr id="2" name="TextBox 1"/>
-          <p:cNvSpPr txBox="1"/>
-          <p:nvPr/>
-        </p:nvSpPr>
-        <p:spPr>
-          <a:xfrm>
-            <a:off x="1" y="344850"/>
-            <a:ext cx="12192000" cy="707886"/>
-          </a:xfrm>
-          <a:prstGeom prst="rect">
-            <a:avLst/>
-          </a:prstGeom>
-          <a:noFill/>
-        </p:spPr>
-        <p:txBody>
-          <a:bodyPr wrap="square" rtlCol="0">
-            <a:spAutoFit/>
-          </a:bodyPr>
-          <a:lstStyle/>
-          <a:p>
-            <a:pPr algn="ctr"/>
-            <a:r>
-              <a:rPr lang="ru-RU" sz="4000" b="1" dirty="0"/>
-              <a:t>Обновляем резюме</a:t>
-            </a:r>
-            <a:endParaRPr lang="uk-UA" sz="4000" b="1" dirty="0"/>
-          </a:p>
-        </p:txBody>
-      </p:sp>
-    </p:spTree>
-    <p:extLst>
-      <p:ext uri="{BB962C8B-B14F-4D97-AF65-F5344CB8AC3E}">
-        <p14:creationId xmlns:p14="http://schemas.microsoft.com/office/powerpoint/2010/main" val="1730929203"/>
-      </p:ext>
-    </p:extLst>
-  </p:cSld>
-  <p:clrMapOvr>
-    <a:masterClrMapping/>
-  </p:clrMapOvr>
-</p:sld>
-</file>
-
-<file path=ppt/slides/slide32.xml><?xml version="1.0" encoding="utf-8"?>
-<p:sld xmlns:a="http://schemas.openxmlformats.org/drawingml/2006/main" xmlns:r="http://schemas.openxmlformats.org/officeDocument/2006/relationships" xmlns:p="http://schemas.openxmlformats.org/presentationml/2006/main">
-  <p:cSld>
-    <p:spTree>
-      <p:nvGrpSpPr>
-        <p:cNvPr id="1" name=""/>
-        <p:cNvGrpSpPr/>
-        <p:nvPr/>
-      </p:nvGrpSpPr>
-      <p:grpSpPr>
-        <a:xfrm>
-          <a:off x="0" y="0"/>
-          <a:ext cx="0" cy="0"/>
-          <a:chOff x="0" y="0"/>
-          <a:chExt cx="0" cy="0"/>
-        </a:xfrm>
-      </p:grpSpPr>
-      <p:sp>
-        <p:nvSpPr>
-          <p:cNvPr id="5" name="Прямоугольник 4"/>
-          <p:cNvSpPr/>
-          <p:nvPr/>
-        </p:nvSpPr>
-        <p:spPr>
-          <a:xfrm>
-            <a:off x="0" y="0"/>
-            <a:ext cx="12192000" cy="6858000"/>
-          </a:xfrm>
-          <a:prstGeom prst="rect">
-            <a:avLst/>
-          </a:prstGeom>
-          <a:solidFill>
-            <a:schemeClr val="tx2">
-              <a:lumMod val="75000"/>
-            </a:schemeClr>
-          </a:solidFill>
-        </p:spPr>
-        <p:style>
-          <a:lnRef idx="2">
-            <a:schemeClr val="accent1">
-              <a:shade val="50000"/>
-            </a:schemeClr>
-          </a:lnRef>
-          <a:fillRef idx="1">
-            <a:schemeClr val="accent1"/>
-          </a:fillRef>
-          <a:effectRef idx="0">
-            <a:schemeClr val="accent1"/>
-          </a:effectRef>
-          <a:fontRef idx="minor">
-            <a:schemeClr val="lt1"/>
-          </a:fontRef>
-        </p:style>
-        <p:txBody>
-          <a:bodyPr rtlCol="0" anchor="ctr"/>
-          <a:lstStyle/>
-          <a:p>
-            <a:pPr algn="ctr"/>
-            <a:r>
-              <a:rPr lang="ru-RU" sz="7200" b="1" dirty="0"/>
-              <a:t>Будет полезным</a:t>
-            </a:r>
-            <a:endParaRPr lang="uk-UA" sz="7200" b="1" dirty="0"/>
-          </a:p>
-        </p:txBody>
-      </p:sp>
-    </p:spTree>
-    <p:extLst>
-      <p:ext uri="{BB962C8B-B14F-4D97-AF65-F5344CB8AC3E}">
-        <p14:creationId xmlns:p14="http://schemas.microsoft.com/office/powerpoint/2010/main" val="2606695204"/>
-      </p:ext>
-    </p:extLst>
-  </p:cSld>
-  <p:clrMapOvr>
-    <a:masterClrMapping/>
-  </p:clrMapOvr>
-</p:sld>
-</file>
-
-<file path=ppt/slides/slide33.xml><?xml version="1.0" encoding="utf-8"?>
-<p:sld xmlns:a="http://schemas.openxmlformats.org/drawingml/2006/main" xmlns:r="http://schemas.openxmlformats.org/officeDocument/2006/relationships" xmlns:p="http://schemas.openxmlformats.org/presentationml/2006/main">
-  <p:cSld>
-    <p:spTree>
-      <p:nvGrpSpPr>
-        <p:cNvPr id="1" name=""/>
-        <p:cNvGrpSpPr/>
-        <p:nvPr/>
-      </p:nvGrpSpPr>
-      <p:grpSpPr>
-        <a:xfrm>
-          <a:off x="0" y="0"/>
-          <a:ext cx="0" cy="0"/>
-          <a:chOff x="0" y="0"/>
-          <a:chExt cx="0" cy="0"/>
-        </a:xfrm>
-      </p:grpSpPr>
-      <p:sp>
-        <p:nvSpPr>
-          <p:cNvPr id="13" name="Номер слайда 36"/>
-          <p:cNvSpPr txBox="1">
-            <a:spLocks/>
-          </p:cNvSpPr>
-          <p:nvPr/>
-        </p:nvSpPr>
-        <p:spPr>
-          <a:xfrm>
-            <a:off x="11280576" y="6184627"/>
-            <a:ext cx="648072" cy="432048"/>
-          </a:xfrm>
-          <a:prstGeom prst="roundRect">
-            <a:avLst/>
-          </a:prstGeom>
-          <a:ln w="25400" cap="flat" cmpd="sng" algn="ctr">
-            <a:solidFill>
-              <a:schemeClr val="tx2">
-                <a:lumMod val="60000"/>
-                <a:lumOff val="40000"/>
-              </a:schemeClr>
-            </a:solidFill>
-            <a:prstDash val="solid"/>
-          </a:ln>
-        </p:spPr>
-        <p:style>
-          <a:lnRef idx="2">
-            <a:schemeClr val="accent1"/>
-          </a:lnRef>
-          <a:fillRef idx="1">
-            <a:schemeClr val="lt1"/>
-          </a:fillRef>
-          <a:effectRef idx="0">
-            <a:schemeClr val="accent1"/>
-          </a:effectRef>
-          <a:fontRef idx="minor">
-            <a:schemeClr val="dk1"/>
-          </a:fontRef>
-        </p:style>
-        <p:txBody>
-          <a:bodyPr vert="horz" lIns="91440" tIns="45720" rIns="91440" bIns="45720" rtlCol="0" anchor="ctr"/>
-          <a:lstStyle>
-            <a:defPPr>
-              <a:defRPr lang="uk-UA"/>
-            </a:defPPr>
-            <a:lvl1pPr marL="0" algn="l" defTabSz="914400" rtl="0" eaLnBrk="1" latinLnBrk="0" hangingPunct="1">
-              <a:defRPr sz="1800" kern="1200">
-                <a:solidFill>
-                  <a:schemeClr val="dk1"/>
-                </a:solidFill>
-                <a:latin typeface="+mn-lt"/>
-                <a:ea typeface="+mn-ea"/>
-                <a:cs typeface="+mn-cs"/>
-              </a:defRPr>
-            </a:lvl1pPr>
-            <a:lvl2pPr marL="457200" algn="l" defTabSz="914400" rtl="0" eaLnBrk="1" latinLnBrk="0" hangingPunct="1">
-              <a:defRPr sz="1800" kern="1200">
-                <a:solidFill>
-                  <a:schemeClr val="dk1"/>
-                </a:solidFill>
-                <a:latin typeface="+mn-lt"/>
-                <a:ea typeface="+mn-ea"/>
-                <a:cs typeface="+mn-cs"/>
-              </a:defRPr>
-            </a:lvl2pPr>
-            <a:lvl3pPr marL="914400" algn="l" defTabSz="914400" rtl="0" eaLnBrk="1" latinLnBrk="0" hangingPunct="1">
-              <a:defRPr sz="1800" kern="1200">
-                <a:solidFill>
-                  <a:schemeClr val="dk1"/>
-                </a:solidFill>
-                <a:latin typeface="+mn-lt"/>
-                <a:ea typeface="+mn-ea"/>
-                <a:cs typeface="+mn-cs"/>
-              </a:defRPr>
-            </a:lvl3pPr>
-            <a:lvl4pPr marL="1371600" algn="l" defTabSz="914400" rtl="0" eaLnBrk="1" latinLnBrk="0" hangingPunct="1">
-              <a:defRPr sz="1800" kern="1200">
-                <a:solidFill>
-                  <a:schemeClr val="dk1"/>
-                </a:solidFill>
-                <a:latin typeface="+mn-lt"/>
-                <a:ea typeface="+mn-ea"/>
-                <a:cs typeface="+mn-cs"/>
-              </a:defRPr>
-            </a:lvl4pPr>
-            <a:lvl5pPr marL="1828800" algn="l" defTabSz="914400" rtl="0" eaLnBrk="1" latinLnBrk="0" hangingPunct="1">
-              <a:defRPr sz="1800" kern="1200">
-                <a:solidFill>
-                  <a:schemeClr val="dk1"/>
-                </a:solidFill>
-                <a:latin typeface="+mn-lt"/>
-                <a:ea typeface="+mn-ea"/>
-                <a:cs typeface="+mn-cs"/>
-              </a:defRPr>
-            </a:lvl5pPr>
-            <a:lvl6pPr marL="2286000" algn="l" defTabSz="914400" rtl="0" eaLnBrk="1" latinLnBrk="0" hangingPunct="1">
-              <a:defRPr sz="1800" kern="1200">
-                <a:solidFill>
-                  <a:schemeClr val="dk1"/>
-                </a:solidFill>
-                <a:latin typeface="+mn-lt"/>
-                <a:ea typeface="+mn-ea"/>
-                <a:cs typeface="+mn-cs"/>
-              </a:defRPr>
-            </a:lvl6pPr>
-            <a:lvl7pPr marL="2743200" algn="l" defTabSz="914400" rtl="0" eaLnBrk="1" latinLnBrk="0" hangingPunct="1">
-              <a:defRPr sz="1800" kern="1200">
-                <a:solidFill>
-                  <a:schemeClr val="dk1"/>
-                </a:solidFill>
-                <a:latin typeface="+mn-lt"/>
-                <a:ea typeface="+mn-ea"/>
-                <a:cs typeface="+mn-cs"/>
-              </a:defRPr>
-            </a:lvl7pPr>
-            <a:lvl8pPr marL="3200400" algn="l" defTabSz="914400" rtl="0" eaLnBrk="1" latinLnBrk="0" hangingPunct="1">
-              <a:defRPr sz="1800" kern="1200">
-                <a:solidFill>
-                  <a:schemeClr val="dk1"/>
-                </a:solidFill>
-                <a:latin typeface="+mn-lt"/>
-                <a:ea typeface="+mn-ea"/>
-                <a:cs typeface="+mn-cs"/>
-              </a:defRPr>
-            </a:lvl8pPr>
-            <a:lvl9pPr marL="3657600" algn="l" defTabSz="914400" rtl="0" eaLnBrk="1" latinLnBrk="0" hangingPunct="1">
-              <a:defRPr sz="1800" kern="1200">
-                <a:solidFill>
-                  <a:schemeClr val="dk1"/>
-                </a:solidFill>
-                <a:latin typeface="+mn-lt"/>
-                <a:ea typeface="+mn-ea"/>
-                <a:cs typeface="+mn-cs"/>
-              </a:defRPr>
-            </a:lvl9pPr>
-          </a:lstStyle>
-          <a:p>
-            <a:pPr algn="ctr">
-              <a:defRPr/>
-            </a:pPr>
-            <a:fld id="{6389AA22-90B4-448C-8B6B-C699140D38B9}" type="slidenum">
-              <a:rPr lang="uk-UA" sz="2400" b="1">
-                <a:solidFill>
-                  <a:schemeClr val="bg1">
-                    <a:lumMod val="50000"/>
-                  </a:schemeClr>
-                </a:solidFill>
-              </a:rPr>
-              <a:pPr algn="ctr">
-                <a:defRPr/>
-              </a:pPr>
-              <a:t>33</a:t>
-            </a:fld>
-            <a:endParaRPr lang="uk-UA" sz="2400" b="1" dirty="0">
-              <a:solidFill>
-                <a:schemeClr val="bg1">
-                  <a:lumMod val="50000"/>
-                </a:schemeClr>
-              </a:solidFill>
-            </a:endParaRPr>
-          </a:p>
-        </p:txBody>
-      </p:sp>
-      <p:sp>
-        <p:nvSpPr>
-          <p:cNvPr id="4" name="Прямоугольник 3"/>
-          <p:cNvSpPr/>
-          <p:nvPr/>
-        </p:nvSpPr>
-        <p:spPr>
-          <a:xfrm>
-            <a:off x="4267681" y="6002124"/>
-            <a:ext cx="3944670" cy="523220"/>
-          </a:xfrm>
-          <a:prstGeom prst="rect">
-            <a:avLst/>
-          </a:prstGeom>
-        </p:spPr>
-        <p:txBody>
-          <a:bodyPr wrap="none">
-            <a:spAutoFit/>
-          </a:bodyPr>
-          <a:lstStyle/>
-          <a:p>
-            <a:r>
-              <a:rPr lang="en-US" sz="2800" b="1" dirty="0">
-                <a:hlinkClick r:id="rId2"/>
-              </a:rPr>
-              <a:t>https://themeforest.net/</a:t>
-            </a:r>
-            <a:endParaRPr lang="ru-RU" sz="2800" b="1" dirty="0"/>
-          </a:p>
-        </p:txBody>
-      </p:sp>
-      <p:sp>
-        <p:nvSpPr>
-          <p:cNvPr id="5" name="TextBox 4"/>
-          <p:cNvSpPr txBox="1"/>
-          <p:nvPr/>
-        </p:nvSpPr>
-        <p:spPr>
-          <a:xfrm>
-            <a:off x="2999656" y="217897"/>
-            <a:ext cx="6650988" cy="646331"/>
-          </a:xfrm>
-          <a:prstGeom prst="rect">
-            <a:avLst/>
-          </a:prstGeom>
-          <a:noFill/>
-        </p:spPr>
-        <p:txBody>
-          <a:bodyPr wrap="none" rtlCol="0">
-            <a:spAutoFit/>
-          </a:bodyPr>
-          <a:lstStyle/>
-          <a:p>
-            <a:r>
-              <a:rPr lang="en-US" sz="3600" b="1" dirty="0" err="1"/>
-              <a:t>Envato</a:t>
-            </a:r>
-            <a:r>
-              <a:rPr lang="en-US" sz="3600" b="1" dirty="0"/>
-              <a:t> Market (ex. </a:t>
-            </a:r>
-            <a:r>
-              <a:rPr lang="en-US" sz="3600" b="1" dirty="0" err="1"/>
-              <a:t>ThemeForest</a:t>
-            </a:r>
-            <a:r>
-              <a:rPr lang="en-US" sz="3600" b="1" dirty="0"/>
-              <a:t>) </a:t>
-            </a:r>
-            <a:endParaRPr lang="ru-RU" sz="3600" b="1" dirty="0"/>
-          </a:p>
-        </p:txBody>
-      </p:sp>
-      <p:sp>
-        <p:nvSpPr>
-          <p:cNvPr id="7" name="TextBox 6"/>
-          <p:cNvSpPr txBox="1"/>
-          <p:nvPr/>
-        </p:nvSpPr>
-        <p:spPr>
-          <a:xfrm>
-            <a:off x="0" y="5282044"/>
-            <a:ext cx="12192000" cy="523220"/>
-          </a:xfrm>
-          <a:prstGeom prst="rect">
-            <a:avLst/>
-          </a:prstGeom>
-          <a:noFill/>
-        </p:spPr>
-        <p:txBody>
-          <a:bodyPr wrap="square" rtlCol="0">
-            <a:spAutoFit/>
-          </a:bodyPr>
-          <a:lstStyle/>
-          <a:p>
-            <a:pPr algn="ctr"/>
-            <a:r>
-              <a:rPr lang="ru-RU" sz="2800" b="1" dirty="0"/>
-              <a:t>«</a:t>
-            </a:r>
-            <a:r>
-              <a:rPr lang="en-US" sz="2800" b="1" dirty="0" err="1"/>
-              <a:t>Envato</a:t>
-            </a:r>
-            <a:r>
-              <a:rPr lang="en-US" sz="2800" b="1" dirty="0"/>
-              <a:t> Market</a:t>
-            </a:r>
-            <a:r>
-              <a:rPr lang="ru-RU" sz="2800" b="1" dirty="0"/>
-              <a:t>»</a:t>
-            </a:r>
-            <a:r>
-              <a:rPr lang="en-US" sz="2800" dirty="0"/>
-              <a:t> - </a:t>
-            </a:r>
-            <a:r>
-              <a:rPr lang="ru-RU" sz="2800" dirty="0"/>
-              <a:t>крупнейший магазин </a:t>
-            </a:r>
-            <a:r>
-              <a:rPr lang="ru-RU" sz="2800" b="1" dirty="0"/>
-              <a:t>платных</a:t>
-            </a:r>
-            <a:r>
-              <a:rPr lang="ru-RU" sz="2800" dirty="0"/>
-              <a:t> готовых шаблонов.</a:t>
-            </a:r>
-          </a:p>
-        </p:txBody>
-      </p:sp>
-      <p:pic>
-        <p:nvPicPr>
-          <p:cNvPr id="2" name="Рисунок 1"/>
-          <p:cNvPicPr>
-            <a:picLocks noChangeAspect="1"/>
-          </p:cNvPicPr>
-          <p:nvPr/>
-        </p:nvPicPr>
-        <p:blipFill>
-          <a:blip r:embed="rId3"/>
-          <a:stretch>
-            <a:fillRect/>
-          </a:stretch>
-        </p:blipFill>
-        <p:spPr>
-          <a:xfrm>
-            <a:off x="3613775" y="1412777"/>
-            <a:ext cx="6656273" cy="3417243"/>
-          </a:xfrm>
-          <a:prstGeom prst="rect">
-            <a:avLst/>
-          </a:prstGeom>
-          <a:ln>
-            <a:noFill/>
-          </a:ln>
-          <a:effectLst>
-            <a:outerShdw blurRad="292100" dist="139700" dir="2700000" algn="tl" rotWithShape="0">
-              <a:srgbClr val="333333">
-                <a:alpha val="65000"/>
-              </a:srgbClr>
-            </a:outerShdw>
-          </a:effectLst>
-        </p:spPr>
-      </p:pic>
-      <p:pic>
-        <p:nvPicPr>
-          <p:cNvPr id="1026" name="Picture 2" descr="http://artlab.club/uploads/images/00/00/28/2015/06/18/0u4fdd0f63-543a6310-167730d2.png"/>
-          <p:cNvPicPr>
-            <a:picLocks noChangeAspect="1" noChangeArrowheads="1"/>
-          </p:cNvPicPr>
-          <p:nvPr/>
-        </p:nvPicPr>
-        <p:blipFill>
-          <a:blip r:embed="rId4">
-            <a:extLst>
-              <a:ext uri="{28A0092B-C50C-407E-A947-70E740481C1C}">
-                <a14:useLocalDpi xmlns:a14="http://schemas.microsoft.com/office/drawing/2010/main" val="0"/>
-              </a:ext>
-            </a:extLst>
-          </a:blip>
-          <a:srcRect/>
-          <a:stretch>
-            <a:fillRect/>
-          </a:stretch>
-        </p:blipFill>
-        <p:spPr bwMode="auto">
-          <a:xfrm>
-            <a:off x="2423592" y="1124744"/>
-            <a:ext cx="4405498" cy="2458574"/>
-          </a:xfrm>
-          <a:prstGeom prst="rect">
-            <a:avLst/>
-          </a:prstGeom>
-          <a:ln>
-            <a:solidFill>
-              <a:srgbClr val="92D050"/>
-            </a:solidFill>
-          </a:ln>
-          <a:effectLst>
-            <a:outerShdw blurRad="292100" dist="139700" dir="2700000" algn="tl" rotWithShape="0">
-              <a:srgbClr val="333333">
-                <a:alpha val="65000"/>
-              </a:srgbClr>
-            </a:outerShdw>
-          </a:effectLst>
-          <a:extLst>
-            <a:ext uri="{909E8E84-426E-40DD-AFC4-6F175D3DCCD1}">
-              <a14:hiddenFill xmlns:a14="http://schemas.microsoft.com/office/drawing/2010/main">
-                <a:solidFill>
-                  <a:srgbClr val="FFFFFF"/>
-                </a:solidFill>
-              </a14:hiddenFill>
-            </a:ext>
-          </a:extLst>
-        </p:spPr>
-      </p:pic>
-    </p:spTree>
-    <p:extLst>
-      <p:ext uri="{BB962C8B-B14F-4D97-AF65-F5344CB8AC3E}">
-        <p14:creationId xmlns:p14="http://schemas.microsoft.com/office/powerpoint/2010/main" val="3394780914"/>
-      </p:ext>
-    </p:extLst>
-  </p:cSld>
-  <p:clrMapOvr>
-    <a:masterClrMapping/>
-  </p:clrMapOvr>
-</p:sld>
-</file>
-
-<file path=ppt/slides/slide34.xml><?xml version="1.0" encoding="utf-8"?>
-<p:sld xmlns:a="http://schemas.openxmlformats.org/drawingml/2006/main" xmlns:r="http://schemas.openxmlformats.org/officeDocument/2006/relationships" xmlns:p="http://schemas.openxmlformats.org/presentationml/2006/main">
-  <p:cSld>
-    <p:spTree>
-      <p:nvGrpSpPr>
-        <p:cNvPr id="1" name=""/>
-        <p:cNvGrpSpPr/>
-        <p:nvPr/>
-      </p:nvGrpSpPr>
-      <p:grpSpPr>
-        <a:xfrm>
-          <a:off x="0" y="0"/>
-          <a:ext cx="0" cy="0"/>
-          <a:chOff x="0" y="0"/>
-          <a:chExt cx="0" cy="0"/>
-        </a:xfrm>
-      </p:grpSpPr>
-      <p:sp>
-        <p:nvSpPr>
-          <p:cNvPr id="5" name="Прямоугольник 4"/>
-          <p:cNvSpPr/>
-          <p:nvPr/>
-        </p:nvSpPr>
-        <p:spPr>
-          <a:xfrm>
-            <a:off x="0" y="0"/>
-            <a:ext cx="12192000" cy="6858000"/>
-          </a:xfrm>
-          <a:prstGeom prst="rect">
-            <a:avLst/>
-          </a:prstGeom>
-          <a:solidFill>
-            <a:schemeClr val="tx2">
-              <a:lumMod val="75000"/>
-            </a:schemeClr>
-          </a:solidFill>
-        </p:spPr>
-        <p:style>
-          <a:lnRef idx="2">
-            <a:schemeClr val="accent1">
-              <a:shade val="50000"/>
-            </a:schemeClr>
-          </a:lnRef>
-          <a:fillRef idx="1">
-            <a:schemeClr val="accent1"/>
-          </a:fillRef>
-          <a:effectRef idx="0">
-            <a:schemeClr val="accent1"/>
-          </a:effectRef>
-          <a:fontRef idx="minor">
-            <a:schemeClr val="lt1"/>
-          </a:fontRef>
-        </p:style>
-        <p:txBody>
-          <a:bodyPr rtlCol="0" anchor="ctr"/>
-          <a:lstStyle/>
-          <a:p>
-            <a:pPr algn="ctr"/>
-            <a:r>
-              <a:rPr lang="ru-RU" sz="6600" b="1" dirty="0"/>
-              <a:t>К следующему </a:t>
-            </a:r>
-          </a:p>
-          <a:p>
-            <a:pPr algn="ctr"/>
-            <a:r>
-              <a:rPr lang="ru-RU" sz="6600" b="1" dirty="0"/>
-              <a:t>занятию…</a:t>
-            </a:r>
-            <a:endParaRPr lang="uk-UA" sz="6600" b="1" dirty="0"/>
-          </a:p>
-        </p:txBody>
-      </p:sp>
-    </p:spTree>
-    <p:extLst>
-      <p:ext uri="{BB962C8B-B14F-4D97-AF65-F5344CB8AC3E}">
-        <p14:creationId xmlns:p14="http://schemas.microsoft.com/office/powerpoint/2010/main" val="1909362233"/>
-      </p:ext>
-    </p:extLst>
-  </p:cSld>
-  <p:clrMapOvr>
-    <a:masterClrMapping/>
-  </p:clrMapOvr>
-</p:sld>
-</file>
-
-<file path=ppt/slides/slide35.xml><?xml version="1.0" encoding="utf-8"?>
-<p:sld xmlns:a="http://schemas.openxmlformats.org/drawingml/2006/main" xmlns:r="http://schemas.openxmlformats.org/officeDocument/2006/relationships" xmlns:p="http://schemas.openxmlformats.org/presentationml/2006/main">
-  <p:cSld>
-    <p:spTree>
-      <p:nvGrpSpPr>
-        <p:cNvPr id="1" name=""/>
-        <p:cNvGrpSpPr/>
-        <p:nvPr/>
-      </p:nvGrpSpPr>
-      <p:grpSpPr>
-        <a:xfrm>
-          <a:off x="0" y="0"/>
-          <a:ext cx="0" cy="0"/>
-          <a:chOff x="0" y="0"/>
-          <a:chExt cx="0" cy="0"/>
-        </a:xfrm>
-      </p:grpSpPr>
-      <p:sp>
-        <p:nvSpPr>
-          <p:cNvPr id="8" name="Номер слайда 36"/>
-          <p:cNvSpPr txBox="1">
-            <a:spLocks/>
-          </p:cNvSpPr>
-          <p:nvPr/>
-        </p:nvSpPr>
-        <p:spPr>
-          <a:xfrm>
-            <a:off x="11352584" y="6237312"/>
-            <a:ext cx="648072" cy="432048"/>
-          </a:xfrm>
-          <a:prstGeom prst="roundRect">
-            <a:avLst/>
-          </a:prstGeom>
-          <a:ln w="25400" cap="flat" cmpd="sng" algn="ctr">
-            <a:solidFill>
-              <a:schemeClr val="tx2">
-                <a:lumMod val="60000"/>
-                <a:lumOff val="40000"/>
-              </a:schemeClr>
-            </a:solidFill>
-            <a:prstDash val="solid"/>
-          </a:ln>
-        </p:spPr>
-        <p:style>
-          <a:lnRef idx="2">
-            <a:schemeClr val="accent1"/>
-          </a:lnRef>
-          <a:fillRef idx="1">
-            <a:schemeClr val="lt1"/>
-          </a:fillRef>
-          <a:effectRef idx="0">
-            <a:schemeClr val="accent1"/>
-          </a:effectRef>
-          <a:fontRef idx="minor">
-            <a:schemeClr val="dk1"/>
-          </a:fontRef>
-        </p:style>
-        <p:txBody>
-          <a:bodyPr vert="horz" lIns="91440" tIns="45720" rIns="91440" bIns="45720" rtlCol="0" anchor="ctr"/>
-          <a:lstStyle/>
-          <a:p>
-            <a:pPr algn="ctr">
-              <a:defRPr/>
-            </a:pPr>
-            <a:fld id="{6389AA22-90B4-448C-8B6B-C699140D38B9}" type="slidenum">
-              <a:rPr lang="uk-UA" sz="2400" b="1">
-                <a:solidFill>
-                  <a:schemeClr val="bg1">
-                    <a:lumMod val="50000"/>
-                  </a:schemeClr>
-                </a:solidFill>
-              </a:rPr>
-              <a:pPr algn="ctr">
-                <a:defRPr/>
-              </a:pPr>
-              <a:t>35</a:t>
             </a:fld>
             <a:endParaRPr lang="uk-UA" sz="2400" b="1" dirty="0">
               <a:solidFill>
